--- a/MyMindNotes 기획/나의 마음 일지 모듈화 방법 선택.pptx
+++ b/MyMindNotes 기획/나의 마음 일지 모듈화 방법 선택.pptx
@@ -8,7 +8,8 @@
     <p:sldId id="256" r:id="rId2"/>
     <p:sldId id="257" r:id="rId3"/>
     <p:sldId id="258" r:id="rId4"/>
-    <p:sldId id="259" r:id="rId5"/>
+    <p:sldId id="260" r:id="rId5"/>
+    <p:sldId id="259" r:id="rId6"/>
   </p:sldIdLst>
   <p:sldSz cx="12192000" cy="6858000"/>
   <p:notesSz cx="6858000" cy="9144000"/>
@@ -26880,7 +26881,7 @@
           <a:p>
             <a:fld id="{EDB8FCC8-1576-4E05-820C-3A6DFBA7176C}" type="datetimeFigureOut">
               <a:rPr lang="ko-KR" altLang="en-US" smtClean="0"/>
-              <a:t>2023-06-09</a:t>
+              <a:t>2023-06-12</a:t>
             </a:fld>
             <a:endParaRPr lang="ko-KR" altLang="en-US"/>
           </a:p>
@@ -27078,7 +27079,7 @@
           <a:p>
             <a:fld id="{EDB8FCC8-1576-4E05-820C-3A6DFBA7176C}" type="datetimeFigureOut">
               <a:rPr lang="ko-KR" altLang="en-US" smtClean="0"/>
-              <a:t>2023-06-09</a:t>
+              <a:t>2023-06-12</a:t>
             </a:fld>
             <a:endParaRPr lang="ko-KR" altLang="en-US"/>
           </a:p>
@@ -27286,7 +27287,7 @@
           <a:p>
             <a:fld id="{EDB8FCC8-1576-4E05-820C-3A6DFBA7176C}" type="datetimeFigureOut">
               <a:rPr lang="ko-KR" altLang="en-US" smtClean="0"/>
-              <a:t>2023-06-09</a:t>
+              <a:t>2023-06-12</a:t>
             </a:fld>
             <a:endParaRPr lang="ko-KR" altLang="en-US"/>
           </a:p>
@@ -27484,7 +27485,7 @@
           <a:p>
             <a:fld id="{EDB8FCC8-1576-4E05-820C-3A6DFBA7176C}" type="datetimeFigureOut">
               <a:rPr lang="ko-KR" altLang="en-US" smtClean="0"/>
-              <a:t>2023-06-09</a:t>
+              <a:t>2023-06-12</a:t>
             </a:fld>
             <a:endParaRPr lang="ko-KR" altLang="en-US"/>
           </a:p>
@@ -27759,7 +27760,7 @@
           <a:p>
             <a:fld id="{EDB8FCC8-1576-4E05-820C-3A6DFBA7176C}" type="datetimeFigureOut">
               <a:rPr lang="ko-KR" altLang="en-US" smtClean="0"/>
-              <a:t>2023-06-09</a:t>
+              <a:t>2023-06-12</a:t>
             </a:fld>
             <a:endParaRPr lang="ko-KR" altLang="en-US"/>
           </a:p>
@@ -28024,7 +28025,7 @@
           <a:p>
             <a:fld id="{EDB8FCC8-1576-4E05-820C-3A6DFBA7176C}" type="datetimeFigureOut">
               <a:rPr lang="ko-KR" altLang="en-US" smtClean="0"/>
-              <a:t>2023-06-09</a:t>
+              <a:t>2023-06-12</a:t>
             </a:fld>
             <a:endParaRPr lang="ko-KR" altLang="en-US"/>
           </a:p>
@@ -28436,7 +28437,7 @@
           <a:p>
             <a:fld id="{EDB8FCC8-1576-4E05-820C-3A6DFBA7176C}" type="datetimeFigureOut">
               <a:rPr lang="ko-KR" altLang="en-US" smtClean="0"/>
-              <a:t>2023-06-09</a:t>
+              <a:t>2023-06-12</a:t>
             </a:fld>
             <a:endParaRPr lang="ko-KR" altLang="en-US"/>
           </a:p>
@@ -28577,7 +28578,7 @@
           <a:p>
             <a:fld id="{EDB8FCC8-1576-4E05-820C-3A6DFBA7176C}" type="datetimeFigureOut">
               <a:rPr lang="ko-KR" altLang="en-US" smtClean="0"/>
-              <a:t>2023-06-09</a:t>
+              <a:t>2023-06-12</a:t>
             </a:fld>
             <a:endParaRPr lang="ko-KR" altLang="en-US"/>
           </a:p>
@@ -28690,7 +28691,7 @@
           <a:p>
             <a:fld id="{EDB8FCC8-1576-4E05-820C-3A6DFBA7176C}" type="datetimeFigureOut">
               <a:rPr lang="ko-KR" altLang="en-US" smtClean="0"/>
-              <a:t>2023-06-09</a:t>
+              <a:t>2023-06-12</a:t>
             </a:fld>
             <a:endParaRPr lang="ko-KR" altLang="en-US"/>
           </a:p>
@@ -29001,7 +29002,7 @@
           <a:p>
             <a:fld id="{EDB8FCC8-1576-4E05-820C-3A6DFBA7176C}" type="datetimeFigureOut">
               <a:rPr lang="ko-KR" altLang="en-US" smtClean="0"/>
-              <a:t>2023-06-09</a:t>
+              <a:t>2023-06-12</a:t>
             </a:fld>
             <a:endParaRPr lang="ko-KR" altLang="en-US"/>
           </a:p>
@@ -29289,7 +29290,7 @@
           <a:p>
             <a:fld id="{EDB8FCC8-1576-4E05-820C-3A6DFBA7176C}" type="datetimeFigureOut">
               <a:rPr lang="ko-KR" altLang="en-US" smtClean="0"/>
-              <a:t>2023-06-09</a:t>
+              <a:t>2023-06-12</a:t>
             </a:fld>
             <a:endParaRPr lang="ko-KR" altLang="en-US"/>
           </a:p>
@@ -29530,7 +29531,7 @@
           <a:p>
             <a:fld id="{EDB8FCC8-1576-4E05-820C-3A6DFBA7176C}" type="datetimeFigureOut">
               <a:rPr lang="ko-KR" altLang="en-US" smtClean="0"/>
-              <a:t>2023-06-09</a:t>
+              <a:t>2023-06-12</a:t>
             </a:fld>
             <a:endParaRPr lang="ko-KR" altLang="en-US"/>
           </a:p>
@@ -31079,6 +31080,316 @@
           <p:cNvPr id="2" name="제목 1">
             <a:extLst>
               <a:ext uri="{FF2B5EF4-FFF2-40B4-BE49-F238E27FC236}">
+                <a16:creationId xmlns:a16="http://schemas.microsoft.com/office/drawing/2014/main" id="{5186E995-07ED-67EE-A52C-4098980CA810}"/>
+              </a:ext>
+            </a:extLst>
+          </p:cNvPr>
+          <p:cNvSpPr>
+            <a:spLocks noGrp="1"/>
+          </p:cNvSpPr>
+          <p:nvPr>
+            <p:ph type="title"/>
+          </p:nvPr>
+        </p:nvSpPr>
+        <p:spPr/>
+        <p:txBody>
+          <a:bodyPr/>
+          <a:lstStyle/>
+          <a:p>
+            <a:pPr algn="ctr"/>
+            <a:r>
+              <a:rPr lang="ko-KR" altLang="en-US" dirty="0"/>
+              <a:t>세분화와 오버헤드</a:t>
+            </a:r>
+          </a:p>
+        </p:txBody>
+      </p:sp>
+      <p:sp>
+        <p:nvSpPr>
+          <p:cNvPr id="3" name="내용 개체 틀 2">
+            <a:extLst>
+              <a:ext uri="{FF2B5EF4-FFF2-40B4-BE49-F238E27FC236}">
+                <a16:creationId xmlns:a16="http://schemas.microsoft.com/office/drawing/2014/main" id="{5F9BB836-33C6-C77C-0D4E-687820E8AC3A}"/>
+              </a:ext>
+            </a:extLst>
+          </p:cNvPr>
+          <p:cNvSpPr>
+            <a:spLocks noGrp="1"/>
+          </p:cNvSpPr>
+          <p:nvPr>
+            <p:ph idx="1"/>
+          </p:nvPr>
+        </p:nvSpPr>
+        <p:spPr>
+          <a:xfrm>
+            <a:off x="838200" y="1690688"/>
+            <a:ext cx="10515600" cy="4351338"/>
+          </a:xfrm>
+        </p:spPr>
+        <p:txBody>
+          <a:bodyPr>
+            <a:noAutofit/>
+          </a:bodyPr>
+          <a:lstStyle/>
+          <a:p>
+            <a:pPr marL="0" indent="0">
+              <a:buNone/>
+            </a:pPr>
+            <a:r>
+              <a:rPr lang="ko-KR" altLang="en-US" sz="1800" dirty="0"/>
+              <a:t>안드로이드 앱을 세분화하면</a:t>
+            </a:r>
+            <a:r>
+              <a:rPr lang="en-US" altLang="ko-KR" sz="1800" dirty="0"/>
+              <a:t>, </a:t>
+            </a:r>
+            <a:r>
+              <a:rPr lang="ko-KR" altLang="en-US" sz="1800" dirty="0"/>
+              <a:t>여러 가지 오버헤드가 증가할 수 있다</a:t>
+            </a:r>
+            <a:r>
+              <a:rPr lang="en-US" altLang="ko-KR" sz="1800" dirty="0"/>
+              <a:t>. </a:t>
+            </a:r>
+          </a:p>
+          <a:p>
+            <a:r>
+              <a:rPr lang="en-US" altLang="ko-KR" sz="1800" dirty="0"/>
+              <a:t>1) </a:t>
+            </a:r>
+            <a:r>
+              <a:rPr lang="ko-KR" altLang="en-US" sz="1800" b="1" dirty="0"/>
+              <a:t>빌드 오버헤드</a:t>
+            </a:r>
+            <a:r>
+              <a:rPr lang="en-US" altLang="ko-KR" sz="1800" dirty="0"/>
+              <a:t>: </a:t>
+            </a:r>
+            <a:r>
+              <a:rPr lang="ko-KR" altLang="en-US" sz="1800" dirty="0" err="1"/>
+              <a:t>그레이들의</a:t>
+            </a:r>
+            <a:r>
+              <a:rPr lang="ko-KR" altLang="en-US" sz="1800" dirty="0"/>
+              <a:t> 증분 빌드 기능은 변경된 모듈만 다시 빌드하는 것이 가능해져 빌드 시간을 단축시킬 수 있다는 장점이 있지만</a:t>
+            </a:r>
+            <a:r>
+              <a:rPr lang="en-US" altLang="ko-KR" sz="1800" dirty="0"/>
+              <a:t>, </a:t>
+            </a:r>
+            <a:r>
+              <a:rPr lang="ko-KR" altLang="en-US" sz="1800" dirty="0"/>
+              <a:t>모듈의 수가 과도하게 많아지면 모듈 간의 의존성 관리나 테스트 등의 시간이 증가해서 빌드 시간이 오히려 늘어날 수 있다</a:t>
+            </a:r>
+            <a:r>
+              <a:rPr lang="en-US" altLang="ko-KR" sz="1800" dirty="0"/>
+              <a:t>.</a:t>
+            </a:r>
+          </a:p>
+          <a:p>
+            <a:r>
+              <a:rPr lang="en-US" altLang="ko-KR" sz="1800" dirty="0"/>
+              <a:t>2) </a:t>
+            </a:r>
+            <a:r>
+              <a:rPr lang="ko-KR" altLang="en-US" sz="1800" b="1" dirty="0"/>
+              <a:t>관리 오버헤드</a:t>
+            </a:r>
+            <a:r>
+              <a:rPr lang="en-US" altLang="ko-KR" sz="1800" dirty="0"/>
+              <a:t>: </a:t>
+            </a:r>
+            <a:r>
+              <a:rPr lang="ko-KR" altLang="en-US" sz="1800" dirty="0"/>
+              <a:t>모듈이 많아지면 각 모듈에 대한 관리가 복잡해질 수 있다</a:t>
+            </a:r>
+            <a:r>
+              <a:rPr lang="en-US" altLang="ko-KR" sz="1800" dirty="0"/>
+              <a:t>. </a:t>
+            </a:r>
+            <a:r>
+              <a:rPr lang="ko-KR" altLang="en-US" sz="1800" dirty="0"/>
+              <a:t>각 모듈의 버전 관리</a:t>
+            </a:r>
+            <a:r>
+              <a:rPr lang="en-US" altLang="ko-KR" sz="1800" dirty="0"/>
+              <a:t>, </a:t>
+            </a:r>
+            <a:r>
+              <a:rPr lang="ko-KR" altLang="en-US" sz="1800" dirty="0"/>
+              <a:t>테스트</a:t>
+            </a:r>
+            <a:r>
+              <a:rPr lang="en-US" altLang="ko-KR" sz="1800" dirty="0"/>
+              <a:t>, </a:t>
+            </a:r>
+            <a:r>
+              <a:rPr lang="ko-KR" altLang="en-US" sz="1800" dirty="0"/>
+              <a:t>문서화 등에 추가적인 시간과 노력이 </a:t>
+            </a:r>
+            <a:r>
+              <a:rPr lang="ko-KR" altLang="en-US" sz="1800" dirty="0" err="1"/>
+              <a:t>필요해진다</a:t>
+            </a:r>
+            <a:r>
+              <a:rPr lang="en-US" altLang="ko-KR" sz="1800" dirty="0"/>
+              <a:t>.</a:t>
+            </a:r>
+          </a:p>
+          <a:p>
+            <a:r>
+              <a:rPr lang="en-US" altLang="ko-KR" sz="1800" dirty="0"/>
+              <a:t>3) </a:t>
+            </a:r>
+            <a:r>
+              <a:rPr lang="ko-KR" altLang="en-US" sz="1800" b="1" dirty="0"/>
+              <a:t>통합 오버헤드</a:t>
+            </a:r>
+            <a:r>
+              <a:rPr lang="en-US" altLang="ko-KR" sz="1800" dirty="0"/>
+              <a:t>: </a:t>
+            </a:r>
+            <a:r>
+              <a:rPr lang="ko-KR" altLang="en-US" sz="1800" dirty="0"/>
+              <a:t>모듈 간의 상호작용을 설정하고 관리하는 데 시간과 노력이 필요하다</a:t>
+            </a:r>
+            <a:r>
+              <a:rPr lang="en-US" altLang="ko-KR" sz="1800" dirty="0"/>
+              <a:t>. </a:t>
+            </a:r>
+            <a:r>
+              <a:rPr lang="ko-KR" altLang="en-US" sz="1800" dirty="0"/>
+              <a:t>모듈 간의 인터페이스와 데이터 교환을 위한 코드를 작성하고 테스트해야 한다</a:t>
+            </a:r>
+            <a:r>
+              <a:rPr lang="en-US" altLang="ko-KR" sz="1800" dirty="0"/>
+              <a:t>.</a:t>
+            </a:r>
+          </a:p>
+          <a:p>
+            <a:r>
+              <a:rPr lang="en-US" altLang="ko-KR" sz="1800" dirty="0"/>
+              <a:t>4) </a:t>
+            </a:r>
+            <a:r>
+              <a:rPr lang="ko-KR" altLang="en-US" sz="1800" b="1" dirty="0"/>
+              <a:t>의존성 오버헤드</a:t>
+            </a:r>
+            <a:r>
+              <a:rPr lang="en-US" altLang="ko-KR" sz="1800" dirty="0"/>
+              <a:t>: </a:t>
+            </a:r>
+            <a:r>
+              <a:rPr lang="ko-KR" altLang="en-US" sz="1800" dirty="0"/>
+              <a:t>각 모듈이 독립적으로 유지되기 때문에</a:t>
+            </a:r>
+            <a:r>
+              <a:rPr lang="en-US" altLang="ko-KR" sz="1800" dirty="0"/>
+              <a:t>, </a:t>
+            </a:r>
+            <a:r>
+              <a:rPr lang="ko-KR" altLang="en-US" sz="1800" dirty="0"/>
+              <a:t>각 모듈의 의존성을 관리하는 것이 더 복잡해질 수 있다</a:t>
+            </a:r>
+            <a:r>
+              <a:rPr lang="en-US" altLang="ko-KR" sz="1800" dirty="0"/>
+              <a:t>. </a:t>
+            </a:r>
+            <a:r>
+              <a:rPr lang="ko-KR" altLang="en-US" sz="1800" dirty="0"/>
+              <a:t>예를 들어 여러 모듈이 동일한 라이브러리를 사용하는 경우</a:t>
+            </a:r>
+            <a:r>
+              <a:rPr lang="en-US" altLang="ko-KR" sz="1800" dirty="0"/>
+              <a:t>, </a:t>
+            </a:r>
+            <a:r>
+              <a:rPr lang="ko-KR" altLang="en-US" sz="1800" dirty="0"/>
+              <a:t>해당 라이브러리의 버전을 일관되게 유지해야 할 필요가 있다</a:t>
+            </a:r>
+            <a:r>
+              <a:rPr lang="en-US" altLang="ko-KR" sz="1800" dirty="0"/>
+              <a:t>. </a:t>
+            </a:r>
+          </a:p>
+          <a:p>
+            <a:endParaRPr lang="en-US" altLang="ko-KR" sz="1800" dirty="0"/>
+          </a:p>
+          <a:p>
+            <a:pPr marL="0" indent="0">
+              <a:buNone/>
+            </a:pPr>
+            <a:r>
+              <a:rPr lang="ko-KR" altLang="en-US" sz="1800" dirty="0"/>
+              <a:t>따라서</a:t>
+            </a:r>
+            <a:r>
+              <a:rPr lang="en-US" altLang="ko-KR" sz="1800" dirty="0"/>
+              <a:t>, </a:t>
+            </a:r>
+            <a:r>
+              <a:rPr lang="ko-KR" altLang="en-US" sz="1800" dirty="0"/>
+              <a:t>안드로이드 앱을 세분화할 때는 이러한 오버헤드를 고려해야 한다</a:t>
+            </a:r>
+            <a:r>
+              <a:rPr lang="en-US" altLang="ko-KR" sz="1800" dirty="0"/>
+              <a:t>. </a:t>
+            </a:r>
+            <a:r>
+              <a:rPr lang="ko-KR" altLang="en-US" sz="1800" b="1" dirty="0"/>
+              <a:t>필요한 기능과 앱의 복잡성에 따라 적절한 모듈화 수준을 결정해야 한다</a:t>
+            </a:r>
+            <a:r>
+              <a:rPr lang="en-US" altLang="ko-KR" sz="1800" dirty="0"/>
+              <a:t>. </a:t>
+            </a:r>
+            <a:r>
+              <a:rPr lang="ko-KR" altLang="en-US" sz="1800" b="1" dirty="0"/>
+              <a:t>이를 통해 빌드 시간을 최적화하고 코드 유지 관리를 용이하게 할 수 있다</a:t>
+            </a:r>
+            <a:r>
+              <a:rPr lang="en-US" altLang="ko-KR" sz="1800" dirty="0"/>
+              <a:t>.</a:t>
+            </a:r>
+            <a:endParaRPr lang="ko-KR" altLang="en-US" sz="1800" dirty="0"/>
+          </a:p>
+        </p:txBody>
+      </p:sp>
+    </p:spTree>
+    <p:extLst>
+      <p:ext uri="{BB962C8B-B14F-4D97-AF65-F5344CB8AC3E}">
+        <p14:creationId xmlns:p14="http://schemas.microsoft.com/office/powerpoint/2010/main" val="2389641712"/>
+      </p:ext>
+    </p:extLst>
+  </p:cSld>
+  <p:clrMapOvr>
+    <a:masterClrMapping/>
+  </p:clrMapOvr>
+</p:sld>
+</file>
+
+<file path=ppt/slides/slide5.xml><?xml version="1.0" encoding="utf-8"?>
+<p:sld xmlns:a="http://schemas.openxmlformats.org/drawingml/2006/main" xmlns:r="http://schemas.openxmlformats.org/officeDocument/2006/relationships" xmlns:p="http://schemas.openxmlformats.org/presentationml/2006/main">
+  <p:cSld>
+    <p:spTree>
+      <p:nvGrpSpPr>
+        <p:cNvPr id="1" name=""/>
+        <p:cNvGrpSpPr/>
+        <p:nvPr/>
+      </p:nvGrpSpPr>
+      <p:grpSpPr>
+        <a:xfrm>
+          <a:off x="0" y="0"/>
+          <a:ext cx="0" cy="0"/>
+          <a:chOff x="0" y="0"/>
+          <a:chExt cx="0" cy="0"/>
+        </a:xfrm>
+      </p:grpSpPr>
+      <p:sp>
+        <p:nvSpPr>
+          <p:cNvPr id="2" name="제목 1">
+            <a:extLst>
+              <a:ext uri="{FF2B5EF4-FFF2-40B4-BE49-F238E27FC236}">
                 <a16:creationId xmlns:a16="http://schemas.microsoft.com/office/drawing/2014/main" id="{ED0FB448-B1A2-6EE8-9D80-FCCF3037DFAE}"/>
               </a:ext>
             </a:extLst>

--- a/MyMindNotes 기획/나의 마음 일지 모듈화 방법 선택.pptx
+++ b/MyMindNotes 기획/나의 마음 일지 모듈화 방법 선택.pptx
@@ -2460,14 +2460,6 @@
           </a:r>
           <a:r>
             <a:rPr lang="en-US" altLang="ko-KR" b="0" dirty="0"/>
-            <a:t>, </a:t>
-          </a:r>
-          <a:r>
-            <a:rPr lang="en-US" altLang="ko-KR" b="0" dirty="0" err="1"/>
-            <a:t>repositoryInterfaces</a:t>
-          </a:r>
-          <a:r>
-            <a:rPr lang="en-US" altLang="ko-KR" b="0" dirty="0"/>
             <a:t>)</a:t>
           </a:r>
           <a:endParaRPr lang="ko-KR" altLang="en-US" b="0" dirty="0"/>
@@ -2519,7 +2511,23 @@
           </a:r>
           <a:r>
             <a:rPr lang="en-US" altLang="ko-KR" dirty="0" err="1"/>
-            <a:t>RepositoriesImpl</a:t>
+            <a:t>r</a:t>
+          </a:r>
+          <a:r>
+            <a:rPr lang="en-US" altLang="ko-KR" b="0" dirty="0" err="1"/>
+            <a:t>epositoryInterfaces</a:t>
+          </a:r>
+          <a:r>
+            <a:rPr lang="en-US" altLang="ko-KR" b="0" dirty="0"/>
+            <a:t>, </a:t>
+          </a:r>
+          <a:r>
+            <a:rPr lang="en-US" altLang="ko-KR" b="0" dirty="0" err="1"/>
+            <a:t>r</a:t>
+          </a:r>
+          <a:r>
+            <a:rPr lang="en-US" altLang="ko-KR" dirty="0" err="1"/>
+            <a:t>epositoriesImpl</a:t>
           </a:r>
           <a:r>
             <a:rPr lang="en-US" altLang="ko-KR" dirty="0"/>
@@ -2605,6 +2613,53 @@
       </dgm:t>
     </dgm:pt>
     <dgm:pt modelId="{298B152B-13B7-43A0-80D0-5C9054BCE985}" type="sibTrans" cxnId="{1FC92382-865C-4373-80B8-0C41448A786F}">
+      <dgm:prSet/>
+      <dgm:spPr/>
+      <dgm:t>
+        <a:bodyPr/>
+        <a:lstStyle/>
+        <a:p>
+          <a:pPr latinLnBrk="1"/>
+          <a:endParaRPr lang="ko-KR" altLang="en-US"/>
+        </a:p>
+      </dgm:t>
+    </dgm:pt>
+    <dgm:pt modelId="{752631D4-963C-4EDC-ADD3-D65FBE3C42CF}">
+      <dgm:prSet phldrT="[텍스트]"/>
+      <dgm:spPr/>
+      <dgm:t>
+        <a:bodyPr/>
+        <a:lstStyle/>
+        <a:p>
+          <a:pPr latinLnBrk="1"/>
+          <a:r>
+            <a:rPr lang="en-US" altLang="ko-KR" b="1" dirty="0"/>
+            <a:t>:core (Android Library)</a:t>
+          </a:r>
+          <a:br>
+            <a:rPr lang="en-US" altLang="ko-KR" b="1" dirty="0"/>
+          </a:br>
+          <a:r>
+            <a:rPr lang="en-US" altLang="ko-KR" b="0" dirty="0"/>
+            <a:t>Retrofit</a:t>
+          </a:r>
+          <a:endParaRPr lang="ko-KR" altLang="en-US" b="1" dirty="0"/>
+        </a:p>
+      </dgm:t>
+    </dgm:pt>
+    <dgm:pt modelId="{4AD7CD1E-1ADB-49A5-BBEC-A0DAD983F982}" type="parTrans" cxnId="{5C2C4726-5116-4452-984C-D86C7FCC16D8}">
+      <dgm:prSet/>
+      <dgm:spPr/>
+      <dgm:t>
+        <a:bodyPr/>
+        <a:lstStyle/>
+        <a:p>
+          <a:pPr latinLnBrk="1"/>
+          <a:endParaRPr lang="ko-KR" altLang="en-US"/>
+        </a:p>
+      </dgm:t>
+    </dgm:pt>
+    <dgm:pt modelId="{B8A5C066-0FD4-4BA7-9593-5A059B6136E7}" type="sibTrans" cxnId="{5C2C4726-5116-4452-984C-D86C7FCC16D8}">
       <dgm:prSet/>
       <dgm:spPr/>
       <dgm:t>
@@ -2628,6 +2683,30 @@
       </dgm:prSet>
       <dgm:spPr/>
     </dgm:pt>
+    <dgm:pt modelId="{70C1495E-396C-4BC9-BD14-9B81906677F5}" type="pres">
+      <dgm:prSet presAssocID="{752631D4-963C-4EDC-ADD3-D65FBE3C42CF}" presName="hierRoot1" presStyleCnt="0"/>
+      <dgm:spPr/>
+    </dgm:pt>
+    <dgm:pt modelId="{CACA7947-C632-4FB2-9542-4F3421472AEC}" type="pres">
+      <dgm:prSet presAssocID="{752631D4-963C-4EDC-ADD3-D65FBE3C42CF}" presName="composite" presStyleCnt="0"/>
+      <dgm:spPr/>
+    </dgm:pt>
+    <dgm:pt modelId="{93021BCB-F335-46E0-AFA2-84C95622F9CE}" type="pres">
+      <dgm:prSet presAssocID="{752631D4-963C-4EDC-ADD3-D65FBE3C42CF}" presName="background" presStyleLbl="node0" presStyleIdx="0" presStyleCnt="2"/>
+      <dgm:spPr/>
+    </dgm:pt>
+    <dgm:pt modelId="{BA493ACD-AC1E-45A0-B4EE-998D1518B77D}" type="pres">
+      <dgm:prSet presAssocID="{752631D4-963C-4EDC-ADD3-D65FBE3C42CF}" presName="text" presStyleLbl="fgAcc0" presStyleIdx="0" presStyleCnt="2">
+        <dgm:presLayoutVars>
+          <dgm:chPref val="3"/>
+        </dgm:presLayoutVars>
+      </dgm:prSet>
+      <dgm:spPr/>
+    </dgm:pt>
+    <dgm:pt modelId="{93E748A3-5115-43A6-8063-820E8A3653A2}" type="pres">
+      <dgm:prSet presAssocID="{752631D4-963C-4EDC-ADD3-D65FBE3C42CF}" presName="hierChild2" presStyleCnt="0"/>
+      <dgm:spPr/>
+    </dgm:pt>
     <dgm:pt modelId="{16D0C2A4-BD29-43CE-AE17-C7411141268E}" type="pres">
       <dgm:prSet presAssocID="{E4F250E2-CB35-409D-A50C-E7DB38A32374}" presName="hierRoot1" presStyleCnt="0"/>
       <dgm:spPr/>
@@ -2637,11 +2716,11 @@
       <dgm:spPr/>
     </dgm:pt>
     <dgm:pt modelId="{01794C95-7293-422E-9CA8-B768891748D6}" type="pres">
-      <dgm:prSet presAssocID="{E4F250E2-CB35-409D-A50C-E7DB38A32374}" presName="background" presStyleLbl="node0" presStyleIdx="0" presStyleCnt="1"/>
+      <dgm:prSet presAssocID="{E4F250E2-CB35-409D-A50C-E7DB38A32374}" presName="background" presStyleLbl="node0" presStyleIdx="1" presStyleCnt="2"/>
       <dgm:spPr/>
     </dgm:pt>
     <dgm:pt modelId="{8F7EABCF-7E37-4D4A-B052-F011D37748F1}" type="pres">
-      <dgm:prSet presAssocID="{E4F250E2-CB35-409D-A50C-E7DB38A32374}" presName="text" presStyleLbl="fgAcc0" presStyleIdx="0" presStyleCnt="1" custScaleX="317415" custScaleY="124028">
+      <dgm:prSet presAssocID="{E4F250E2-CB35-409D-A50C-E7DB38A32374}" presName="text" presStyleLbl="fgAcc0" presStyleIdx="1" presStyleCnt="2" custScaleX="317415" custScaleY="124028">
         <dgm:presLayoutVars>
           <dgm:chPref val="3"/>
         </dgm:presLayoutVars>
@@ -2697,7 +2776,7 @@
       <dgm:spPr/>
     </dgm:pt>
     <dgm:pt modelId="{D092C1C9-865D-46D1-A149-925B6DAD6D1D}" type="pres">
-      <dgm:prSet presAssocID="{B20A29DA-DF20-47B9-ABE4-CD2049B415FA}" presName="text3" presStyleLbl="fgAcc3" presStyleIdx="0" presStyleCnt="1" custScaleX="317415" custScaleY="124028">
+      <dgm:prSet presAssocID="{B20A29DA-DF20-47B9-ABE4-CD2049B415FA}" presName="text3" presStyleLbl="fgAcc3" presStyleIdx="0" presStyleCnt="1" custScaleX="317415" custScaleY="124028" custLinFactNeighborX="-1694">
         <dgm:presLayoutVars>
           <dgm:chPref val="3"/>
         </dgm:presLayoutVars>
@@ -2738,41 +2817,48 @@
     </dgm:pt>
   </dgm:ptLst>
   <dgm:cxnLst>
-    <dgm:cxn modelId="{50FE7010-58AF-4BC0-A285-E53019C3D20B}" type="presOf" srcId="{23CABE87-401F-47BD-88AB-A59167F55C78}" destId="{3A34AC6B-9F94-4A2F-AF1C-762AEEF6FDA7}" srcOrd="0" destOrd="0" presId="urn:microsoft.com/office/officeart/2005/8/layout/hierarchy1"/>
     <dgm:cxn modelId="{F0C80713-5A6A-4F33-8E45-006BCE4D0E20}" srcId="{B20A29DA-DF20-47B9-ABE4-CD2049B415FA}" destId="{52428C89-F15D-441C-B987-7F1FCC90B406}" srcOrd="0" destOrd="0" parTransId="{0FF22A86-4B06-48E8-BDCB-02A68A49E7FB}" sibTransId="{173D4B96-B4C0-4255-8FD4-6105FEF665FD}"/>
-    <dgm:cxn modelId="{35EC0F17-A8ED-4974-AE09-19311F4C8E84}" type="presOf" srcId="{846C3A45-E6C0-4E8A-BD89-19D2B988F293}" destId="{A5108CE0-2C1B-4C87-B35F-A4155A76FB71}" srcOrd="0" destOrd="0" presId="urn:microsoft.com/office/officeart/2005/8/layout/hierarchy1"/>
-    <dgm:cxn modelId="{A54BE32E-0B68-4CE9-8949-E62A96CB73DA}" type="presOf" srcId="{B20A29DA-DF20-47B9-ABE4-CD2049B415FA}" destId="{D092C1C9-865D-46D1-A149-925B6DAD6D1D}" srcOrd="0" destOrd="0" presId="urn:microsoft.com/office/officeart/2005/8/layout/hierarchy1"/>
-    <dgm:cxn modelId="{2B794534-4C95-4CE9-91C6-BB81122FEE0D}" type="presOf" srcId="{0FF22A86-4B06-48E8-BDCB-02A68A49E7FB}" destId="{2D3E0B1A-34E4-444A-95F5-CD7520971B04}" srcOrd="0" destOrd="0" presId="urn:microsoft.com/office/officeart/2005/8/layout/hierarchy1"/>
+    <dgm:cxn modelId="{ACBC8C1A-3797-45CE-9C10-9FFA0D7A79CC}" type="presOf" srcId="{319A3538-50A2-4132-AC6F-8753D8B10D4E}" destId="{29FE98D2-D78B-4968-8E8F-E1749CE54015}" srcOrd="0" destOrd="0" presId="urn:microsoft.com/office/officeart/2005/8/layout/hierarchy1"/>
+    <dgm:cxn modelId="{49B3411F-873D-46AC-9CCF-36915D9E8166}" type="presOf" srcId="{23CABE87-401F-47BD-88AB-A59167F55C78}" destId="{3A34AC6B-9F94-4A2F-AF1C-762AEEF6FDA7}" srcOrd="0" destOrd="0" presId="urn:microsoft.com/office/officeart/2005/8/layout/hierarchy1"/>
+    <dgm:cxn modelId="{5C2C4726-5116-4452-984C-D86C7FCC16D8}" srcId="{A27D384A-10B5-4DFF-A9EB-A1A63F315D7F}" destId="{752631D4-963C-4EDC-ADD3-D65FBE3C42CF}" srcOrd="0" destOrd="0" parTransId="{4AD7CD1E-1ADB-49A5-BBEC-A0DAD983F982}" sibTransId="{B8A5C066-0FD4-4BA7-9593-5A059B6136E7}"/>
     <dgm:cxn modelId="{30140B3E-C404-4C05-B13F-D7B78F4AC6A4}" srcId="{E4F250E2-CB35-409D-A50C-E7DB38A32374}" destId="{319A3538-50A2-4132-AC6F-8753D8B10D4E}" srcOrd="0" destOrd="0" parTransId="{846C3A45-E6C0-4E8A-BD89-19D2B988F293}" sibTransId="{1FBF1FB7-B399-40BF-A63D-2F8B6D4CB1DF}"/>
-    <dgm:cxn modelId="{45A2395D-0734-4CA5-956F-BED75E4DF635}" type="presOf" srcId="{319A3538-50A2-4132-AC6F-8753D8B10D4E}" destId="{29FE98D2-D78B-4968-8E8F-E1749CE54015}" srcOrd="0" destOrd="0" presId="urn:microsoft.com/office/officeart/2005/8/layout/hierarchy1"/>
     <dgm:cxn modelId="{6D770747-5D2F-47F5-9F1E-C62AAB78329D}" type="presOf" srcId="{E4F250E2-CB35-409D-A50C-E7DB38A32374}" destId="{8F7EABCF-7E37-4D4A-B052-F011D37748F1}" srcOrd="0" destOrd="0" presId="urn:microsoft.com/office/officeart/2005/8/layout/hierarchy1"/>
     <dgm:cxn modelId="{C0787E47-F033-45FD-90A8-4C864D2BF2E9}" type="presOf" srcId="{A27D384A-10B5-4DFF-A9EB-A1A63F315D7F}" destId="{39252E81-DA7F-4971-AD1C-2B1D197ADF56}" srcOrd="0" destOrd="0" presId="urn:microsoft.com/office/officeart/2005/8/layout/hierarchy1"/>
-    <dgm:cxn modelId="{1FC92382-865C-4373-80B8-0C41448A786F}" srcId="{A27D384A-10B5-4DFF-A9EB-A1A63F315D7F}" destId="{E4F250E2-CB35-409D-A50C-E7DB38A32374}" srcOrd="0" destOrd="0" parTransId="{A190FEE7-1294-4521-98EF-3799EC2B5397}" sibTransId="{298B152B-13B7-43A0-80D0-5C9054BCE985}"/>
-    <dgm:cxn modelId="{F901E4F6-5354-45CA-86F2-E2117D1E7D5C}" type="presOf" srcId="{52428C89-F15D-441C-B987-7F1FCC90B406}" destId="{D57FDE70-2A08-4293-8010-2AFF335D2BA0}" srcOrd="0" destOrd="0" presId="urn:microsoft.com/office/officeart/2005/8/layout/hierarchy1"/>
+    <dgm:cxn modelId="{1FC92382-865C-4373-80B8-0C41448A786F}" srcId="{A27D384A-10B5-4DFF-A9EB-A1A63F315D7F}" destId="{E4F250E2-CB35-409D-A50C-E7DB38A32374}" srcOrd="1" destOrd="0" parTransId="{A190FEE7-1294-4521-98EF-3799EC2B5397}" sibTransId="{298B152B-13B7-43A0-80D0-5C9054BCE985}"/>
+    <dgm:cxn modelId="{40829387-C3B6-49FF-A85E-6A373D6E0757}" type="presOf" srcId="{52428C89-F15D-441C-B987-7F1FCC90B406}" destId="{D57FDE70-2A08-4293-8010-2AFF335D2BA0}" srcOrd="0" destOrd="0" presId="urn:microsoft.com/office/officeart/2005/8/layout/hierarchy1"/>
+    <dgm:cxn modelId="{86464C8E-9B52-46A7-ACB8-9A67199FB297}" type="presOf" srcId="{752631D4-963C-4EDC-ADD3-D65FBE3C42CF}" destId="{BA493ACD-AC1E-45A0-B4EE-998D1518B77D}" srcOrd="0" destOrd="0" presId="urn:microsoft.com/office/officeart/2005/8/layout/hierarchy1"/>
+    <dgm:cxn modelId="{E505A2C0-87C2-41F3-AE43-6D35EC175815}" type="presOf" srcId="{0FF22A86-4B06-48E8-BDCB-02A68A49E7FB}" destId="{2D3E0B1A-34E4-444A-95F5-CD7520971B04}" srcOrd="0" destOrd="0" presId="urn:microsoft.com/office/officeart/2005/8/layout/hierarchy1"/>
+    <dgm:cxn modelId="{257C81D2-BB8E-4899-982C-364EABE599E0}" type="presOf" srcId="{B20A29DA-DF20-47B9-ABE4-CD2049B415FA}" destId="{D092C1C9-865D-46D1-A149-925B6DAD6D1D}" srcOrd="0" destOrd="0" presId="urn:microsoft.com/office/officeart/2005/8/layout/hierarchy1"/>
+    <dgm:cxn modelId="{4D14A0F4-1C5F-4B33-B7EE-3C87197D4EBA}" type="presOf" srcId="{846C3A45-E6C0-4E8A-BD89-19D2B988F293}" destId="{A5108CE0-2C1B-4C87-B35F-A4155A76FB71}" srcOrd="0" destOrd="0" presId="urn:microsoft.com/office/officeart/2005/8/layout/hierarchy1"/>
     <dgm:cxn modelId="{311D29FD-4931-45BC-A36D-2D3375E11FF3}" srcId="{319A3538-50A2-4132-AC6F-8753D8B10D4E}" destId="{B20A29DA-DF20-47B9-ABE4-CD2049B415FA}" srcOrd="0" destOrd="0" parTransId="{23CABE87-401F-47BD-88AB-A59167F55C78}" sibTransId="{12387ABD-82F8-445F-84C0-428EE11FAFCD}"/>
-    <dgm:cxn modelId="{9BDFA612-3184-4C5D-A5AB-268C76A08F2C}" type="presParOf" srcId="{39252E81-DA7F-4971-AD1C-2B1D197ADF56}" destId="{16D0C2A4-BD29-43CE-AE17-C7411141268E}" srcOrd="0" destOrd="0" presId="urn:microsoft.com/office/officeart/2005/8/layout/hierarchy1"/>
+    <dgm:cxn modelId="{A4DA7C4A-2A90-4D54-9911-15C941E8592F}" type="presParOf" srcId="{39252E81-DA7F-4971-AD1C-2B1D197ADF56}" destId="{70C1495E-396C-4BC9-BD14-9B81906677F5}" srcOrd="0" destOrd="0" presId="urn:microsoft.com/office/officeart/2005/8/layout/hierarchy1"/>
+    <dgm:cxn modelId="{648B821D-686B-4BD6-BCD6-06FE53674037}" type="presParOf" srcId="{70C1495E-396C-4BC9-BD14-9B81906677F5}" destId="{CACA7947-C632-4FB2-9542-4F3421472AEC}" srcOrd="0" destOrd="0" presId="urn:microsoft.com/office/officeart/2005/8/layout/hierarchy1"/>
+    <dgm:cxn modelId="{66DFDDC9-555C-4815-8F03-F4D43347DD64}" type="presParOf" srcId="{CACA7947-C632-4FB2-9542-4F3421472AEC}" destId="{93021BCB-F335-46E0-AFA2-84C95622F9CE}" srcOrd="0" destOrd="0" presId="urn:microsoft.com/office/officeart/2005/8/layout/hierarchy1"/>
+    <dgm:cxn modelId="{2A8CFA1E-5D5F-488A-A9EF-803D81F72628}" type="presParOf" srcId="{CACA7947-C632-4FB2-9542-4F3421472AEC}" destId="{BA493ACD-AC1E-45A0-B4EE-998D1518B77D}" srcOrd="1" destOrd="0" presId="urn:microsoft.com/office/officeart/2005/8/layout/hierarchy1"/>
+    <dgm:cxn modelId="{57643FA5-6496-4B68-B677-AFC15332679D}" type="presParOf" srcId="{70C1495E-396C-4BC9-BD14-9B81906677F5}" destId="{93E748A3-5115-43A6-8063-820E8A3653A2}" srcOrd="1" destOrd="0" presId="urn:microsoft.com/office/officeart/2005/8/layout/hierarchy1"/>
+    <dgm:cxn modelId="{9BDFA612-3184-4C5D-A5AB-268C76A08F2C}" type="presParOf" srcId="{39252E81-DA7F-4971-AD1C-2B1D197ADF56}" destId="{16D0C2A4-BD29-43CE-AE17-C7411141268E}" srcOrd="1" destOrd="0" presId="urn:microsoft.com/office/officeart/2005/8/layout/hierarchy1"/>
     <dgm:cxn modelId="{3C15ECE8-2305-46CA-98B0-585CFB67F1B5}" type="presParOf" srcId="{16D0C2A4-BD29-43CE-AE17-C7411141268E}" destId="{2A86B639-FB13-4E73-8515-9670A97EB3A0}" srcOrd="0" destOrd="0" presId="urn:microsoft.com/office/officeart/2005/8/layout/hierarchy1"/>
     <dgm:cxn modelId="{96E1F1D7-5853-4422-9E4D-BE488ECB8B27}" type="presParOf" srcId="{2A86B639-FB13-4E73-8515-9670A97EB3A0}" destId="{01794C95-7293-422E-9CA8-B768891748D6}" srcOrd="0" destOrd="0" presId="urn:microsoft.com/office/officeart/2005/8/layout/hierarchy1"/>
     <dgm:cxn modelId="{B6A7FD52-C2D2-425D-B502-20608AF2C9A2}" type="presParOf" srcId="{2A86B639-FB13-4E73-8515-9670A97EB3A0}" destId="{8F7EABCF-7E37-4D4A-B052-F011D37748F1}" srcOrd="1" destOrd="0" presId="urn:microsoft.com/office/officeart/2005/8/layout/hierarchy1"/>
     <dgm:cxn modelId="{0DD5584A-B372-4FC2-8646-75338B55C3DA}" type="presParOf" srcId="{16D0C2A4-BD29-43CE-AE17-C7411141268E}" destId="{BFEBC183-8387-40D7-BCB5-5A349FD83C0E}" srcOrd="1" destOrd="0" presId="urn:microsoft.com/office/officeart/2005/8/layout/hierarchy1"/>
-    <dgm:cxn modelId="{F4092734-E4A8-4B2F-99E6-B712EFCCEDBA}" type="presParOf" srcId="{BFEBC183-8387-40D7-BCB5-5A349FD83C0E}" destId="{A5108CE0-2C1B-4C87-B35F-A4155A76FB71}" srcOrd="0" destOrd="0" presId="urn:microsoft.com/office/officeart/2005/8/layout/hierarchy1"/>
-    <dgm:cxn modelId="{BEB67833-DBB6-464B-A582-65B7587D3C82}" type="presParOf" srcId="{BFEBC183-8387-40D7-BCB5-5A349FD83C0E}" destId="{780C46AD-55B6-479F-81A4-95BC2C427BF6}" srcOrd="1" destOrd="0" presId="urn:microsoft.com/office/officeart/2005/8/layout/hierarchy1"/>
-    <dgm:cxn modelId="{601FA4B9-178C-4268-BEE1-F075BA761469}" type="presParOf" srcId="{780C46AD-55B6-479F-81A4-95BC2C427BF6}" destId="{92428795-F529-4A3E-AD85-1DACA6ACB31A}" srcOrd="0" destOrd="0" presId="urn:microsoft.com/office/officeart/2005/8/layout/hierarchy1"/>
-    <dgm:cxn modelId="{CE1FC332-DC10-4E82-8CE1-B54E139BE569}" type="presParOf" srcId="{92428795-F529-4A3E-AD85-1DACA6ACB31A}" destId="{19F0D0D2-EA79-4D71-BB33-12B928BB7083}" srcOrd="0" destOrd="0" presId="urn:microsoft.com/office/officeart/2005/8/layout/hierarchy1"/>
-    <dgm:cxn modelId="{BBE9CF49-9BB8-47E9-8956-9DACDB4B69D2}" type="presParOf" srcId="{92428795-F529-4A3E-AD85-1DACA6ACB31A}" destId="{29FE98D2-D78B-4968-8E8F-E1749CE54015}" srcOrd="1" destOrd="0" presId="urn:microsoft.com/office/officeart/2005/8/layout/hierarchy1"/>
-    <dgm:cxn modelId="{8FB52FA2-8923-46DA-B718-88830083E2AE}" type="presParOf" srcId="{780C46AD-55B6-479F-81A4-95BC2C427BF6}" destId="{AE9D7491-9501-44B0-B8A8-1DF6355E1358}" srcOrd="1" destOrd="0" presId="urn:microsoft.com/office/officeart/2005/8/layout/hierarchy1"/>
-    <dgm:cxn modelId="{2B7A4371-EBC1-4794-B32D-0A8179CBE492}" type="presParOf" srcId="{AE9D7491-9501-44B0-B8A8-1DF6355E1358}" destId="{3A34AC6B-9F94-4A2F-AF1C-762AEEF6FDA7}" srcOrd="0" destOrd="0" presId="urn:microsoft.com/office/officeart/2005/8/layout/hierarchy1"/>
-    <dgm:cxn modelId="{8EC24833-228B-4D3D-8BDD-FE5D5E39FCA2}" type="presParOf" srcId="{AE9D7491-9501-44B0-B8A8-1DF6355E1358}" destId="{464BD3EC-DD94-4668-872B-5B15FAF38027}" srcOrd="1" destOrd="0" presId="urn:microsoft.com/office/officeart/2005/8/layout/hierarchy1"/>
-    <dgm:cxn modelId="{637C188F-C6CD-49FE-8D2E-1055E5E33F5E}" type="presParOf" srcId="{464BD3EC-DD94-4668-872B-5B15FAF38027}" destId="{5B6FF65F-F411-474A-87C3-BF811ED5C983}" srcOrd="0" destOrd="0" presId="urn:microsoft.com/office/officeart/2005/8/layout/hierarchy1"/>
-    <dgm:cxn modelId="{4D00978F-A372-4980-AE3B-074C35AECACD}" type="presParOf" srcId="{5B6FF65F-F411-474A-87C3-BF811ED5C983}" destId="{D0C2A7E5-4DED-4CCD-A990-DEB18F352623}" srcOrd="0" destOrd="0" presId="urn:microsoft.com/office/officeart/2005/8/layout/hierarchy1"/>
-    <dgm:cxn modelId="{8828A6BD-D58F-46B9-81EE-2849C9822DC0}" type="presParOf" srcId="{5B6FF65F-F411-474A-87C3-BF811ED5C983}" destId="{D092C1C9-865D-46D1-A149-925B6DAD6D1D}" srcOrd="1" destOrd="0" presId="urn:microsoft.com/office/officeart/2005/8/layout/hierarchy1"/>
-    <dgm:cxn modelId="{6634F8B4-BD8C-4FBF-A539-447E9CC26E24}" type="presParOf" srcId="{464BD3EC-DD94-4668-872B-5B15FAF38027}" destId="{1D2ABF83-8DC9-40D8-88A5-BCFD4EDB98F9}" srcOrd="1" destOrd="0" presId="urn:microsoft.com/office/officeart/2005/8/layout/hierarchy1"/>
-    <dgm:cxn modelId="{BE275EDC-B433-4DDF-B1E2-221AC85B3029}" type="presParOf" srcId="{1D2ABF83-8DC9-40D8-88A5-BCFD4EDB98F9}" destId="{2D3E0B1A-34E4-444A-95F5-CD7520971B04}" srcOrd="0" destOrd="0" presId="urn:microsoft.com/office/officeart/2005/8/layout/hierarchy1"/>
-    <dgm:cxn modelId="{5DF22438-6E0A-4F6A-8394-193DC1963DED}" type="presParOf" srcId="{1D2ABF83-8DC9-40D8-88A5-BCFD4EDB98F9}" destId="{A3F7281F-B10F-42CC-98CD-EECC5C6C2E78}" srcOrd="1" destOrd="0" presId="urn:microsoft.com/office/officeart/2005/8/layout/hierarchy1"/>
-    <dgm:cxn modelId="{5F8599E6-09D9-4BA6-AF99-700C0BF8DD9A}" type="presParOf" srcId="{A3F7281F-B10F-42CC-98CD-EECC5C6C2E78}" destId="{2E888A34-AD12-44C3-A7DB-B8B2ED4ACDB7}" srcOrd="0" destOrd="0" presId="urn:microsoft.com/office/officeart/2005/8/layout/hierarchy1"/>
-    <dgm:cxn modelId="{5E212A83-8185-4446-9C6D-47283EFD4035}" type="presParOf" srcId="{2E888A34-AD12-44C3-A7DB-B8B2ED4ACDB7}" destId="{A75E815E-A1C2-4131-A0E5-AEA5207D2419}" srcOrd="0" destOrd="0" presId="urn:microsoft.com/office/officeart/2005/8/layout/hierarchy1"/>
-    <dgm:cxn modelId="{59466A4F-0F29-46FC-A8E5-8E35701163C6}" type="presParOf" srcId="{2E888A34-AD12-44C3-A7DB-B8B2ED4ACDB7}" destId="{D57FDE70-2A08-4293-8010-2AFF335D2BA0}" srcOrd="1" destOrd="0" presId="urn:microsoft.com/office/officeart/2005/8/layout/hierarchy1"/>
-    <dgm:cxn modelId="{465EB918-A0C8-4022-A78B-A54521B164B4}" type="presParOf" srcId="{A3F7281F-B10F-42CC-98CD-EECC5C6C2E78}" destId="{24D9CCC3-F6F3-4439-BDB5-F4E5663834F2}" srcOrd="1" destOrd="0" presId="urn:microsoft.com/office/officeart/2005/8/layout/hierarchy1"/>
+    <dgm:cxn modelId="{59DCAE82-8E33-4B90-8302-3D939BCE9B96}" type="presParOf" srcId="{BFEBC183-8387-40D7-BCB5-5A349FD83C0E}" destId="{A5108CE0-2C1B-4C87-B35F-A4155A76FB71}" srcOrd="0" destOrd="0" presId="urn:microsoft.com/office/officeart/2005/8/layout/hierarchy1"/>
+    <dgm:cxn modelId="{A4DA7A55-9F98-4E71-84C7-D1A316B05B35}" type="presParOf" srcId="{BFEBC183-8387-40D7-BCB5-5A349FD83C0E}" destId="{780C46AD-55B6-479F-81A4-95BC2C427BF6}" srcOrd="1" destOrd="0" presId="urn:microsoft.com/office/officeart/2005/8/layout/hierarchy1"/>
+    <dgm:cxn modelId="{68EBA44C-CC51-486D-9559-6CADC4530FA0}" type="presParOf" srcId="{780C46AD-55B6-479F-81A4-95BC2C427BF6}" destId="{92428795-F529-4A3E-AD85-1DACA6ACB31A}" srcOrd="0" destOrd="0" presId="urn:microsoft.com/office/officeart/2005/8/layout/hierarchy1"/>
+    <dgm:cxn modelId="{EE959271-E519-41CF-B5DC-C0D31B31C731}" type="presParOf" srcId="{92428795-F529-4A3E-AD85-1DACA6ACB31A}" destId="{19F0D0D2-EA79-4D71-BB33-12B928BB7083}" srcOrd="0" destOrd="0" presId="urn:microsoft.com/office/officeart/2005/8/layout/hierarchy1"/>
+    <dgm:cxn modelId="{84DDE6CB-035E-4FF3-8998-8E3EDEA03AD8}" type="presParOf" srcId="{92428795-F529-4A3E-AD85-1DACA6ACB31A}" destId="{29FE98D2-D78B-4968-8E8F-E1749CE54015}" srcOrd="1" destOrd="0" presId="urn:microsoft.com/office/officeart/2005/8/layout/hierarchy1"/>
+    <dgm:cxn modelId="{CC0BA9F3-0F77-4ECD-8C7C-8B5E729FD33F}" type="presParOf" srcId="{780C46AD-55B6-479F-81A4-95BC2C427BF6}" destId="{AE9D7491-9501-44B0-B8A8-1DF6355E1358}" srcOrd="1" destOrd="0" presId="urn:microsoft.com/office/officeart/2005/8/layout/hierarchy1"/>
+    <dgm:cxn modelId="{C70B5819-C27F-41B0-A758-7454CCB056AB}" type="presParOf" srcId="{AE9D7491-9501-44B0-B8A8-1DF6355E1358}" destId="{3A34AC6B-9F94-4A2F-AF1C-762AEEF6FDA7}" srcOrd="0" destOrd="0" presId="urn:microsoft.com/office/officeart/2005/8/layout/hierarchy1"/>
+    <dgm:cxn modelId="{D1096F98-6C76-4052-9FC9-C3D3B31D4F06}" type="presParOf" srcId="{AE9D7491-9501-44B0-B8A8-1DF6355E1358}" destId="{464BD3EC-DD94-4668-872B-5B15FAF38027}" srcOrd="1" destOrd="0" presId="urn:microsoft.com/office/officeart/2005/8/layout/hierarchy1"/>
+    <dgm:cxn modelId="{F3A136CF-2CDF-42C0-BAD7-4AB910269718}" type="presParOf" srcId="{464BD3EC-DD94-4668-872B-5B15FAF38027}" destId="{5B6FF65F-F411-474A-87C3-BF811ED5C983}" srcOrd="0" destOrd="0" presId="urn:microsoft.com/office/officeart/2005/8/layout/hierarchy1"/>
+    <dgm:cxn modelId="{0813D666-11F4-4AFB-B303-0F5633F6BC58}" type="presParOf" srcId="{5B6FF65F-F411-474A-87C3-BF811ED5C983}" destId="{D0C2A7E5-4DED-4CCD-A990-DEB18F352623}" srcOrd="0" destOrd="0" presId="urn:microsoft.com/office/officeart/2005/8/layout/hierarchy1"/>
+    <dgm:cxn modelId="{A4F4567D-75CE-40EA-A235-E70237F51E49}" type="presParOf" srcId="{5B6FF65F-F411-474A-87C3-BF811ED5C983}" destId="{D092C1C9-865D-46D1-A149-925B6DAD6D1D}" srcOrd="1" destOrd="0" presId="urn:microsoft.com/office/officeart/2005/8/layout/hierarchy1"/>
+    <dgm:cxn modelId="{E9B76C11-FE64-4FDB-94B1-A829DB1D15EF}" type="presParOf" srcId="{464BD3EC-DD94-4668-872B-5B15FAF38027}" destId="{1D2ABF83-8DC9-40D8-88A5-BCFD4EDB98F9}" srcOrd="1" destOrd="0" presId="urn:microsoft.com/office/officeart/2005/8/layout/hierarchy1"/>
+    <dgm:cxn modelId="{3015D55A-9D76-4F22-B948-1D13E390DFF2}" type="presParOf" srcId="{1D2ABF83-8DC9-40D8-88A5-BCFD4EDB98F9}" destId="{2D3E0B1A-34E4-444A-95F5-CD7520971B04}" srcOrd="0" destOrd="0" presId="urn:microsoft.com/office/officeart/2005/8/layout/hierarchy1"/>
+    <dgm:cxn modelId="{752D1CF1-C052-4F33-BC74-67F33279C9EA}" type="presParOf" srcId="{1D2ABF83-8DC9-40D8-88A5-BCFD4EDB98F9}" destId="{A3F7281F-B10F-42CC-98CD-EECC5C6C2E78}" srcOrd="1" destOrd="0" presId="urn:microsoft.com/office/officeart/2005/8/layout/hierarchy1"/>
+    <dgm:cxn modelId="{0C64D044-6F47-4DC5-8C6A-711350A6DD03}" type="presParOf" srcId="{A3F7281F-B10F-42CC-98CD-EECC5C6C2E78}" destId="{2E888A34-AD12-44C3-A7DB-B8B2ED4ACDB7}" srcOrd="0" destOrd="0" presId="urn:microsoft.com/office/officeart/2005/8/layout/hierarchy1"/>
+    <dgm:cxn modelId="{B9FE76F0-6F68-4783-81AC-B0568E45788F}" type="presParOf" srcId="{2E888A34-AD12-44C3-A7DB-B8B2ED4ACDB7}" destId="{A75E815E-A1C2-4131-A0E5-AEA5207D2419}" srcOrd="0" destOrd="0" presId="urn:microsoft.com/office/officeart/2005/8/layout/hierarchy1"/>
+    <dgm:cxn modelId="{847D0A52-7C69-48C8-BEF3-43664A51ECBA}" type="presParOf" srcId="{2E888A34-AD12-44C3-A7DB-B8B2ED4ACDB7}" destId="{D57FDE70-2A08-4293-8010-2AFF335D2BA0}" srcOrd="1" destOrd="0" presId="urn:microsoft.com/office/officeart/2005/8/layout/hierarchy1"/>
+    <dgm:cxn modelId="{B59C60B1-B11C-4214-BB3C-C675626D330A}" type="presParOf" srcId="{A3F7281F-B10F-42CC-98CD-EECC5C6C2E78}" destId="{24D9CCC3-F6F3-4439-BDB5-F4E5663834F2}" srcOrd="1" destOrd="0" presId="urn:microsoft.com/office/officeart/2005/8/layout/hierarchy1"/>
   </dgm:cxnLst>
   <dgm:bg/>
   <dgm:whole/>
@@ -8324,8 +8410,8 @@
       </dsp:nvSpPr>
       <dsp:spPr>
         <a:xfrm>
-          <a:off x="2786908" y="4414570"/>
-          <a:ext cx="91440" cy="436031"/>
+          <a:off x="3566599" y="4232975"/>
+          <a:ext cx="91440" cy="376030"/>
         </a:xfrm>
         <a:custGeom>
           <a:avLst/>
@@ -8339,7 +8425,13 @@
                 <a:pt x="45720" y="0"/>
               </a:moveTo>
               <a:lnTo>
-                <a:pt x="45720" y="436031"/>
+                <a:pt x="45720" y="256254"/>
+              </a:lnTo>
+              <a:lnTo>
+                <a:pt x="67622" y="256254"/>
+              </a:lnTo>
+              <a:lnTo>
+                <a:pt x="67622" y="376030"/>
               </a:lnTo>
             </a:path>
           </a:pathLst>
@@ -8380,8 +8472,8 @@
       </dsp:nvSpPr>
       <dsp:spPr>
         <a:xfrm>
-          <a:off x="2786908" y="2797763"/>
-          <a:ext cx="91440" cy="436031"/>
+          <a:off x="3566599" y="2838651"/>
+          <a:ext cx="91440" cy="376030"/>
         </a:xfrm>
         <a:custGeom>
           <a:avLst/>
@@ -8392,10 +8484,16 @@
           <a:pathLst>
             <a:path>
               <a:moveTo>
-                <a:pt x="45720" y="0"/>
+                <a:pt x="67622" y="0"/>
               </a:moveTo>
               <a:lnTo>
-                <a:pt x="45720" y="436031"/>
+                <a:pt x="67622" y="256254"/>
+              </a:lnTo>
+              <a:lnTo>
+                <a:pt x="45720" y="256254"/>
+              </a:lnTo>
+              <a:lnTo>
+                <a:pt x="45720" y="376030"/>
               </a:lnTo>
             </a:path>
           </a:pathLst>
@@ -8436,8 +8534,8 @@
       </dsp:nvSpPr>
       <dsp:spPr>
         <a:xfrm>
-          <a:off x="2786908" y="1180955"/>
-          <a:ext cx="91440" cy="436031"/>
+          <a:off x="3588501" y="1444327"/>
+          <a:ext cx="91440" cy="376030"/>
         </a:xfrm>
         <a:custGeom>
           <a:avLst/>
@@ -8451,7 +8549,7 @@
                 <a:pt x="45720" y="0"/>
               </a:moveTo>
               <a:lnTo>
-                <a:pt x="45720" y="436031"/>
+                <a:pt x="45720" y="376030"/>
               </a:lnTo>
             </a:path>
           </a:pathLst>
@@ -8485,15 +8583,15 @@
         <a:fontRef idx="minor"/>
       </dsp:style>
     </dsp:sp>
-    <dsp:sp modelId="{01794C95-7293-422E-9CA8-B768891748D6}">
+    <dsp:sp modelId="{93021BCB-F335-46E0-AFA2-84C95622F9CE}">
       <dsp:nvSpPr>
         <dsp:cNvPr id="0" name=""/>
         <dsp:cNvSpPr/>
       </dsp:nvSpPr>
       <dsp:spPr>
         <a:xfrm>
-          <a:off x="453206" y="179"/>
-          <a:ext cx="4758844" cy="1180775"/>
+          <a:off x="1960" y="426034"/>
+          <a:ext cx="1292942" cy="821018"/>
         </a:xfrm>
         <a:prstGeom prst="roundRect">
           <a:avLst>
@@ -8537,15 +8635,15 @@
         </a:fontRef>
       </dsp:style>
     </dsp:sp>
-    <dsp:sp modelId="{8F7EABCF-7E37-4D4A-B052-F011D37748F1}">
+    <dsp:sp modelId="{BA493ACD-AC1E-45A0-B4EE-998D1518B77D}">
       <dsp:nvSpPr>
         <dsp:cNvPr id="0" name=""/>
         <dsp:cNvSpPr/>
       </dsp:nvSpPr>
       <dsp:spPr>
         <a:xfrm>
-          <a:off x="619789" y="158433"/>
-          <a:ext cx="4758844" cy="1180775"/>
+          <a:off x="145621" y="562512"/>
+          <a:ext cx="1292942" cy="821018"/>
         </a:xfrm>
         <a:prstGeom prst="roundRect">
           <a:avLst>
@@ -8588,12 +8686,12 @@
         <a:fontRef idx="minor"/>
       </dsp:style>
       <dsp:txBody>
-        <a:bodyPr spcFirstLastPara="0" vert="horz" wrap="square" lIns="60960" tIns="60960" rIns="60960" bIns="60960" numCol="1" spcCol="1270" anchor="ctr" anchorCtr="0">
+        <a:bodyPr spcFirstLastPara="0" vert="horz" wrap="square" lIns="41910" tIns="41910" rIns="41910" bIns="41910" numCol="1" spcCol="1270" anchor="ctr" anchorCtr="0">
           <a:noAutofit/>
         </a:bodyPr>
         <a:lstStyle/>
         <a:p>
-          <a:pPr marL="0" lvl="0" indent="0" algn="ctr" defTabSz="711200" latinLnBrk="1">
+          <a:pPr marL="0" lvl="0" indent="0" algn="ctr" defTabSz="488950" latinLnBrk="1">
             <a:lnSpc>
               <a:spcPct val="90000"/>
             </a:lnSpc>
@@ -8606,41 +8704,33 @@
             <a:buNone/>
           </a:pPr>
           <a:r>
-            <a:rPr lang="en-US" altLang="ko-KR" sz="1600" b="1" kern="1200" dirty="0"/>
-            <a:t>:app (Application Module)</a:t>
+            <a:rPr lang="en-US" altLang="ko-KR" sz="1100" b="1" kern="1200" dirty="0"/>
+            <a:t>:core (Android Library)</a:t>
           </a:r>
           <a:br>
-            <a:rPr lang="en-US" altLang="ko-KR" sz="1600" b="1" kern="1200" dirty="0"/>
+            <a:rPr lang="en-US" altLang="ko-KR" sz="1100" b="1" kern="1200" dirty="0"/>
           </a:br>
           <a:r>
-            <a:rPr lang="en-US" altLang="ko-KR" sz="1600" b="0" kern="1200" dirty="0"/>
-            <a:t>(Manifest, </a:t>
-          </a:r>
-          <a:r>
-            <a:rPr lang="en-US" altLang="ko-KR" sz="1600" b="0" kern="1200" dirty="0" err="1"/>
-            <a:t>HiltApplication</a:t>
-          </a:r>
-          <a:r>
-            <a:rPr lang="en-US" altLang="ko-KR" sz="1600" b="0" kern="1200" dirty="0"/>
-            <a:t>, Hilt Modules)</a:t>
-          </a:r>
-          <a:endParaRPr lang="ko-KR" altLang="en-US" sz="1600" b="1" kern="1200" dirty="0"/>
+            <a:rPr lang="en-US" altLang="ko-KR" sz="1100" b="0" kern="1200" dirty="0"/>
+            <a:t>Retrofit</a:t>
+          </a:r>
+          <a:endParaRPr lang="ko-KR" altLang="en-US" sz="1100" b="1" kern="1200" dirty="0"/>
         </a:p>
       </dsp:txBody>
       <dsp:txXfrm>
-        <a:off x="654373" y="193017"/>
-        <a:ext cx="4689676" cy="1111607"/>
+        <a:off x="169668" y="586559"/>
+        <a:ext cx="1244848" cy="772924"/>
       </dsp:txXfrm>
     </dsp:sp>
-    <dsp:sp modelId="{19F0D0D2-EA79-4D71-BB33-12B928BB7083}">
+    <dsp:sp modelId="{01794C95-7293-422E-9CA8-B768891748D6}">
       <dsp:nvSpPr>
         <dsp:cNvPr id="0" name=""/>
         <dsp:cNvSpPr/>
       </dsp:nvSpPr>
       <dsp:spPr>
         <a:xfrm>
-          <a:off x="453206" y="1616987"/>
-          <a:ext cx="4758844" cy="1180775"/>
+          <a:off x="1582224" y="426034"/>
+          <a:ext cx="4103994" cy="1018293"/>
         </a:xfrm>
         <a:prstGeom prst="roundRect">
           <a:avLst>
@@ -8684,15 +8774,15 @@
         </a:fontRef>
       </dsp:style>
     </dsp:sp>
-    <dsp:sp modelId="{29FE98D2-D78B-4968-8E8F-E1749CE54015}">
+    <dsp:sp modelId="{8F7EABCF-7E37-4D4A-B052-F011D37748F1}">
       <dsp:nvSpPr>
         <dsp:cNvPr id="0" name=""/>
         <dsp:cNvSpPr/>
       </dsp:nvSpPr>
       <dsp:spPr>
         <a:xfrm>
-          <a:off x="619789" y="1775241"/>
-          <a:ext cx="4758844" cy="1180775"/>
+          <a:off x="1725884" y="562512"/>
+          <a:ext cx="4103994" cy="1018293"/>
         </a:xfrm>
         <a:prstGeom prst="roundRect">
           <a:avLst>
@@ -8735,12 +8825,12 @@
         <a:fontRef idx="minor"/>
       </dsp:style>
       <dsp:txBody>
-        <a:bodyPr spcFirstLastPara="0" vert="horz" wrap="square" lIns="60960" tIns="60960" rIns="60960" bIns="60960" numCol="1" spcCol="1270" anchor="ctr" anchorCtr="0">
+        <a:bodyPr spcFirstLastPara="0" vert="horz" wrap="square" lIns="41910" tIns="41910" rIns="41910" bIns="41910" numCol="1" spcCol="1270" anchor="ctr" anchorCtr="0">
           <a:noAutofit/>
         </a:bodyPr>
         <a:lstStyle/>
         <a:p>
-          <a:pPr marL="0" lvl="0" indent="0" algn="ctr" defTabSz="711200" latinLnBrk="1">
+          <a:pPr marL="0" lvl="0" indent="0" algn="ctr" defTabSz="488950" latinLnBrk="1">
             <a:lnSpc>
               <a:spcPct val="90000"/>
             </a:lnSpc>
@@ -8753,49 +8843,41 @@
             <a:buNone/>
           </a:pPr>
           <a:r>
-            <a:rPr lang="en-US" altLang="ko-KR" sz="1600" b="1" kern="1200" dirty="0"/>
-            <a:t>:</a:t>
-          </a:r>
-          <a:r>
-            <a:rPr lang="en-US" altLang="ko-KR" sz="1600" b="1" kern="1200" dirty="0" err="1"/>
-            <a:t>ui</a:t>
-          </a:r>
-          <a:r>
-            <a:rPr lang="en-US" altLang="ko-KR" sz="1600" b="1" kern="1200" dirty="0"/>
-            <a:t> (Android Library)</a:t>
+            <a:rPr lang="en-US" altLang="ko-KR" sz="1100" b="1" kern="1200" dirty="0"/>
+            <a:t>:app (Application Module)</a:t>
           </a:r>
           <a:br>
-            <a:rPr lang="en-US" altLang="ko-KR" sz="1600" kern="1200" dirty="0"/>
+            <a:rPr lang="en-US" altLang="ko-KR" sz="1100" b="1" kern="1200" dirty="0"/>
           </a:br>
           <a:r>
-            <a:rPr lang="en-US" altLang="ko-KR" sz="1600" kern="1200" dirty="0"/>
-            <a:t>(UI, </a:t>
-          </a:r>
-          <a:r>
-            <a:rPr lang="en-US" altLang="ko-KR" sz="1600" kern="1200" dirty="0" err="1"/>
-            <a:t>viewModels</a:t>
-          </a:r>
-          <a:r>
-            <a:rPr lang="en-US" altLang="ko-KR" sz="1600" kern="1200" dirty="0"/>
-            <a:t>)</a:t>
-          </a:r>
-          <a:endParaRPr lang="ko-KR" altLang="en-US" sz="1600" kern="1200" dirty="0"/>
+            <a:rPr lang="en-US" altLang="ko-KR" sz="1100" b="0" kern="1200" dirty="0"/>
+            <a:t>(Manifest, </a:t>
+          </a:r>
+          <a:r>
+            <a:rPr lang="en-US" altLang="ko-KR" sz="1100" b="0" kern="1200" dirty="0" err="1"/>
+            <a:t>HiltApplication</a:t>
+          </a:r>
+          <a:r>
+            <a:rPr lang="en-US" altLang="ko-KR" sz="1100" b="0" kern="1200" dirty="0"/>
+            <a:t>, Hilt Modules)</a:t>
+          </a:r>
+          <a:endParaRPr lang="ko-KR" altLang="en-US" sz="1100" b="1" kern="1200" dirty="0"/>
         </a:p>
       </dsp:txBody>
       <dsp:txXfrm>
-        <a:off x="654373" y="1809825"/>
-        <a:ext cx="4689676" cy="1111607"/>
+        <a:off x="1755709" y="592337"/>
+        <a:ext cx="4044344" cy="958643"/>
       </dsp:txXfrm>
     </dsp:sp>
-    <dsp:sp modelId="{D0C2A7E5-4DED-4CCD-A990-DEB18F352623}">
+    <dsp:sp modelId="{19F0D0D2-EA79-4D71-BB33-12B928BB7083}">
       <dsp:nvSpPr>
         <dsp:cNvPr id="0" name=""/>
         <dsp:cNvSpPr/>
       </dsp:nvSpPr>
       <dsp:spPr>
         <a:xfrm>
-          <a:off x="453206" y="3233794"/>
-          <a:ext cx="4758844" cy="1180775"/>
+          <a:off x="1582224" y="1820358"/>
+          <a:ext cx="4103994" cy="1018293"/>
         </a:xfrm>
         <a:prstGeom prst="roundRect">
           <a:avLst>
@@ -8839,15 +8921,15 @@
         </a:fontRef>
       </dsp:style>
     </dsp:sp>
-    <dsp:sp modelId="{D092C1C9-865D-46D1-A149-925B6DAD6D1D}">
+    <dsp:sp modelId="{29FE98D2-D78B-4968-8E8F-E1749CE54015}">
       <dsp:nvSpPr>
         <dsp:cNvPr id="0" name=""/>
         <dsp:cNvSpPr/>
       </dsp:nvSpPr>
       <dsp:spPr>
         <a:xfrm>
-          <a:off x="619789" y="3392048"/>
-          <a:ext cx="4758844" cy="1180775"/>
+          <a:off x="1725884" y="1956836"/>
+          <a:ext cx="4103994" cy="1018293"/>
         </a:xfrm>
         <a:prstGeom prst="roundRect">
           <a:avLst>
@@ -8890,12 +8972,12 @@
         <a:fontRef idx="minor"/>
       </dsp:style>
       <dsp:txBody>
-        <a:bodyPr spcFirstLastPara="0" vert="horz" wrap="square" lIns="60960" tIns="60960" rIns="60960" bIns="60960" numCol="1" spcCol="1270" anchor="ctr" anchorCtr="0">
+        <a:bodyPr spcFirstLastPara="0" vert="horz" wrap="square" lIns="41910" tIns="41910" rIns="41910" bIns="41910" numCol="1" spcCol="1270" anchor="ctr" anchorCtr="0">
           <a:noAutofit/>
         </a:bodyPr>
         <a:lstStyle/>
         <a:p>
-          <a:pPr marL="0" lvl="0" indent="0" algn="ctr" defTabSz="711200" latinLnBrk="1">
+          <a:pPr marL="0" lvl="0" indent="0" algn="ctr" defTabSz="488950" latinLnBrk="1">
             <a:lnSpc>
               <a:spcPct val="90000"/>
             </a:lnSpc>
@@ -8908,49 +8990,49 @@
             <a:buNone/>
           </a:pPr>
           <a:r>
-            <a:rPr lang="en-US" altLang="ko-KR" sz="1600" b="1" kern="1200" dirty="0"/>
-            <a:t>:domain (Kotlin Library)</a:t>
+            <a:rPr lang="en-US" altLang="ko-KR" sz="1100" b="1" kern="1200" dirty="0"/>
+            <a:t>:</a:t>
+          </a:r>
+          <a:r>
+            <a:rPr lang="en-US" altLang="ko-KR" sz="1100" b="1" kern="1200" dirty="0" err="1"/>
+            <a:t>ui</a:t>
+          </a:r>
+          <a:r>
+            <a:rPr lang="en-US" altLang="ko-KR" sz="1100" b="1" kern="1200" dirty="0"/>
+            <a:t> (Android Library)</a:t>
           </a:r>
           <a:br>
-            <a:rPr lang="en-US" altLang="ko-KR" sz="1600" b="1" kern="1200" dirty="0"/>
+            <a:rPr lang="en-US" altLang="ko-KR" sz="1100" kern="1200" dirty="0"/>
           </a:br>
           <a:r>
-            <a:rPr lang="en-US" altLang="ko-KR" sz="1600" b="0" kern="1200" dirty="0"/>
-            <a:t>(</a:t>
-          </a:r>
-          <a:r>
-            <a:rPr lang="en-US" altLang="ko-KR" sz="1600" b="0" kern="1200" dirty="0" err="1"/>
-            <a:t>Usecases</a:t>
-          </a:r>
-          <a:r>
-            <a:rPr lang="en-US" altLang="ko-KR" sz="1600" b="0" kern="1200" dirty="0"/>
-            <a:t>, </a:t>
-          </a:r>
-          <a:r>
-            <a:rPr lang="en-US" altLang="ko-KR" sz="1600" b="0" kern="1200" dirty="0" err="1"/>
-            <a:t>repositoryInterfaces</a:t>
-          </a:r>
-          <a:r>
-            <a:rPr lang="en-US" altLang="ko-KR" sz="1600" b="0" kern="1200" dirty="0"/>
+            <a:rPr lang="en-US" altLang="ko-KR" sz="1100" kern="1200" dirty="0"/>
+            <a:t>(UI, </a:t>
+          </a:r>
+          <a:r>
+            <a:rPr lang="en-US" altLang="ko-KR" sz="1100" kern="1200" dirty="0" err="1"/>
+            <a:t>viewModels</a:t>
+          </a:r>
+          <a:r>
+            <a:rPr lang="en-US" altLang="ko-KR" sz="1100" kern="1200" dirty="0"/>
             <a:t>)</a:t>
           </a:r>
-          <a:endParaRPr lang="ko-KR" altLang="en-US" sz="1600" b="0" kern="1200" dirty="0"/>
+          <a:endParaRPr lang="ko-KR" altLang="en-US" sz="1100" kern="1200" dirty="0"/>
         </a:p>
       </dsp:txBody>
       <dsp:txXfrm>
-        <a:off x="654373" y="3426632"/>
-        <a:ext cx="4689676" cy="1111607"/>
+        <a:off x="1755709" y="1986661"/>
+        <a:ext cx="4044344" cy="958643"/>
       </dsp:txXfrm>
     </dsp:sp>
-    <dsp:sp modelId="{A75E815E-A1C2-4131-A0E5-AEA5207D2419}">
+    <dsp:sp modelId="{D0C2A7E5-4DED-4CCD-A990-DEB18F352623}">
       <dsp:nvSpPr>
         <dsp:cNvPr id="0" name=""/>
         <dsp:cNvSpPr/>
       </dsp:nvSpPr>
       <dsp:spPr>
         <a:xfrm>
-          <a:off x="453206" y="4850602"/>
-          <a:ext cx="4758844" cy="1180775"/>
+          <a:off x="1560321" y="3214682"/>
+          <a:ext cx="4103994" cy="1018293"/>
         </a:xfrm>
         <a:prstGeom prst="roundRect">
           <a:avLst>
@@ -8994,15 +9076,15 @@
         </a:fontRef>
       </dsp:style>
     </dsp:sp>
-    <dsp:sp modelId="{D57FDE70-2A08-4293-8010-2AFF335D2BA0}">
+    <dsp:sp modelId="{D092C1C9-865D-46D1-A149-925B6DAD6D1D}">
       <dsp:nvSpPr>
         <dsp:cNvPr id="0" name=""/>
         <dsp:cNvSpPr/>
       </dsp:nvSpPr>
       <dsp:spPr>
         <a:xfrm>
-          <a:off x="619789" y="5008856"/>
-          <a:ext cx="4758844" cy="1180775"/>
+          <a:off x="1703982" y="3351160"/>
+          <a:ext cx="4103994" cy="1018293"/>
         </a:xfrm>
         <a:prstGeom prst="roundRect">
           <a:avLst>
@@ -9045,12 +9127,12 @@
         <a:fontRef idx="minor"/>
       </dsp:style>
       <dsp:txBody>
-        <a:bodyPr spcFirstLastPara="0" vert="horz" wrap="square" lIns="60960" tIns="60960" rIns="60960" bIns="60960" numCol="1" spcCol="1270" anchor="ctr" anchorCtr="0">
+        <a:bodyPr spcFirstLastPara="0" vert="horz" wrap="square" lIns="41910" tIns="41910" rIns="41910" bIns="41910" numCol="1" spcCol="1270" anchor="ctr" anchorCtr="0">
           <a:noAutofit/>
         </a:bodyPr>
         <a:lstStyle/>
         <a:p>
-          <a:pPr marL="0" lvl="0" indent="0" algn="ctr" defTabSz="711200" latinLnBrk="1">
+          <a:pPr marL="0" lvl="0" indent="0" algn="ctr" defTabSz="488950" latinLnBrk="1">
             <a:lnSpc>
               <a:spcPct val="90000"/>
             </a:lnSpc>
@@ -9063,38 +9145,201 @@
             <a:buNone/>
           </a:pPr>
           <a:r>
-            <a:rPr lang="en-US" altLang="ko-KR" sz="1600" b="1" kern="1200" dirty="0"/>
-            <a:t>:data (Android Library)</a:t>
+            <a:rPr lang="en-US" altLang="ko-KR" sz="1100" b="1" kern="1200" dirty="0"/>
+            <a:t>:domain (Kotlin Library)</a:t>
           </a:r>
           <a:br>
-            <a:rPr lang="en-US" altLang="ko-KR" sz="1600" kern="1200" dirty="0"/>
+            <a:rPr lang="en-US" altLang="ko-KR" sz="1100" b="1" kern="1200" dirty="0"/>
           </a:br>
           <a:r>
-            <a:rPr lang="en-US" altLang="ko-KR" sz="1600" kern="1200" dirty="0"/>
+            <a:rPr lang="en-US" altLang="ko-KR" sz="1100" b="0" kern="1200" dirty="0"/>
             <a:t>(</a:t>
           </a:r>
           <a:r>
-            <a:rPr lang="en-US" altLang="ko-KR" sz="1600" kern="1200" dirty="0" err="1"/>
-            <a:t>RepositoriesImpl</a:t>
-          </a:r>
-          <a:r>
-            <a:rPr lang="en-US" altLang="ko-KR" sz="1600" kern="1200" dirty="0"/>
-            <a:t>, data sources, models, retrofit </a:t>
-          </a:r>
-          <a:r>
-            <a:rPr lang="en-US" altLang="ko-KR" sz="1600" kern="1200" dirty="0" err="1"/>
-            <a:t>api</a:t>
-          </a:r>
-          <a:r>
-            <a:rPr lang="en-US" altLang="ko-KR" sz="1600" kern="1200" dirty="0"/>
-            <a:t> interfaces)</a:t>
-          </a:r>
-          <a:endParaRPr lang="ko-KR" altLang="en-US" sz="1600" kern="1200" dirty="0"/>
+            <a:rPr lang="en-US" altLang="ko-KR" sz="1100" b="0" kern="1200" dirty="0" err="1"/>
+            <a:t>Usecases</a:t>
+          </a:r>
+          <a:r>
+            <a:rPr lang="en-US" altLang="ko-KR" sz="1100" b="0" kern="1200" dirty="0"/>
+            <a:t>)</a:t>
+          </a:r>
+          <a:endParaRPr lang="ko-KR" altLang="en-US" sz="1100" b="0" kern="1200" dirty="0"/>
         </a:p>
       </dsp:txBody>
       <dsp:txXfrm>
-        <a:off x="654373" y="5043440"/>
-        <a:ext cx="4689676" cy="1111607"/>
+        <a:off x="1733807" y="3380985"/>
+        <a:ext cx="4044344" cy="958643"/>
+      </dsp:txXfrm>
+    </dsp:sp>
+    <dsp:sp modelId="{A75E815E-A1C2-4131-A0E5-AEA5207D2419}">
+      <dsp:nvSpPr>
+        <dsp:cNvPr id="0" name=""/>
+        <dsp:cNvSpPr/>
+      </dsp:nvSpPr>
+      <dsp:spPr>
+        <a:xfrm>
+          <a:off x="1582224" y="4609006"/>
+          <a:ext cx="4103994" cy="1018293"/>
+        </a:xfrm>
+        <a:prstGeom prst="roundRect">
+          <a:avLst>
+            <a:gd name="adj" fmla="val 10000"/>
+          </a:avLst>
+        </a:prstGeom>
+        <a:solidFill>
+          <a:schemeClr val="accent1">
+            <a:hueOff val="0"/>
+            <a:satOff val="0"/>
+            <a:lumOff val="0"/>
+            <a:alphaOff val="0"/>
+          </a:schemeClr>
+        </a:solidFill>
+        <a:ln w="12700" cap="flat" cmpd="sng" algn="ctr">
+          <a:solidFill>
+            <a:schemeClr val="lt1">
+              <a:hueOff val="0"/>
+              <a:satOff val="0"/>
+              <a:lumOff val="0"/>
+              <a:alphaOff val="0"/>
+            </a:schemeClr>
+          </a:solidFill>
+          <a:prstDash val="solid"/>
+          <a:miter lim="800000"/>
+        </a:ln>
+        <a:effectLst/>
+      </dsp:spPr>
+      <dsp:style>
+        <a:lnRef idx="2">
+          <a:scrgbClr r="0" g="0" b="0"/>
+        </a:lnRef>
+        <a:fillRef idx="1">
+          <a:scrgbClr r="0" g="0" b="0"/>
+        </a:fillRef>
+        <a:effectRef idx="0">
+          <a:scrgbClr r="0" g="0" b="0"/>
+        </a:effectRef>
+        <a:fontRef idx="minor">
+          <a:schemeClr val="lt1"/>
+        </a:fontRef>
+      </dsp:style>
+    </dsp:sp>
+    <dsp:sp modelId="{D57FDE70-2A08-4293-8010-2AFF335D2BA0}">
+      <dsp:nvSpPr>
+        <dsp:cNvPr id="0" name=""/>
+        <dsp:cNvSpPr/>
+      </dsp:nvSpPr>
+      <dsp:spPr>
+        <a:xfrm>
+          <a:off x="1725884" y="4745484"/>
+          <a:ext cx="4103994" cy="1018293"/>
+        </a:xfrm>
+        <a:prstGeom prst="roundRect">
+          <a:avLst>
+            <a:gd name="adj" fmla="val 10000"/>
+          </a:avLst>
+        </a:prstGeom>
+        <a:solidFill>
+          <a:schemeClr val="lt1">
+            <a:alpha val="90000"/>
+            <a:hueOff val="0"/>
+            <a:satOff val="0"/>
+            <a:lumOff val="0"/>
+            <a:alphaOff val="0"/>
+          </a:schemeClr>
+        </a:solidFill>
+        <a:ln w="12700" cap="flat" cmpd="sng" algn="ctr">
+          <a:solidFill>
+            <a:schemeClr val="accent1">
+              <a:hueOff val="0"/>
+              <a:satOff val="0"/>
+              <a:lumOff val="0"/>
+              <a:alphaOff val="0"/>
+            </a:schemeClr>
+          </a:solidFill>
+          <a:prstDash val="solid"/>
+          <a:miter lim="800000"/>
+        </a:ln>
+        <a:effectLst/>
+      </dsp:spPr>
+      <dsp:style>
+        <a:lnRef idx="2">
+          <a:scrgbClr r="0" g="0" b="0"/>
+        </a:lnRef>
+        <a:fillRef idx="1">
+          <a:scrgbClr r="0" g="0" b="0"/>
+        </a:fillRef>
+        <a:effectRef idx="0">
+          <a:scrgbClr r="0" g="0" b="0"/>
+        </a:effectRef>
+        <a:fontRef idx="minor"/>
+      </dsp:style>
+      <dsp:txBody>
+        <a:bodyPr spcFirstLastPara="0" vert="horz" wrap="square" lIns="41910" tIns="41910" rIns="41910" bIns="41910" numCol="1" spcCol="1270" anchor="ctr" anchorCtr="0">
+          <a:noAutofit/>
+        </a:bodyPr>
+        <a:lstStyle/>
+        <a:p>
+          <a:pPr marL="0" lvl="0" indent="0" algn="ctr" defTabSz="488950" latinLnBrk="1">
+            <a:lnSpc>
+              <a:spcPct val="90000"/>
+            </a:lnSpc>
+            <a:spcBef>
+              <a:spcPct val="0"/>
+            </a:spcBef>
+            <a:spcAft>
+              <a:spcPct val="35000"/>
+            </a:spcAft>
+            <a:buNone/>
+          </a:pPr>
+          <a:r>
+            <a:rPr lang="en-US" altLang="ko-KR" sz="1100" b="1" kern="1200" dirty="0"/>
+            <a:t>:data (Android Library)</a:t>
+          </a:r>
+          <a:br>
+            <a:rPr lang="en-US" altLang="ko-KR" sz="1100" kern="1200" dirty="0"/>
+          </a:br>
+          <a:r>
+            <a:rPr lang="en-US" altLang="ko-KR" sz="1100" kern="1200" dirty="0"/>
+            <a:t>(</a:t>
+          </a:r>
+          <a:r>
+            <a:rPr lang="en-US" altLang="ko-KR" sz="1100" kern="1200" dirty="0" err="1"/>
+            <a:t>r</a:t>
+          </a:r>
+          <a:r>
+            <a:rPr lang="en-US" altLang="ko-KR" sz="1100" b="0" kern="1200" dirty="0" err="1"/>
+            <a:t>epositoryInterfaces</a:t>
+          </a:r>
+          <a:r>
+            <a:rPr lang="en-US" altLang="ko-KR" sz="1100" b="0" kern="1200" dirty="0"/>
+            <a:t>, </a:t>
+          </a:r>
+          <a:r>
+            <a:rPr lang="en-US" altLang="ko-KR" sz="1100" b="0" kern="1200" dirty="0" err="1"/>
+            <a:t>r</a:t>
+          </a:r>
+          <a:r>
+            <a:rPr lang="en-US" altLang="ko-KR" sz="1100" kern="1200" dirty="0" err="1"/>
+            <a:t>epositoriesImpl</a:t>
+          </a:r>
+          <a:r>
+            <a:rPr lang="en-US" altLang="ko-KR" sz="1100" kern="1200" dirty="0"/>
+            <a:t>, data sources, models, retrofit </a:t>
+          </a:r>
+          <a:r>
+            <a:rPr lang="en-US" altLang="ko-KR" sz="1100" kern="1200" dirty="0" err="1"/>
+            <a:t>api</a:t>
+          </a:r>
+          <a:r>
+            <a:rPr lang="en-US" altLang="ko-KR" sz="1100" kern="1200" dirty="0"/>
+            <a:t> interfaces)</a:t>
+          </a:r>
+          <a:endParaRPr lang="ko-KR" altLang="en-US" sz="1100" kern="1200" dirty="0"/>
+        </a:p>
+      </dsp:txBody>
+      <dsp:txXfrm>
+        <a:off x="1755709" y="4775309"/>
+        <a:ext cx="4044344" cy="958643"/>
       </dsp:txXfrm>
     </dsp:sp>
   </dsp:spTree>
@@ -26881,7 +27126,7 @@
           <a:p>
             <a:fld id="{EDB8FCC8-1576-4E05-820C-3A6DFBA7176C}" type="datetimeFigureOut">
               <a:rPr lang="ko-KR" altLang="en-US" smtClean="0"/>
-              <a:t>2023-06-12</a:t>
+              <a:t>2023-06-13</a:t>
             </a:fld>
             <a:endParaRPr lang="ko-KR" altLang="en-US"/>
           </a:p>
@@ -27079,7 +27324,7 @@
           <a:p>
             <a:fld id="{EDB8FCC8-1576-4E05-820C-3A6DFBA7176C}" type="datetimeFigureOut">
               <a:rPr lang="ko-KR" altLang="en-US" smtClean="0"/>
-              <a:t>2023-06-12</a:t>
+              <a:t>2023-06-13</a:t>
             </a:fld>
             <a:endParaRPr lang="ko-KR" altLang="en-US"/>
           </a:p>
@@ -27287,7 +27532,7 @@
           <a:p>
             <a:fld id="{EDB8FCC8-1576-4E05-820C-3A6DFBA7176C}" type="datetimeFigureOut">
               <a:rPr lang="ko-KR" altLang="en-US" smtClean="0"/>
-              <a:t>2023-06-12</a:t>
+              <a:t>2023-06-13</a:t>
             </a:fld>
             <a:endParaRPr lang="ko-KR" altLang="en-US"/>
           </a:p>
@@ -27485,7 +27730,7 @@
           <a:p>
             <a:fld id="{EDB8FCC8-1576-4E05-820C-3A6DFBA7176C}" type="datetimeFigureOut">
               <a:rPr lang="ko-KR" altLang="en-US" smtClean="0"/>
-              <a:t>2023-06-12</a:t>
+              <a:t>2023-06-13</a:t>
             </a:fld>
             <a:endParaRPr lang="ko-KR" altLang="en-US"/>
           </a:p>
@@ -27760,7 +28005,7 @@
           <a:p>
             <a:fld id="{EDB8FCC8-1576-4E05-820C-3A6DFBA7176C}" type="datetimeFigureOut">
               <a:rPr lang="ko-KR" altLang="en-US" smtClean="0"/>
-              <a:t>2023-06-12</a:t>
+              <a:t>2023-06-13</a:t>
             </a:fld>
             <a:endParaRPr lang="ko-KR" altLang="en-US"/>
           </a:p>
@@ -28025,7 +28270,7 @@
           <a:p>
             <a:fld id="{EDB8FCC8-1576-4E05-820C-3A6DFBA7176C}" type="datetimeFigureOut">
               <a:rPr lang="ko-KR" altLang="en-US" smtClean="0"/>
-              <a:t>2023-06-12</a:t>
+              <a:t>2023-06-13</a:t>
             </a:fld>
             <a:endParaRPr lang="ko-KR" altLang="en-US"/>
           </a:p>
@@ -28437,7 +28682,7 @@
           <a:p>
             <a:fld id="{EDB8FCC8-1576-4E05-820C-3A6DFBA7176C}" type="datetimeFigureOut">
               <a:rPr lang="ko-KR" altLang="en-US" smtClean="0"/>
-              <a:t>2023-06-12</a:t>
+              <a:t>2023-06-13</a:t>
             </a:fld>
             <a:endParaRPr lang="ko-KR" altLang="en-US"/>
           </a:p>
@@ -28578,7 +28823,7 @@
           <a:p>
             <a:fld id="{EDB8FCC8-1576-4E05-820C-3A6DFBA7176C}" type="datetimeFigureOut">
               <a:rPr lang="ko-KR" altLang="en-US" smtClean="0"/>
-              <a:t>2023-06-12</a:t>
+              <a:t>2023-06-13</a:t>
             </a:fld>
             <a:endParaRPr lang="ko-KR" altLang="en-US"/>
           </a:p>
@@ -28691,7 +28936,7 @@
           <a:p>
             <a:fld id="{EDB8FCC8-1576-4E05-820C-3A6DFBA7176C}" type="datetimeFigureOut">
               <a:rPr lang="ko-KR" altLang="en-US" smtClean="0"/>
-              <a:t>2023-06-12</a:t>
+              <a:t>2023-06-13</a:t>
             </a:fld>
             <a:endParaRPr lang="ko-KR" altLang="en-US"/>
           </a:p>
@@ -29002,7 +29247,7 @@
           <a:p>
             <a:fld id="{EDB8FCC8-1576-4E05-820C-3A6DFBA7176C}" type="datetimeFigureOut">
               <a:rPr lang="ko-KR" altLang="en-US" smtClean="0"/>
-              <a:t>2023-06-12</a:t>
+              <a:t>2023-06-13</a:t>
             </a:fld>
             <a:endParaRPr lang="ko-KR" altLang="en-US"/>
           </a:p>
@@ -29290,7 +29535,7 @@
           <a:p>
             <a:fld id="{EDB8FCC8-1576-4E05-820C-3A6DFBA7176C}" type="datetimeFigureOut">
               <a:rPr lang="ko-KR" altLang="en-US" smtClean="0"/>
-              <a:t>2023-06-12</a:t>
+              <a:t>2023-06-13</a:t>
             </a:fld>
             <a:endParaRPr lang="ko-KR" altLang="en-US"/>
           </a:p>
@@ -29531,7 +29776,7 @@
           <a:p>
             <a:fld id="{EDB8FCC8-1576-4E05-820C-3A6DFBA7176C}" type="datetimeFigureOut">
               <a:rPr lang="ko-KR" altLang="en-US" smtClean="0"/>
-              <a:t>2023-06-12</a:t>
+              <a:t>2023-06-13</a:t>
             </a:fld>
             <a:endParaRPr lang="ko-KR" altLang="en-US"/>
           </a:p>
@@ -29961,13 +30206,13 @@
           <p:nvPr>
             <p:extLst>
               <p:ext uri="{D42A27DB-BD31-4B8C-83A1-F6EECF244321}">
-                <p14:modId xmlns:p14="http://schemas.microsoft.com/office/powerpoint/2010/main" val="700828492"/>
+                <p14:modId xmlns:p14="http://schemas.microsoft.com/office/powerpoint/2010/main" val="1611844439"/>
               </p:ext>
             </p:extLst>
           </p:nvPr>
         </p:nvGraphicFramePr>
         <p:xfrm>
-          <a:off x="6360160" y="334094"/>
+          <a:off x="6096000" y="224028"/>
           <a:ext cx="5831840" cy="6189812"/>
         </p:xfrm>
         <a:graphic>
@@ -29990,7 +30235,7 @@
         </p:nvSpPr>
         <p:spPr>
           <a:xfrm>
-            <a:off x="548640" y="566928"/>
+            <a:off x="284480" y="612844"/>
             <a:ext cx="5811520" cy="5632311"/>
           </a:xfrm>
           <a:prstGeom prst="rect">
@@ -30134,7 +30379,6 @@
               <a:rPr lang="en-US" altLang="ko-KR" sz="2400" b="1" dirty="0"/>
               <a:t>.</a:t>
             </a:r>
-            <a:endParaRPr lang="ko-KR" altLang="en-US" sz="2400" b="1" dirty="0"/>
           </a:p>
         </p:txBody>
       </p:sp>

--- a/MyMindNotes 기획/나의 마음 일지 모듈화 방법 선택.pptx
+++ b/MyMindNotes 기획/나의 마음 일지 모듈화 방법 선택.pptx
@@ -2382,15 +2382,7 @@
           <a:pPr latinLnBrk="1"/>
           <a:r>
             <a:rPr lang="en-US" altLang="ko-KR" b="1" dirty="0"/>
-            <a:t>:</a:t>
-          </a:r>
-          <a:r>
-            <a:rPr lang="en-US" altLang="ko-KR" b="1" dirty="0" err="1"/>
-            <a:t>ui</a:t>
-          </a:r>
-          <a:r>
-            <a:rPr lang="en-US" altLang="ko-KR" b="1" dirty="0"/>
-            <a:t> (Android Library)</a:t>
+            <a:t>:presentation (Android Library)</a:t>
           </a:r>
           <a:br>
             <a:rPr lang="en-US" altLang="ko-KR" dirty="0"/>
@@ -2435,7 +2427,7 @@
         </a:p>
       </dgm:t>
     </dgm:pt>
-    <dgm:pt modelId="{B20A29DA-DF20-47B9-ABE4-CD2049B415FA}">
+    <dgm:pt modelId="{E4F250E2-CB35-409D-A50C-E7DB38A32374}">
       <dgm:prSet phldrT="[텍스트]"/>
       <dgm:spPr/>
       <dgm:t>
@@ -2445,28 +2437,28 @@
           <a:pPr latinLnBrk="1"/>
           <a:r>
             <a:rPr lang="en-US" altLang="ko-KR" b="1" dirty="0"/>
-            <a:t>:domain (Kotlin Library)</a:t>
+            <a:t>:app (Application Module)</a:t>
           </a:r>
           <a:br>
             <a:rPr lang="en-US" altLang="ko-KR" b="1" dirty="0"/>
           </a:br>
           <a:r>
             <a:rPr lang="en-US" altLang="ko-KR" b="0" dirty="0"/>
-            <a:t>(</a:t>
+            <a:t>(Manifest, </a:t>
           </a:r>
           <a:r>
             <a:rPr lang="en-US" altLang="ko-KR" b="0" dirty="0" err="1"/>
-            <a:t>Usecases</a:t>
+            <a:t>HiltApplication</a:t>
           </a:r>
           <a:r>
             <a:rPr lang="en-US" altLang="ko-KR" b="0" dirty="0"/>
-            <a:t>)</a:t>
-          </a:r>
-          <a:endParaRPr lang="ko-KR" altLang="en-US" b="0" dirty="0"/>
+            <a:t>, Hilt Modules)</a:t>
+          </a:r>
+          <a:endParaRPr lang="ko-KR" altLang="en-US" b="1" dirty="0"/>
         </a:p>
       </dgm:t>
     </dgm:pt>
-    <dgm:pt modelId="{23CABE87-401F-47BD-88AB-A59167F55C78}" type="parTrans" cxnId="{311D29FD-4931-45BC-A36D-2D3375E11FF3}">
+    <dgm:pt modelId="{A190FEE7-1294-4521-98EF-3799EC2B5397}" type="parTrans" cxnId="{1FC92382-865C-4373-80B8-0C41448A786F}">
       <dgm:prSet/>
       <dgm:spPr/>
       <dgm:t>
@@ -2478,7 +2470,7 @@
         </a:p>
       </dgm:t>
     </dgm:pt>
-    <dgm:pt modelId="{12387ABD-82F8-445F-84C0-428EE11FAFCD}" type="sibTrans" cxnId="{311D29FD-4931-45BC-A36D-2D3375E11FF3}">
+    <dgm:pt modelId="{298B152B-13B7-43A0-80D0-5C9054BCE985}" type="sibTrans" cxnId="{1FC92382-865C-4373-80B8-0C41448A786F}">
       <dgm:prSet/>
       <dgm:spPr/>
       <dgm:t>
@@ -2490,7 +2482,7 @@
         </a:p>
       </dgm:t>
     </dgm:pt>
-    <dgm:pt modelId="{52428C89-F15D-441C-B987-7F1FCC90B406}">
+    <dgm:pt modelId="{2115A23A-051E-4746-93D2-E12E466469A5}">
       <dgm:prSet phldrT="[텍스트]"/>
       <dgm:spPr/>
       <dgm:t>
@@ -2510,18 +2502,6 @@
             <a:t>(</a:t>
           </a:r>
           <a:r>
-            <a:rPr lang="en-US" altLang="ko-KR" dirty="0" err="1"/>
-            <a:t>r</a:t>
-          </a:r>
-          <a:r>
-            <a:rPr lang="en-US" altLang="ko-KR" b="0" dirty="0" err="1"/>
-            <a:t>epositoryInterfaces</a:t>
-          </a:r>
-          <a:r>
-            <a:rPr lang="en-US" altLang="ko-KR" b="0" dirty="0"/>
-            <a:t>, </a:t>
-          </a:r>
-          <a:r>
             <a:rPr lang="en-US" altLang="ko-KR" b="0" dirty="0" err="1"/>
             <a:t>r</a:t>
           </a:r>
@@ -2545,7 +2525,7 @@
         </a:p>
       </dgm:t>
     </dgm:pt>
-    <dgm:pt modelId="{0FF22A86-4B06-48E8-BDCB-02A68A49E7FB}" type="parTrans" cxnId="{F0C80713-5A6A-4F33-8E45-006BCE4D0E20}">
+    <dgm:pt modelId="{7277C549-7250-4038-9C79-A290452C986A}" type="parTrans" cxnId="{6A777BDF-81C2-41B9-953A-95C5DBAF7C4C}">
       <dgm:prSet/>
       <dgm:spPr/>
       <dgm:t>
@@ -2557,7 +2537,7 @@
         </a:p>
       </dgm:t>
     </dgm:pt>
-    <dgm:pt modelId="{173D4B96-B4C0-4255-8FD4-6105FEF665FD}" type="sibTrans" cxnId="{F0C80713-5A6A-4F33-8E45-006BCE4D0E20}">
+    <dgm:pt modelId="{B4914E38-AB39-4EFA-89E5-02186566F4B9}" type="sibTrans" cxnId="{6A777BDF-81C2-41B9-953A-95C5DBAF7C4C}">
       <dgm:prSet/>
       <dgm:spPr/>
       <dgm:t>
@@ -2569,7 +2549,7 @@
         </a:p>
       </dgm:t>
     </dgm:pt>
-    <dgm:pt modelId="{E4F250E2-CB35-409D-A50C-E7DB38A32374}">
+    <dgm:pt modelId="{F8DCC040-55D6-478D-ACCC-96A405315332}">
       <dgm:prSet phldrT="[텍스트]"/>
       <dgm:spPr/>
       <dgm:t>
@@ -2579,28 +2559,28 @@
           <a:pPr latinLnBrk="1"/>
           <a:r>
             <a:rPr lang="en-US" altLang="ko-KR" b="1" dirty="0"/>
-            <a:t>:app (Application Module)</a:t>
+            <a:t>:domain (Kotlin Library)</a:t>
           </a:r>
           <a:br>
             <a:rPr lang="en-US" altLang="ko-KR" b="1" dirty="0"/>
           </a:br>
           <a:r>
             <a:rPr lang="en-US" altLang="ko-KR" b="0" dirty="0"/>
-            <a:t>(Manifest, </a:t>
+            <a:t>(</a:t>
           </a:r>
           <a:r>
             <a:rPr lang="en-US" altLang="ko-KR" b="0" dirty="0" err="1"/>
-            <a:t>HiltApplication</a:t>
+            <a:t>Usecases</a:t>
           </a:r>
           <a:r>
             <a:rPr lang="en-US" altLang="ko-KR" b="0" dirty="0"/>
-            <a:t>, Hilt Modules)</a:t>
-          </a:r>
-          <a:endParaRPr lang="ko-KR" altLang="en-US" b="1" dirty="0"/>
+            <a:t>)</a:t>
+          </a:r>
+          <a:endParaRPr lang="ko-KR" altLang="en-US" dirty="0"/>
         </a:p>
       </dgm:t>
     </dgm:pt>
-    <dgm:pt modelId="{A190FEE7-1294-4521-98EF-3799EC2B5397}" type="parTrans" cxnId="{1FC92382-865C-4373-80B8-0C41448A786F}">
+    <dgm:pt modelId="{48A202E1-C5D4-4714-9E1B-A2A6E39F879D}" type="parTrans" cxnId="{0E867093-9C5B-43B8-8399-D83E6DBACE8A}">
       <dgm:prSet/>
       <dgm:spPr/>
       <dgm:t>
@@ -2612,7 +2592,7 @@
         </a:p>
       </dgm:t>
     </dgm:pt>
-    <dgm:pt modelId="{298B152B-13B7-43A0-80D0-5C9054BCE985}" type="sibTrans" cxnId="{1FC92382-865C-4373-80B8-0C41448A786F}">
+    <dgm:pt modelId="{1B9458D0-7687-4096-8413-FB2FDFF3A244}" type="sibTrans" cxnId="{0E867093-9C5B-43B8-8399-D83E6DBACE8A}">
       <dgm:prSet/>
       <dgm:spPr/>
       <dgm:t>
@@ -2624,8 +2604,8 @@
         </a:p>
       </dgm:t>
     </dgm:pt>
-    <dgm:pt modelId="{752631D4-963C-4EDC-ADD3-D65FBE3C42CF}">
-      <dgm:prSet phldrT="[텍스트]"/>
+    <dgm:pt modelId="{515BCAA9-2179-44B0-80D6-2DD1A2D99B17}">
+      <dgm:prSet/>
       <dgm:spPr/>
       <dgm:t>
         <a:bodyPr/>
@@ -2647,7 +2627,7 @@
         </a:p>
       </dgm:t>
     </dgm:pt>
-    <dgm:pt modelId="{4AD7CD1E-1ADB-49A5-BBEC-A0DAD983F982}" type="parTrans" cxnId="{5C2C4726-5116-4452-984C-D86C7FCC16D8}">
+    <dgm:pt modelId="{4A30BE21-9B99-4BCC-BDCC-BF0BD4D1997F}" type="parTrans" cxnId="{C2639599-415D-48E2-AB7A-81D6E439C9FA}">
       <dgm:prSet/>
       <dgm:spPr/>
       <dgm:t>
@@ -2659,7 +2639,7 @@
         </a:p>
       </dgm:t>
     </dgm:pt>
-    <dgm:pt modelId="{B8A5C066-0FD4-4BA7-9593-5A059B6136E7}" type="sibTrans" cxnId="{5C2C4726-5116-4452-984C-D86C7FCC16D8}">
+    <dgm:pt modelId="{EA9043E6-5FD3-45DA-9065-AE707A76FC3A}" type="sibTrans" cxnId="{C2639599-415D-48E2-AB7A-81D6E439C9FA}">
       <dgm:prSet/>
       <dgm:spPr/>
       <dgm:t>
@@ -2683,56 +2663,60 @@
       </dgm:prSet>
       <dgm:spPr/>
     </dgm:pt>
-    <dgm:pt modelId="{70C1495E-396C-4BC9-BD14-9B81906677F5}" type="pres">
-      <dgm:prSet presAssocID="{752631D4-963C-4EDC-ADD3-D65FBE3C42CF}" presName="hierRoot1" presStyleCnt="0"/>
-      <dgm:spPr/>
-    </dgm:pt>
-    <dgm:pt modelId="{CACA7947-C632-4FB2-9542-4F3421472AEC}" type="pres">
-      <dgm:prSet presAssocID="{752631D4-963C-4EDC-ADD3-D65FBE3C42CF}" presName="composite" presStyleCnt="0"/>
-      <dgm:spPr/>
-    </dgm:pt>
-    <dgm:pt modelId="{93021BCB-F335-46E0-AFA2-84C95622F9CE}" type="pres">
-      <dgm:prSet presAssocID="{752631D4-963C-4EDC-ADD3-D65FBE3C42CF}" presName="background" presStyleLbl="node0" presStyleIdx="0" presStyleCnt="2"/>
-      <dgm:spPr/>
-    </dgm:pt>
-    <dgm:pt modelId="{BA493ACD-AC1E-45A0-B4EE-998D1518B77D}" type="pres">
-      <dgm:prSet presAssocID="{752631D4-963C-4EDC-ADD3-D65FBE3C42CF}" presName="text" presStyleLbl="fgAcc0" presStyleIdx="0" presStyleCnt="2">
+    <dgm:pt modelId="{16D0C2A4-BD29-43CE-AE17-C7411141268E}" type="pres">
+      <dgm:prSet presAssocID="{E4F250E2-CB35-409D-A50C-E7DB38A32374}" presName="hierRoot1" presStyleCnt="0"/>
+      <dgm:spPr/>
+    </dgm:pt>
+    <dgm:pt modelId="{2A86B639-FB13-4E73-8515-9670A97EB3A0}" type="pres">
+      <dgm:prSet presAssocID="{E4F250E2-CB35-409D-A50C-E7DB38A32374}" presName="composite" presStyleCnt="0"/>
+      <dgm:spPr/>
+    </dgm:pt>
+    <dgm:pt modelId="{01794C95-7293-422E-9CA8-B768891748D6}" type="pres">
+      <dgm:prSet presAssocID="{E4F250E2-CB35-409D-A50C-E7DB38A32374}" presName="background" presStyleLbl="node0" presStyleIdx="0" presStyleCnt="1"/>
+      <dgm:spPr/>
+    </dgm:pt>
+    <dgm:pt modelId="{8F7EABCF-7E37-4D4A-B052-F011D37748F1}" type="pres">
+      <dgm:prSet presAssocID="{E4F250E2-CB35-409D-A50C-E7DB38A32374}" presName="text" presStyleLbl="fgAcc0" presStyleIdx="0" presStyleCnt="1" custScaleX="317415" custScaleY="124028">
         <dgm:presLayoutVars>
           <dgm:chPref val="3"/>
         </dgm:presLayoutVars>
       </dgm:prSet>
       <dgm:spPr/>
     </dgm:pt>
-    <dgm:pt modelId="{93E748A3-5115-43A6-8063-820E8A3653A2}" type="pres">
-      <dgm:prSet presAssocID="{752631D4-963C-4EDC-ADD3-D65FBE3C42CF}" presName="hierChild2" presStyleCnt="0"/>
-      <dgm:spPr/>
-    </dgm:pt>
-    <dgm:pt modelId="{16D0C2A4-BD29-43CE-AE17-C7411141268E}" type="pres">
-      <dgm:prSet presAssocID="{E4F250E2-CB35-409D-A50C-E7DB38A32374}" presName="hierRoot1" presStyleCnt="0"/>
-      <dgm:spPr/>
-    </dgm:pt>
-    <dgm:pt modelId="{2A86B639-FB13-4E73-8515-9670A97EB3A0}" type="pres">
-      <dgm:prSet presAssocID="{E4F250E2-CB35-409D-A50C-E7DB38A32374}" presName="composite" presStyleCnt="0"/>
-      <dgm:spPr/>
-    </dgm:pt>
-    <dgm:pt modelId="{01794C95-7293-422E-9CA8-B768891748D6}" type="pres">
-      <dgm:prSet presAssocID="{E4F250E2-CB35-409D-A50C-E7DB38A32374}" presName="background" presStyleLbl="node0" presStyleIdx="1" presStyleCnt="2"/>
-      <dgm:spPr/>
-    </dgm:pt>
-    <dgm:pt modelId="{8F7EABCF-7E37-4D4A-B052-F011D37748F1}" type="pres">
-      <dgm:prSet presAssocID="{E4F250E2-CB35-409D-A50C-E7DB38A32374}" presName="text" presStyleLbl="fgAcc0" presStyleIdx="1" presStyleCnt="2" custScaleX="317415" custScaleY="124028">
+    <dgm:pt modelId="{BFEBC183-8387-40D7-BCB5-5A349FD83C0E}" type="pres">
+      <dgm:prSet presAssocID="{E4F250E2-CB35-409D-A50C-E7DB38A32374}" presName="hierChild2" presStyleCnt="0"/>
+      <dgm:spPr/>
+    </dgm:pt>
+    <dgm:pt modelId="{225F0C97-3E53-4A45-9A01-86BF1786916E}" type="pres">
+      <dgm:prSet presAssocID="{4A30BE21-9B99-4BCC-BDCC-BF0BD4D1997F}" presName="Name10" presStyleLbl="parChTrans1D2" presStyleIdx="0" presStyleCnt="2"/>
+      <dgm:spPr/>
+    </dgm:pt>
+    <dgm:pt modelId="{18C06F2B-5D88-4EA7-BE92-8E608897A493}" type="pres">
+      <dgm:prSet presAssocID="{515BCAA9-2179-44B0-80D6-2DD1A2D99B17}" presName="hierRoot2" presStyleCnt="0"/>
+      <dgm:spPr/>
+    </dgm:pt>
+    <dgm:pt modelId="{CF980750-4C4D-46A3-88A7-62FAF37C6BE8}" type="pres">
+      <dgm:prSet presAssocID="{515BCAA9-2179-44B0-80D6-2DD1A2D99B17}" presName="composite2" presStyleCnt="0"/>
+      <dgm:spPr/>
+    </dgm:pt>
+    <dgm:pt modelId="{1967F50F-017C-4DB1-A12C-A837169005B7}" type="pres">
+      <dgm:prSet presAssocID="{515BCAA9-2179-44B0-80D6-2DD1A2D99B17}" presName="background2" presStyleLbl="node2" presStyleIdx="0" presStyleCnt="2"/>
+      <dgm:spPr/>
+    </dgm:pt>
+    <dgm:pt modelId="{606D0EE2-B6A5-45EE-AACB-9FF7B88DA116}" type="pres">
+      <dgm:prSet presAssocID="{515BCAA9-2179-44B0-80D6-2DD1A2D99B17}" presName="text2" presStyleLbl="fgAcc2" presStyleIdx="0" presStyleCnt="2">
         <dgm:presLayoutVars>
           <dgm:chPref val="3"/>
         </dgm:presLayoutVars>
       </dgm:prSet>
       <dgm:spPr/>
     </dgm:pt>
-    <dgm:pt modelId="{BFEBC183-8387-40D7-BCB5-5A349FD83C0E}" type="pres">
-      <dgm:prSet presAssocID="{E4F250E2-CB35-409D-A50C-E7DB38A32374}" presName="hierChild2" presStyleCnt="0"/>
+    <dgm:pt modelId="{727CC657-0679-450E-9011-A84D528FDB0F}" type="pres">
+      <dgm:prSet presAssocID="{515BCAA9-2179-44B0-80D6-2DD1A2D99B17}" presName="hierChild3" presStyleCnt="0"/>
       <dgm:spPr/>
     </dgm:pt>
     <dgm:pt modelId="{A5108CE0-2C1B-4C87-B35F-A4155A76FB71}" type="pres">
-      <dgm:prSet presAssocID="{846C3A45-E6C0-4E8A-BD89-19D2B988F293}" presName="Name10" presStyleLbl="parChTrans1D2" presStyleIdx="0" presStyleCnt="1"/>
+      <dgm:prSet presAssocID="{846C3A45-E6C0-4E8A-BD89-19D2B988F293}" presName="Name10" presStyleLbl="parChTrans1D2" presStyleIdx="1" presStyleCnt="2"/>
       <dgm:spPr/>
     </dgm:pt>
     <dgm:pt modelId="{780C46AD-55B6-479F-81A4-95BC2C427BF6}" type="pres">
@@ -2744,11 +2728,11 @@
       <dgm:spPr/>
     </dgm:pt>
     <dgm:pt modelId="{19F0D0D2-EA79-4D71-BB33-12B928BB7083}" type="pres">
-      <dgm:prSet presAssocID="{319A3538-50A2-4132-AC6F-8753D8B10D4E}" presName="background2" presStyleLbl="node2" presStyleIdx="0" presStyleCnt="1"/>
+      <dgm:prSet presAssocID="{319A3538-50A2-4132-AC6F-8753D8B10D4E}" presName="background2" presStyleLbl="node2" presStyleIdx="1" presStyleCnt="2"/>
       <dgm:spPr/>
     </dgm:pt>
     <dgm:pt modelId="{29FE98D2-D78B-4968-8E8F-E1749CE54015}" type="pres">
-      <dgm:prSet presAssocID="{319A3538-50A2-4132-AC6F-8753D8B10D4E}" presName="text2" presStyleLbl="fgAcc2" presStyleIdx="0" presStyleCnt="1" custScaleX="317415" custScaleY="124028">
+      <dgm:prSet presAssocID="{319A3538-50A2-4132-AC6F-8753D8B10D4E}" presName="text2" presStyleLbl="fgAcc2" presStyleIdx="1" presStyleCnt="2" custScaleX="317415" custScaleY="124028" custLinFactNeighborX="-415" custLinFactNeighborY="3015">
         <dgm:presLayoutVars>
           <dgm:chPref val="3"/>
         </dgm:presLayoutVars>
@@ -2759,106 +2743,108 @@
       <dgm:prSet presAssocID="{319A3538-50A2-4132-AC6F-8753D8B10D4E}" presName="hierChild3" presStyleCnt="0"/>
       <dgm:spPr/>
     </dgm:pt>
-    <dgm:pt modelId="{3A34AC6B-9F94-4A2F-AF1C-762AEEF6FDA7}" type="pres">
-      <dgm:prSet presAssocID="{23CABE87-401F-47BD-88AB-A59167F55C78}" presName="Name17" presStyleLbl="parChTrans1D3" presStyleIdx="0" presStyleCnt="1"/>
-      <dgm:spPr/>
-    </dgm:pt>
-    <dgm:pt modelId="{464BD3EC-DD94-4668-872B-5B15FAF38027}" type="pres">
-      <dgm:prSet presAssocID="{B20A29DA-DF20-47B9-ABE4-CD2049B415FA}" presName="hierRoot3" presStyleCnt="0"/>
-      <dgm:spPr/>
-    </dgm:pt>
-    <dgm:pt modelId="{5B6FF65F-F411-474A-87C3-BF811ED5C983}" type="pres">
-      <dgm:prSet presAssocID="{B20A29DA-DF20-47B9-ABE4-CD2049B415FA}" presName="composite3" presStyleCnt="0"/>
-      <dgm:spPr/>
-    </dgm:pt>
-    <dgm:pt modelId="{D0C2A7E5-4DED-4CCD-A990-DEB18F352623}" type="pres">
-      <dgm:prSet presAssocID="{B20A29DA-DF20-47B9-ABE4-CD2049B415FA}" presName="background3" presStyleLbl="node3" presStyleIdx="0" presStyleCnt="1"/>
-      <dgm:spPr/>
-    </dgm:pt>
-    <dgm:pt modelId="{D092C1C9-865D-46D1-A149-925B6DAD6D1D}" type="pres">
-      <dgm:prSet presAssocID="{B20A29DA-DF20-47B9-ABE4-CD2049B415FA}" presName="text3" presStyleLbl="fgAcc3" presStyleIdx="0" presStyleCnt="1" custScaleX="317415" custScaleY="124028" custLinFactNeighborX="-1694">
+    <dgm:pt modelId="{90231DC8-C136-4A9E-A34B-B1EF20050048}" type="pres">
+      <dgm:prSet presAssocID="{48A202E1-C5D4-4714-9E1B-A2A6E39F879D}" presName="Name17" presStyleLbl="parChTrans1D3" presStyleIdx="0" presStyleCnt="1"/>
+      <dgm:spPr/>
+    </dgm:pt>
+    <dgm:pt modelId="{B7963B97-07E6-4E64-B68C-3287F6B4E307}" type="pres">
+      <dgm:prSet presAssocID="{F8DCC040-55D6-478D-ACCC-96A405315332}" presName="hierRoot3" presStyleCnt="0"/>
+      <dgm:spPr/>
+    </dgm:pt>
+    <dgm:pt modelId="{B34728F4-3725-4B54-831B-AE4FF245EDB7}" type="pres">
+      <dgm:prSet presAssocID="{F8DCC040-55D6-478D-ACCC-96A405315332}" presName="composite3" presStyleCnt="0"/>
+      <dgm:spPr/>
+    </dgm:pt>
+    <dgm:pt modelId="{84E548DE-8997-4535-B279-A5848B2CDBF2}" type="pres">
+      <dgm:prSet presAssocID="{F8DCC040-55D6-478D-ACCC-96A405315332}" presName="background3" presStyleLbl="node3" presStyleIdx="0" presStyleCnt="1"/>
+      <dgm:spPr/>
+    </dgm:pt>
+    <dgm:pt modelId="{DA3DC8A1-B41A-4EB3-89A2-F228C2FBC67A}" type="pres">
+      <dgm:prSet presAssocID="{F8DCC040-55D6-478D-ACCC-96A405315332}" presName="text3" presStyleLbl="fgAcc3" presStyleIdx="0" presStyleCnt="1" custScaleX="328677" custLinFactNeighborX="-650">
         <dgm:presLayoutVars>
           <dgm:chPref val="3"/>
         </dgm:presLayoutVars>
       </dgm:prSet>
       <dgm:spPr/>
     </dgm:pt>
-    <dgm:pt modelId="{1D2ABF83-8DC9-40D8-88A5-BCFD4EDB98F9}" type="pres">
-      <dgm:prSet presAssocID="{B20A29DA-DF20-47B9-ABE4-CD2049B415FA}" presName="hierChild4" presStyleCnt="0"/>
-      <dgm:spPr/>
-    </dgm:pt>
-    <dgm:pt modelId="{2D3E0B1A-34E4-444A-95F5-CD7520971B04}" type="pres">
-      <dgm:prSet presAssocID="{0FF22A86-4B06-48E8-BDCB-02A68A49E7FB}" presName="Name23" presStyleLbl="parChTrans1D4" presStyleIdx="0" presStyleCnt="1"/>
-      <dgm:spPr/>
-    </dgm:pt>
-    <dgm:pt modelId="{A3F7281F-B10F-42CC-98CD-EECC5C6C2E78}" type="pres">
-      <dgm:prSet presAssocID="{52428C89-F15D-441C-B987-7F1FCC90B406}" presName="hierRoot4" presStyleCnt="0"/>
-      <dgm:spPr/>
-    </dgm:pt>
-    <dgm:pt modelId="{2E888A34-AD12-44C3-A7DB-B8B2ED4ACDB7}" type="pres">
-      <dgm:prSet presAssocID="{52428C89-F15D-441C-B987-7F1FCC90B406}" presName="composite4" presStyleCnt="0"/>
-      <dgm:spPr/>
-    </dgm:pt>
-    <dgm:pt modelId="{A75E815E-A1C2-4131-A0E5-AEA5207D2419}" type="pres">
-      <dgm:prSet presAssocID="{52428C89-F15D-441C-B987-7F1FCC90B406}" presName="background4" presStyleLbl="node4" presStyleIdx="0" presStyleCnt="1"/>
-      <dgm:spPr/>
-    </dgm:pt>
-    <dgm:pt modelId="{D57FDE70-2A08-4293-8010-2AFF335D2BA0}" type="pres">
-      <dgm:prSet presAssocID="{52428C89-F15D-441C-B987-7F1FCC90B406}" presName="text4" presStyleLbl="fgAcc4" presStyleIdx="0" presStyleCnt="1" custScaleX="317415" custScaleY="124028">
+    <dgm:pt modelId="{3EC82561-24B2-47B7-A752-6177E60B58B0}" type="pres">
+      <dgm:prSet presAssocID="{F8DCC040-55D6-478D-ACCC-96A405315332}" presName="hierChild4" presStyleCnt="0"/>
+      <dgm:spPr/>
+    </dgm:pt>
+    <dgm:pt modelId="{D67811DC-160C-4176-8829-3DF6830365F6}" type="pres">
+      <dgm:prSet presAssocID="{7277C549-7250-4038-9C79-A290452C986A}" presName="Name23" presStyleLbl="parChTrans1D4" presStyleIdx="0" presStyleCnt="1"/>
+      <dgm:spPr/>
+    </dgm:pt>
+    <dgm:pt modelId="{93E2C0D5-5965-4816-9C2A-479A9C98E237}" type="pres">
+      <dgm:prSet presAssocID="{2115A23A-051E-4746-93D2-E12E466469A5}" presName="hierRoot4" presStyleCnt="0"/>
+      <dgm:spPr/>
+    </dgm:pt>
+    <dgm:pt modelId="{EFBB36EA-2450-4800-B8AD-07CA37A0257C}" type="pres">
+      <dgm:prSet presAssocID="{2115A23A-051E-4746-93D2-E12E466469A5}" presName="composite4" presStyleCnt="0"/>
+      <dgm:spPr/>
+    </dgm:pt>
+    <dgm:pt modelId="{B10BC815-FC8F-4BC9-93C2-9B134FDC41E7}" type="pres">
+      <dgm:prSet presAssocID="{2115A23A-051E-4746-93D2-E12E466469A5}" presName="background4" presStyleLbl="node4" presStyleIdx="0" presStyleCnt="1"/>
+      <dgm:spPr/>
+    </dgm:pt>
+    <dgm:pt modelId="{9AF6E580-0B80-489F-8C44-896C1607ADFA}" type="pres">
+      <dgm:prSet presAssocID="{2115A23A-051E-4746-93D2-E12E466469A5}" presName="text4" presStyleLbl="fgAcc4" presStyleIdx="0" presStyleCnt="1" custScaleX="328677">
         <dgm:presLayoutVars>
           <dgm:chPref val="3"/>
         </dgm:presLayoutVars>
       </dgm:prSet>
       <dgm:spPr/>
     </dgm:pt>
-    <dgm:pt modelId="{24D9CCC3-F6F3-4439-BDB5-F4E5663834F2}" type="pres">
-      <dgm:prSet presAssocID="{52428C89-F15D-441C-B987-7F1FCC90B406}" presName="hierChild5" presStyleCnt="0"/>
+    <dgm:pt modelId="{430386A8-ACDB-4A3D-943F-E261CBA8C22D}" type="pres">
+      <dgm:prSet presAssocID="{2115A23A-051E-4746-93D2-E12E466469A5}" presName="hierChild5" presStyleCnt="0"/>
       <dgm:spPr/>
     </dgm:pt>
   </dgm:ptLst>
   <dgm:cxnLst>
-    <dgm:cxn modelId="{F0C80713-5A6A-4F33-8E45-006BCE4D0E20}" srcId="{B20A29DA-DF20-47B9-ABE4-CD2049B415FA}" destId="{52428C89-F15D-441C-B987-7F1FCC90B406}" srcOrd="0" destOrd="0" parTransId="{0FF22A86-4B06-48E8-BDCB-02A68A49E7FB}" sibTransId="{173D4B96-B4C0-4255-8FD4-6105FEF665FD}"/>
-    <dgm:cxn modelId="{ACBC8C1A-3797-45CE-9C10-9FFA0D7A79CC}" type="presOf" srcId="{319A3538-50A2-4132-AC6F-8753D8B10D4E}" destId="{29FE98D2-D78B-4968-8E8F-E1749CE54015}" srcOrd="0" destOrd="0" presId="urn:microsoft.com/office/officeart/2005/8/layout/hierarchy1"/>
-    <dgm:cxn modelId="{49B3411F-873D-46AC-9CCF-36915D9E8166}" type="presOf" srcId="{23CABE87-401F-47BD-88AB-A59167F55C78}" destId="{3A34AC6B-9F94-4A2F-AF1C-762AEEF6FDA7}" srcOrd="0" destOrd="0" presId="urn:microsoft.com/office/officeart/2005/8/layout/hierarchy1"/>
-    <dgm:cxn modelId="{5C2C4726-5116-4452-984C-D86C7FCC16D8}" srcId="{A27D384A-10B5-4DFF-A9EB-A1A63F315D7F}" destId="{752631D4-963C-4EDC-ADD3-D65FBE3C42CF}" srcOrd="0" destOrd="0" parTransId="{4AD7CD1E-1ADB-49A5-BBEC-A0DAD983F982}" sibTransId="{B8A5C066-0FD4-4BA7-9593-5A059B6136E7}"/>
-    <dgm:cxn modelId="{30140B3E-C404-4C05-B13F-D7B78F4AC6A4}" srcId="{E4F250E2-CB35-409D-A50C-E7DB38A32374}" destId="{319A3538-50A2-4132-AC6F-8753D8B10D4E}" srcOrd="0" destOrd="0" parTransId="{846C3A45-E6C0-4E8A-BD89-19D2B988F293}" sibTransId="{1FBF1FB7-B399-40BF-A63D-2F8B6D4CB1DF}"/>
+    <dgm:cxn modelId="{46AFF606-1134-429F-AB2C-6707FBF4FC89}" type="presOf" srcId="{4A30BE21-9B99-4BCC-BDCC-BF0BD4D1997F}" destId="{225F0C97-3E53-4A45-9A01-86BF1786916E}" srcOrd="0" destOrd="0" presId="urn:microsoft.com/office/officeart/2005/8/layout/hierarchy1"/>
+    <dgm:cxn modelId="{9F7CE807-8F94-47D8-AD40-7C87C35B8FA9}" type="presOf" srcId="{F8DCC040-55D6-478D-ACCC-96A405315332}" destId="{DA3DC8A1-B41A-4EB3-89A2-F228C2FBC67A}" srcOrd="0" destOrd="0" presId="urn:microsoft.com/office/officeart/2005/8/layout/hierarchy1"/>
+    <dgm:cxn modelId="{30140B3E-C404-4C05-B13F-D7B78F4AC6A4}" srcId="{E4F250E2-CB35-409D-A50C-E7DB38A32374}" destId="{319A3538-50A2-4132-AC6F-8753D8B10D4E}" srcOrd="1" destOrd="0" parTransId="{846C3A45-E6C0-4E8A-BD89-19D2B988F293}" sibTransId="{1FBF1FB7-B399-40BF-A63D-2F8B6D4CB1DF}"/>
     <dgm:cxn modelId="{6D770747-5D2F-47F5-9F1E-C62AAB78329D}" type="presOf" srcId="{E4F250E2-CB35-409D-A50C-E7DB38A32374}" destId="{8F7EABCF-7E37-4D4A-B052-F011D37748F1}" srcOrd="0" destOrd="0" presId="urn:microsoft.com/office/officeart/2005/8/layout/hierarchy1"/>
     <dgm:cxn modelId="{C0787E47-F033-45FD-90A8-4C864D2BF2E9}" type="presOf" srcId="{A27D384A-10B5-4DFF-A9EB-A1A63F315D7F}" destId="{39252E81-DA7F-4971-AD1C-2B1D197ADF56}" srcOrd="0" destOrd="0" presId="urn:microsoft.com/office/officeart/2005/8/layout/hierarchy1"/>
-    <dgm:cxn modelId="{1FC92382-865C-4373-80B8-0C41448A786F}" srcId="{A27D384A-10B5-4DFF-A9EB-A1A63F315D7F}" destId="{E4F250E2-CB35-409D-A50C-E7DB38A32374}" srcOrd="1" destOrd="0" parTransId="{A190FEE7-1294-4521-98EF-3799EC2B5397}" sibTransId="{298B152B-13B7-43A0-80D0-5C9054BCE985}"/>
-    <dgm:cxn modelId="{40829387-C3B6-49FF-A85E-6A373D6E0757}" type="presOf" srcId="{52428C89-F15D-441C-B987-7F1FCC90B406}" destId="{D57FDE70-2A08-4293-8010-2AFF335D2BA0}" srcOrd="0" destOrd="0" presId="urn:microsoft.com/office/officeart/2005/8/layout/hierarchy1"/>
-    <dgm:cxn modelId="{86464C8E-9B52-46A7-ACB8-9A67199FB297}" type="presOf" srcId="{752631D4-963C-4EDC-ADD3-D65FBE3C42CF}" destId="{BA493ACD-AC1E-45A0-B4EE-998D1518B77D}" srcOrd="0" destOrd="0" presId="urn:microsoft.com/office/officeart/2005/8/layout/hierarchy1"/>
-    <dgm:cxn modelId="{E505A2C0-87C2-41F3-AE43-6D35EC175815}" type="presOf" srcId="{0FF22A86-4B06-48E8-BDCB-02A68A49E7FB}" destId="{2D3E0B1A-34E4-444A-95F5-CD7520971B04}" srcOrd="0" destOrd="0" presId="urn:microsoft.com/office/officeart/2005/8/layout/hierarchy1"/>
-    <dgm:cxn modelId="{257C81D2-BB8E-4899-982C-364EABE599E0}" type="presOf" srcId="{B20A29DA-DF20-47B9-ABE4-CD2049B415FA}" destId="{D092C1C9-865D-46D1-A149-925B6DAD6D1D}" srcOrd="0" destOrd="0" presId="urn:microsoft.com/office/officeart/2005/8/layout/hierarchy1"/>
-    <dgm:cxn modelId="{4D14A0F4-1C5F-4B33-B7EE-3C87197D4EBA}" type="presOf" srcId="{846C3A45-E6C0-4E8A-BD89-19D2B988F293}" destId="{A5108CE0-2C1B-4C87-B35F-A4155A76FB71}" srcOrd="0" destOrd="0" presId="urn:microsoft.com/office/officeart/2005/8/layout/hierarchy1"/>
-    <dgm:cxn modelId="{311D29FD-4931-45BC-A36D-2D3375E11FF3}" srcId="{319A3538-50A2-4132-AC6F-8753D8B10D4E}" destId="{B20A29DA-DF20-47B9-ABE4-CD2049B415FA}" srcOrd="0" destOrd="0" parTransId="{23CABE87-401F-47BD-88AB-A59167F55C78}" sibTransId="{12387ABD-82F8-445F-84C0-428EE11FAFCD}"/>
-    <dgm:cxn modelId="{A4DA7C4A-2A90-4D54-9911-15C941E8592F}" type="presParOf" srcId="{39252E81-DA7F-4971-AD1C-2B1D197ADF56}" destId="{70C1495E-396C-4BC9-BD14-9B81906677F5}" srcOrd="0" destOrd="0" presId="urn:microsoft.com/office/officeart/2005/8/layout/hierarchy1"/>
-    <dgm:cxn modelId="{648B821D-686B-4BD6-BCD6-06FE53674037}" type="presParOf" srcId="{70C1495E-396C-4BC9-BD14-9B81906677F5}" destId="{CACA7947-C632-4FB2-9542-4F3421472AEC}" srcOrd="0" destOrd="0" presId="urn:microsoft.com/office/officeart/2005/8/layout/hierarchy1"/>
-    <dgm:cxn modelId="{66DFDDC9-555C-4815-8F03-F4D43347DD64}" type="presParOf" srcId="{CACA7947-C632-4FB2-9542-4F3421472AEC}" destId="{93021BCB-F335-46E0-AFA2-84C95622F9CE}" srcOrd="0" destOrd="0" presId="urn:microsoft.com/office/officeart/2005/8/layout/hierarchy1"/>
-    <dgm:cxn modelId="{2A8CFA1E-5D5F-488A-A9EF-803D81F72628}" type="presParOf" srcId="{CACA7947-C632-4FB2-9542-4F3421472AEC}" destId="{BA493ACD-AC1E-45A0-B4EE-998D1518B77D}" srcOrd="1" destOrd="0" presId="urn:microsoft.com/office/officeart/2005/8/layout/hierarchy1"/>
-    <dgm:cxn modelId="{57643FA5-6496-4B68-B677-AFC15332679D}" type="presParOf" srcId="{70C1495E-396C-4BC9-BD14-9B81906677F5}" destId="{93E748A3-5115-43A6-8063-820E8A3653A2}" srcOrd="1" destOrd="0" presId="urn:microsoft.com/office/officeart/2005/8/layout/hierarchy1"/>
-    <dgm:cxn modelId="{9BDFA612-3184-4C5D-A5AB-268C76A08F2C}" type="presParOf" srcId="{39252E81-DA7F-4971-AD1C-2B1D197ADF56}" destId="{16D0C2A4-BD29-43CE-AE17-C7411141268E}" srcOrd="1" destOrd="0" presId="urn:microsoft.com/office/officeart/2005/8/layout/hierarchy1"/>
+    <dgm:cxn modelId="{C8B2E750-6031-471F-93FD-9FAFF0B49F8F}" type="presOf" srcId="{319A3538-50A2-4132-AC6F-8753D8B10D4E}" destId="{29FE98D2-D78B-4968-8E8F-E1749CE54015}" srcOrd="0" destOrd="0" presId="urn:microsoft.com/office/officeart/2005/8/layout/hierarchy1"/>
+    <dgm:cxn modelId="{1FC92382-865C-4373-80B8-0C41448A786F}" srcId="{A27D384A-10B5-4DFF-A9EB-A1A63F315D7F}" destId="{E4F250E2-CB35-409D-A50C-E7DB38A32374}" srcOrd="0" destOrd="0" parTransId="{A190FEE7-1294-4521-98EF-3799EC2B5397}" sibTransId="{298B152B-13B7-43A0-80D0-5C9054BCE985}"/>
+    <dgm:cxn modelId="{0E867093-9C5B-43B8-8399-D83E6DBACE8A}" srcId="{319A3538-50A2-4132-AC6F-8753D8B10D4E}" destId="{F8DCC040-55D6-478D-ACCC-96A405315332}" srcOrd="0" destOrd="0" parTransId="{48A202E1-C5D4-4714-9E1B-A2A6E39F879D}" sibTransId="{1B9458D0-7687-4096-8413-FB2FDFF3A244}"/>
+    <dgm:cxn modelId="{C2639599-415D-48E2-AB7A-81D6E439C9FA}" srcId="{E4F250E2-CB35-409D-A50C-E7DB38A32374}" destId="{515BCAA9-2179-44B0-80D6-2DD1A2D99B17}" srcOrd="0" destOrd="0" parTransId="{4A30BE21-9B99-4BCC-BDCC-BF0BD4D1997F}" sibTransId="{EA9043E6-5FD3-45DA-9065-AE707A76FC3A}"/>
+    <dgm:cxn modelId="{9C37F1A1-8384-4151-8677-65DBE436CCF6}" type="presOf" srcId="{7277C549-7250-4038-9C79-A290452C986A}" destId="{D67811DC-160C-4176-8829-3DF6830365F6}" srcOrd="0" destOrd="0" presId="urn:microsoft.com/office/officeart/2005/8/layout/hierarchy1"/>
+    <dgm:cxn modelId="{D8F2F2AB-30FD-4320-8CAC-0CB1D2F8ABCE}" type="presOf" srcId="{515BCAA9-2179-44B0-80D6-2DD1A2D99B17}" destId="{606D0EE2-B6A5-45EE-AACB-9FF7B88DA116}" srcOrd="0" destOrd="0" presId="urn:microsoft.com/office/officeart/2005/8/layout/hierarchy1"/>
+    <dgm:cxn modelId="{9CB96BB1-8A63-4BB6-B9CF-BF40DD1C8664}" type="presOf" srcId="{2115A23A-051E-4746-93D2-E12E466469A5}" destId="{9AF6E580-0B80-489F-8C44-896C1607ADFA}" srcOrd="0" destOrd="0" presId="urn:microsoft.com/office/officeart/2005/8/layout/hierarchy1"/>
+    <dgm:cxn modelId="{55FFE0B3-78E4-40D5-8599-5ADFC0ACDBFB}" type="presOf" srcId="{846C3A45-E6C0-4E8A-BD89-19D2B988F293}" destId="{A5108CE0-2C1B-4C87-B35F-A4155A76FB71}" srcOrd="0" destOrd="0" presId="urn:microsoft.com/office/officeart/2005/8/layout/hierarchy1"/>
+    <dgm:cxn modelId="{6A777BDF-81C2-41B9-953A-95C5DBAF7C4C}" srcId="{F8DCC040-55D6-478D-ACCC-96A405315332}" destId="{2115A23A-051E-4746-93D2-E12E466469A5}" srcOrd="0" destOrd="0" parTransId="{7277C549-7250-4038-9C79-A290452C986A}" sibTransId="{B4914E38-AB39-4EFA-89E5-02186566F4B9}"/>
+    <dgm:cxn modelId="{6098D1EC-66DE-4572-A34D-F0A044CDAA51}" type="presOf" srcId="{48A202E1-C5D4-4714-9E1B-A2A6E39F879D}" destId="{90231DC8-C136-4A9E-A34B-B1EF20050048}" srcOrd="0" destOrd="0" presId="urn:microsoft.com/office/officeart/2005/8/layout/hierarchy1"/>
+    <dgm:cxn modelId="{9BDFA612-3184-4C5D-A5AB-268C76A08F2C}" type="presParOf" srcId="{39252E81-DA7F-4971-AD1C-2B1D197ADF56}" destId="{16D0C2A4-BD29-43CE-AE17-C7411141268E}" srcOrd="0" destOrd="0" presId="urn:microsoft.com/office/officeart/2005/8/layout/hierarchy1"/>
     <dgm:cxn modelId="{3C15ECE8-2305-46CA-98B0-585CFB67F1B5}" type="presParOf" srcId="{16D0C2A4-BD29-43CE-AE17-C7411141268E}" destId="{2A86B639-FB13-4E73-8515-9670A97EB3A0}" srcOrd="0" destOrd="0" presId="urn:microsoft.com/office/officeart/2005/8/layout/hierarchy1"/>
     <dgm:cxn modelId="{96E1F1D7-5853-4422-9E4D-BE488ECB8B27}" type="presParOf" srcId="{2A86B639-FB13-4E73-8515-9670A97EB3A0}" destId="{01794C95-7293-422E-9CA8-B768891748D6}" srcOrd="0" destOrd="0" presId="urn:microsoft.com/office/officeart/2005/8/layout/hierarchy1"/>
     <dgm:cxn modelId="{B6A7FD52-C2D2-425D-B502-20608AF2C9A2}" type="presParOf" srcId="{2A86B639-FB13-4E73-8515-9670A97EB3A0}" destId="{8F7EABCF-7E37-4D4A-B052-F011D37748F1}" srcOrd="1" destOrd="0" presId="urn:microsoft.com/office/officeart/2005/8/layout/hierarchy1"/>
     <dgm:cxn modelId="{0DD5584A-B372-4FC2-8646-75338B55C3DA}" type="presParOf" srcId="{16D0C2A4-BD29-43CE-AE17-C7411141268E}" destId="{BFEBC183-8387-40D7-BCB5-5A349FD83C0E}" srcOrd="1" destOrd="0" presId="urn:microsoft.com/office/officeart/2005/8/layout/hierarchy1"/>
-    <dgm:cxn modelId="{59DCAE82-8E33-4B90-8302-3D939BCE9B96}" type="presParOf" srcId="{BFEBC183-8387-40D7-BCB5-5A349FD83C0E}" destId="{A5108CE0-2C1B-4C87-B35F-A4155A76FB71}" srcOrd="0" destOrd="0" presId="urn:microsoft.com/office/officeart/2005/8/layout/hierarchy1"/>
-    <dgm:cxn modelId="{A4DA7A55-9F98-4E71-84C7-D1A316B05B35}" type="presParOf" srcId="{BFEBC183-8387-40D7-BCB5-5A349FD83C0E}" destId="{780C46AD-55B6-479F-81A4-95BC2C427BF6}" srcOrd="1" destOrd="0" presId="urn:microsoft.com/office/officeart/2005/8/layout/hierarchy1"/>
-    <dgm:cxn modelId="{68EBA44C-CC51-486D-9559-6CADC4530FA0}" type="presParOf" srcId="{780C46AD-55B6-479F-81A4-95BC2C427BF6}" destId="{92428795-F529-4A3E-AD85-1DACA6ACB31A}" srcOrd="0" destOrd="0" presId="urn:microsoft.com/office/officeart/2005/8/layout/hierarchy1"/>
-    <dgm:cxn modelId="{EE959271-E519-41CF-B5DC-C0D31B31C731}" type="presParOf" srcId="{92428795-F529-4A3E-AD85-1DACA6ACB31A}" destId="{19F0D0D2-EA79-4D71-BB33-12B928BB7083}" srcOrd="0" destOrd="0" presId="urn:microsoft.com/office/officeart/2005/8/layout/hierarchy1"/>
-    <dgm:cxn modelId="{84DDE6CB-035E-4FF3-8998-8E3EDEA03AD8}" type="presParOf" srcId="{92428795-F529-4A3E-AD85-1DACA6ACB31A}" destId="{29FE98D2-D78B-4968-8E8F-E1749CE54015}" srcOrd="1" destOrd="0" presId="urn:microsoft.com/office/officeart/2005/8/layout/hierarchy1"/>
-    <dgm:cxn modelId="{CC0BA9F3-0F77-4ECD-8C7C-8B5E729FD33F}" type="presParOf" srcId="{780C46AD-55B6-479F-81A4-95BC2C427BF6}" destId="{AE9D7491-9501-44B0-B8A8-1DF6355E1358}" srcOrd="1" destOrd="0" presId="urn:microsoft.com/office/officeart/2005/8/layout/hierarchy1"/>
-    <dgm:cxn modelId="{C70B5819-C27F-41B0-A758-7454CCB056AB}" type="presParOf" srcId="{AE9D7491-9501-44B0-B8A8-1DF6355E1358}" destId="{3A34AC6B-9F94-4A2F-AF1C-762AEEF6FDA7}" srcOrd="0" destOrd="0" presId="urn:microsoft.com/office/officeart/2005/8/layout/hierarchy1"/>
-    <dgm:cxn modelId="{D1096F98-6C76-4052-9FC9-C3D3B31D4F06}" type="presParOf" srcId="{AE9D7491-9501-44B0-B8A8-1DF6355E1358}" destId="{464BD3EC-DD94-4668-872B-5B15FAF38027}" srcOrd="1" destOrd="0" presId="urn:microsoft.com/office/officeart/2005/8/layout/hierarchy1"/>
-    <dgm:cxn modelId="{F3A136CF-2CDF-42C0-BAD7-4AB910269718}" type="presParOf" srcId="{464BD3EC-DD94-4668-872B-5B15FAF38027}" destId="{5B6FF65F-F411-474A-87C3-BF811ED5C983}" srcOrd="0" destOrd="0" presId="urn:microsoft.com/office/officeart/2005/8/layout/hierarchy1"/>
-    <dgm:cxn modelId="{0813D666-11F4-4AFB-B303-0F5633F6BC58}" type="presParOf" srcId="{5B6FF65F-F411-474A-87C3-BF811ED5C983}" destId="{D0C2A7E5-4DED-4CCD-A990-DEB18F352623}" srcOrd="0" destOrd="0" presId="urn:microsoft.com/office/officeart/2005/8/layout/hierarchy1"/>
-    <dgm:cxn modelId="{A4F4567D-75CE-40EA-A235-E70237F51E49}" type="presParOf" srcId="{5B6FF65F-F411-474A-87C3-BF811ED5C983}" destId="{D092C1C9-865D-46D1-A149-925B6DAD6D1D}" srcOrd="1" destOrd="0" presId="urn:microsoft.com/office/officeart/2005/8/layout/hierarchy1"/>
-    <dgm:cxn modelId="{E9B76C11-FE64-4FDB-94B1-A829DB1D15EF}" type="presParOf" srcId="{464BD3EC-DD94-4668-872B-5B15FAF38027}" destId="{1D2ABF83-8DC9-40D8-88A5-BCFD4EDB98F9}" srcOrd="1" destOrd="0" presId="urn:microsoft.com/office/officeart/2005/8/layout/hierarchy1"/>
-    <dgm:cxn modelId="{3015D55A-9D76-4F22-B948-1D13E390DFF2}" type="presParOf" srcId="{1D2ABF83-8DC9-40D8-88A5-BCFD4EDB98F9}" destId="{2D3E0B1A-34E4-444A-95F5-CD7520971B04}" srcOrd="0" destOrd="0" presId="urn:microsoft.com/office/officeart/2005/8/layout/hierarchy1"/>
-    <dgm:cxn modelId="{752D1CF1-C052-4F33-BC74-67F33279C9EA}" type="presParOf" srcId="{1D2ABF83-8DC9-40D8-88A5-BCFD4EDB98F9}" destId="{A3F7281F-B10F-42CC-98CD-EECC5C6C2E78}" srcOrd="1" destOrd="0" presId="urn:microsoft.com/office/officeart/2005/8/layout/hierarchy1"/>
-    <dgm:cxn modelId="{0C64D044-6F47-4DC5-8C6A-711350A6DD03}" type="presParOf" srcId="{A3F7281F-B10F-42CC-98CD-EECC5C6C2E78}" destId="{2E888A34-AD12-44C3-A7DB-B8B2ED4ACDB7}" srcOrd="0" destOrd="0" presId="urn:microsoft.com/office/officeart/2005/8/layout/hierarchy1"/>
-    <dgm:cxn modelId="{B9FE76F0-6F68-4783-81AC-B0568E45788F}" type="presParOf" srcId="{2E888A34-AD12-44C3-A7DB-B8B2ED4ACDB7}" destId="{A75E815E-A1C2-4131-A0E5-AEA5207D2419}" srcOrd="0" destOrd="0" presId="urn:microsoft.com/office/officeart/2005/8/layout/hierarchy1"/>
-    <dgm:cxn modelId="{847D0A52-7C69-48C8-BEF3-43664A51ECBA}" type="presParOf" srcId="{2E888A34-AD12-44C3-A7DB-B8B2ED4ACDB7}" destId="{D57FDE70-2A08-4293-8010-2AFF335D2BA0}" srcOrd="1" destOrd="0" presId="urn:microsoft.com/office/officeart/2005/8/layout/hierarchy1"/>
-    <dgm:cxn modelId="{B59C60B1-B11C-4214-BB3C-C675626D330A}" type="presParOf" srcId="{A3F7281F-B10F-42CC-98CD-EECC5C6C2E78}" destId="{24D9CCC3-F6F3-4439-BDB5-F4E5663834F2}" srcOrd="1" destOrd="0" presId="urn:microsoft.com/office/officeart/2005/8/layout/hierarchy1"/>
+    <dgm:cxn modelId="{846C9D8C-635A-4717-9BA7-64023EDE4FF0}" type="presParOf" srcId="{BFEBC183-8387-40D7-BCB5-5A349FD83C0E}" destId="{225F0C97-3E53-4A45-9A01-86BF1786916E}" srcOrd="0" destOrd="0" presId="urn:microsoft.com/office/officeart/2005/8/layout/hierarchy1"/>
+    <dgm:cxn modelId="{D287360B-4C5F-409F-A519-0DD33122A839}" type="presParOf" srcId="{BFEBC183-8387-40D7-BCB5-5A349FD83C0E}" destId="{18C06F2B-5D88-4EA7-BE92-8E608897A493}" srcOrd="1" destOrd="0" presId="urn:microsoft.com/office/officeart/2005/8/layout/hierarchy1"/>
+    <dgm:cxn modelId="{7A1FBCC2-56BE-4070-8405-F17CBD135176}" type="presParOf" srcId="{18C06F2B-5D88-4EA7-BE92-8E608897A493}" destId="{CF980750-4C4D-46A3-88A7-62FAF37C6BE8}" srcOrd="0" destOrd="0" presId="urn:microsoft.com/office/officeart/2005/8/layout/hierarchy1"/>
+    <dgm:cxn modelId="{92608F16-7143-4D32-AC77-FCC8871F5E70}" type="presParOf" srcId="{CF980750-4C4D-46A3-88A7-62FAF37C6BE8}" destId="{1967F50F-017C-4DB1-A12C-A837169005B7}" srcOrd="0" destOrd="0" presId="urn:microsoft.com/office/officeart/2005/8/layout/hierarchy1"/>
+    <dgm:cxn modelId="{AFF16890-9415-442C-8353-F87F0DB827D9}" type="presParOf" srcId="{CF980750-4C4D-46A3-88A7-62FAF37C6BE8}" destId="{606D0EE2-B6A5-45EE-AACB-9FF7B88DA116}" srcOrd="1" destOrd="0" presId="urn:microsoft.com/office/officeart/2005/8/layout/hierarchy1"/>
+    <dgm:cxn modelId="{39BDE8BC-EDBE-49AB-9BA3-F833EBD47AFF}" type="presParOf" srcId="{18C06F2B-5D88-4EA7-BE92-8E608897A493}" destId="{727CC657-0679-450E-9011-A84D528FDB0F}" srcOrd="1" destOrd="0" presId="urn:microsoft.com/office/officeart/2005/8/layout/hierarchy1"/>
+    <dgm:cxn modelId="{92E37874-602C-4AC1-B989-1A936405519A}" type="presParOf" srcId="{BFEBC183-8387-40D7-BCB5-5A349FD83C0E}" destId="{A5108CE0-2C1B-4C87-B35F-A4155A76FB71}" srcOrd="2" destOrd="0" presId="urn:microsoft.com/office/officeart/2005/8/layout/hierarchy1"/>
+    <dgm:cxn modelId="{93130704-BD12-4AD5-BC18-AA09E5BA212F}" type="presParOf" srcId="{BFEBC183-8387-40D7-BCB5-5A349FD83C0E}" destId="{780C46AD-55B6-479F-81A4-95BC2C427BF6}" srcOrd="3" destOrd="0" presId="urn:microsoft.com/office/officeart/2005/8/layout/hierarchy1"/>
+    <dgm:cxn modelId="{A03F3F76-9FD5-4133-AD0A-D9123AA438A9}" type="presParOf" srcId="{780C46AD-55B6-479F-81A4-95BC2C427BF6}" destId="{92428795-F529-4A3E-AD85-1DACA6ACB31A}" srcOrd="0" destOrd="0" presId="urn:microsoft.com/office/officeart/2005/8/layout/hierarchy1"/>
+    <dgm:cxn modelId="{B5965596-0D24-40E5-BE64-B3635879564C}" type="presParOf" srcId="{92428795-F529-4A3E-AD85-1DACA6ACB31A}" destId="{19F0D0D2-EA79-4D71-BB33-12B928BB7083}" srcOrd="0" destOrd="0" presId="urn:microsoft.com/office/officeart/2005/8/layout/hierarchy1"/>
+    <dgm:cxn modelId="{3A408DF6-B5FE-4A20-84EF-B7E5D4320A48}" type="presParOf" srcId="{92428795-F529-4A3E-AD85-1DACA6ACB31A}" destId="{29FE98D2-D78B-4968-8E8F-E1749CE54015}" srcOrd="1" destOrd="0" presId="urn:microsoft.com/office/officeart/2005/8/layout/hierarchy1"/>
+    <dgm:cxn modelId="{D9566F8F-AAF2-44D0-81E3-0ECC4701825B}" type="presParOf" srcId="{780C46AD-55B6-479F-81A4-95BC2C427BF6}" destId="{AE9D7491-9501-44B0-B8A8-1DF6355E1358}" srcOrd="1" destOrd="0" presId="urn:microsoft.com/office/officeart/2005/8/layout/hierarchy1"/>
+    <dgm:cxn modelId="{8BF6D945-5C2E-4D59-838D-61C76E4A0E89}" type="presParOf" srcId="{AE9D7491-9501-44B0-B8A8-1DF6355E1358}" destId="{90231DC8-C136-4A9E-A34B-B1EF20050048}" srcOrd="0" destOrd="0" presId="urn:microsoft.com/office/officeart/2005/8/layout/hierarchy1"/>
+    <dgm:cxn modelId="{899B9FD3-EFF6-4B6A-83D4-8F8F11360BEB}" type="presParOf" srcId="{AE9D7491-9501-44B0-B8A8-1DF6355E1358}" destId="{B7963B97-07E6-4E64-B68C-3287F6B4E307}" srcOrd="1" destOrd="0" presId="urn:microsoft.com/office/officeart/2005/8/layout/hierarchy1"/>
+    <dgm:cxn modelId="{CB287711-DF1B-4938-B91B-89F32FD882E1}" type="presParOf" srcId="{B7963B97-07E6-4E64-B68C-3287F6B4E307}" destId="{B34728F4-3725-4B54-831B-AE4FF245EDB7}" srcOrd="0" destOrd="0" presId="urn:microsoft.com/office/officeart/2005/8/layout/hierarchy1"/>
+    <dgm:cxn modelId="{1C2EAAED-0A3D-4E55-8804-DBAAFEDD8846}" type="presParOf" srcId="{B34728F4-3725-4B54-831B-AE4FF245EDB7}" destId="{84E548DE-8997-4535-B279-A5848B2CDBF2}" srcOrd="0" destOrd="0" presId="urn:microsoft.com/office/officeart/2005/8/layout/hierarchy1"/>
+    <dgm:cxn modelId="{0F9561CF-2BBD-4C6F-A5BC-8375C1715C4F}" type="presParOf" srcId="{B34728F4-3725-4B54-831B-AE4FF245EDB7}" destId="{DA3DC8A1-B41A-4EB3-89A2-F228C2FBC67A}" srcOrd="1" destOrd="0" presId="urn:microsoft.com/office/officeart/2005/8/layout/hierarchy1"/>
+    <dgm:cxn modelId="{AECF3336-1C96-426D-ADC0-9756CCBE3D15}" type="presParOf" srcId="{B7963B97-07E6-4E64-B68C-3287F6B4E307}" destId="{3EC82561-24B2-47B7-A752-6177E60B58B0}" srcOrd="1" destOrd="0" presId="urn:microsoft.com/office/officeart/2005/8/layout/hierarchy1"/>
+    <dgm:cxn modelId="{22743FFE-D2F0-486C-A5AF-377E2FBA223B}" type="presParOf" srcId="{3EC82561-24B2-47B7-A752-6177E60B58B0}" destId="{D67811DC-160C-4176-8829-3DF6830365F6}" srcOrd="0" destOrd="0" presId="urn:microsoft.com/office/officeart/2005/8/layout/hierarchy1"/>
+    <dgm:cxn modelId="{8C4155A3-551E-4165-AB25-33FA191924C3}" type="presParOf" srcId="{3EC82561-24B2-47B7-A752-6177E60B58B0}" destId="{93E2C0D5-5965-4816-9C2A-479A9C98E237}" srcOrd="1" destOrd="0" presId="urn:microsoft.com/office/officeart/2005/8/layout/hierarchy1"/>
+    <dgm:cxn modelId="{2568A2F3-0B3A-4319-BC07-FD483C5FB8BC}" type="presParOf" srcId="{93E2C0D5-5965-4816-9C2A-479A9C98E237}" destId="{EFBB36EA-2450-4800-B8AD-07CA37A0257C}" srcOrd="0" destOrd="0" presId="urn:microsoft.com/office/officeart/2005/8/layout/hierarchy1"/>
+    <dgm:cxn modelId="{87817EA0-BA48-4E77-8013-4EFA216FBAC7}" type="presParOf" srcId="{EFBB36EA-2450-4800-B8AD-07CA37A0257C}" destId="{B10BC815-FC8F-4BC9-93C2-9B134FDC41E7}" srcOrd="0" destOrd="0" presId="urn:microsoft.com/office/officeart/2005/8/layout/hierarchy1"/>
+    <dgm:cxn modelId="{75CD4DB6-2B8C-4BC9-A54B-03FDC6182219}" type="presParOf" srcId="{EFBB36EA-2450-4800-B8AD-07CA37A0257C}" destId="{9AF6E580-0B80-489F-8C44-896C1607ADFA}" srcOrd="1" destOrd="0" presId="urn:microsoft.com/office/officeart/2005/8/layout/hierarchy1"/>
+    <dgm:cxn modelId="{C84256EE-7817-4469-B99B-2884AFE5A06B}" type="presParOf" srcId="{93E2C0D5-5965-4816-9C2A-479A9C98E237}" destId="{430386A8-ACDB-4A3D-943F-E261CBA8C22D}" srcOrd="1" destOrd="0" presId="urn:microsoft.com/office/officeart/2005/8/layout/hierarchy1"/>
   </dgm:cxnLst>
   <dgm:bg/>
   <dgm:whole/>
@@ -8403,15 +8389,15 @@
       <dsp:cNvGrpSpPr/>
     </dsp:nvGrpSpPr>
     <dsp:grpSpPr/>
-    <dsp:sp modelId="{2D3E0B1A-34E4-444A-95F5-CD7520971B04}">
+    <dsp:sp modelId="{D67811DC-160C-4176-8829-3DF6830365F6}">
       <dsp:nvSpPr>
         <dsp:cNvPr id="0" name=""/>
         <dsp:cNvSpPr/>
       </dsp:nvSpPr>
       <dsp:spPr>
         <a:xfrm>
-          <a:off x="3566599" y="4232975"/>
-          <a:ext cx="91440" cy="376030"/>
+          <a:off x="3299628" y="4052511"/>
+          <a:ext cx="91440" cy="347068"/>
         </a:xfrm>
         <a:custGeom>
           <a:avLst/>
@@ -8425,13 +8411,13 @@
                 <a:pt x="45720" y="0"/>
               </a:moveTo>
               <a:lnTo>
-                <a:pt x="45720" y="256254"/>
+                <a:pt x="45720" y="236517"/>
               </a:lnTo>
               <a:lnTo>
-                <a:pt x="67622" y="256254"/>
+                <a:pt x="53476" y="236517"/>
               </a:lnTo>
               <a:lnTo>
-                <a:pt x="67622" y="376030"/>
+                <a:pt x="53476" y="347068"/>
               </a:lnTo>
             </a:path>
           </a:pathLst>
@@ -8465,15 +8451,15 @@
         <a:fontRef idx="minor"/>
       </dsp:style>
     </dsp:sp>
-    <dsp:sp modelId="{3A34AC6B-9F94-4A2F-AF1C-762AEEF6FDA7}">
+    <dsp:sp modelId="{90231DC8-C136-4A9E-A34B-B1EF20050048}">
       <dsp:nvSpPr>
         <dsp:cNvPr id="0" name=""/>
         <dsp:cNvSpPr/>
       </dsp:nvSpPr>
       <dsp:spPr>
         <a:xfrm>
-          <a:off x="3566599" y="2838651"/>
-          <a:ext cx="91440" cy="376030"/>
+          <a:off x="3299628" y="2970506"/>
+          <a:ext cx="91440" cy="324221"/>
         </a:xfrm>
         <a:custGeom>
           <a:avLst/>
@@ -8484,16 +8470,16 @@
           <a:pathLst>
             <a:path>
               <a:moveTo>
-                <a:pt x="67622" y="0"/>
+                <a:pt x="48524" y="0"/>
               </a:moveTo>
               <a:lnTo>
-                <a:pt x="67622" y="256254"/>
+                <a:pt x="48524" y="213670"/>
               </a:lnTo>
               <a:lnTo>
-                <a:pt x="45720" y="256254"/>
+                <a:pt x="45720" y="213670"/>
               </a:lnTo>
               <a:lnTo>
-                <a:pt x="45720" y="376030"/>
+                <a:pt x="45720" y="324221"/>
               </a:lnTo>
             </a:path>
           </a:pathLst>
@@ -8534,8 +8520,8 @@
       </dsp:nvSpPr>
       <dsp:spPr>
         <a:xfrm>
-          <a:off x="3588501" y="1444327"/>
-          <a:ext cx="91440" cy="376030"/>
+          <a:off x="2623829" y="1660727"/>
+          <a:ext cx="724322" cy="369915"/>
         </a:xfrm>
         <a:custGeom>
           <a:avLst/>
@@ -8546,10 +8532,16 @@
           <a:pathLst>
             <a:path>
               <a:moveTo>
-                <a:pt x="45720" y="0"/>
+                <a:pt x="0" y="0"/>
               </a:moveTo>
               <a:lnTo>
-                <a:pt x="45720" y="376030"/>
+                <a:pt x="0" y="259364"/>
+              </a:lnTo>
+              <a:lnTo>
+                <a:pt x="724322" y="259364"/>
+              </a:lnTo>
+              <a:lnTo>
+                <a:pt x="724322" y="369915"/>
               </a:lnTo>
             </a:path>
           </a:pathLst>
@@ -8583,15 +8575,77 @@
         <a:fontRef idx="minor"/>
       </dsp:style>
     </dsp:sp>
-    <dsp:sp modelId="{93021BCB-F335-46E0-AFA2-84C95622F9CE}">
+    <dsp:sp modelId="{225F0C97-3E53-4A45-9A01-86BF1786916E}">
       <dsp:nvSpPr>
         <dsp:cNvPr id="0" name=""/>
         <dsp:cNvSpPr/>
       </dsp:nvSpPr>
       <dsp:spPr>
         <a:xfrm>
-          <a:off x="1960" y="426034"/>
-          <a:ext cx="1292942" cy="821018"/>
+          <a:off x="597283" y="1660727"/>
+          <a:ext cx="2026546" cy="347068"/>
+        </a:xfrm>
+        <a:custGeom>
+          <a:avLst/>
+          <a:gdLst/>
+          <a:ahLst/>
+          <a:cxnLst/>
+          <a:rect l="0" t="0" r="0" b="0"/>
+          <a:pathLst>
+            <a:path>
+              <a:moveTo>
+                <a:pt x="2026546" y="0"/>
+              </a:moveTo>
+              <a:lnTo>
+                <a:pt x="2026546" y="236517"/>
+              </a:lnTo>
+              <a:lnTo>
+                <a:pt x="0" y="236517"/>
+              </a:lnTo>
+              <a:lnTo>
+                <a:pt x="0" y="347068"/>
+              </a:lnTo>
+            </a:path>
+          </a:pathLst>
+        </a:custGeom>
+        <a:noFill/>
+        <a:ln w="12700" cap="flat" cmpd="sng" algn="ctr">
+          <a:solidFill>
+            <a:schemeClr val="accent1">
+              <a:shade val="60000"/>
+              <a:hueOff val="0"/>
+              <a:satOff val="0"/>
+              <a:lumOff val="0"/>
+              <a:alphaOff val="0"/>
+            </a:schemeClr>
+          </a:solidFill>
+          <a:prstDash val="solid"/>
+          <a:miter lim="800000"/>
+        </a:ln>
+        <a:effectLst/>
+      </dsp:spPr>
+      <dsp:style>
+        <a:lnRef idx="2">
+          <a:scrgbClr r="0" g="0" b="0"/>
+        </a:lnRef>
+        <a:fillRef idx="0">
+          <a:scrgbClr r="0" g="0" b="0"/>
+        </a:fillRef>
+        <a:effectRef idx="0">
+          <a:scrgbClr r="0" g="0" b="0"/>
+        </a:effectRef>
+        <a:fontRef idx="minor"/>
+      </dsp:style>
+    </dsp:sp>
+    <dsp:sp modelId="{01794C95-7293-422E-9CA8-B768891748D6}">
+      <dsp:nvSpPr>
+        <dsp:cNvPr id="0" name=""/>
+        <dsp:cNvSpPr/>
+      </dsp:nvSpPr>
+      <dsp:spPr>
+        <a:xfrm>
+          <a:off x="729879" y="720864"/>
+          <a:ext cx="3787901" cy="939863"/>
         </a:xfrm>
         <a:prstGeom prst="roundRect">
           <a:avLst>
@@ -8635,15 +8689,15 @@
         </a:fontRef>
       </dsp:style>
     </dsp:sp>
-    <dsp:sp modelId="{BA493ACD-AC1E-45A0-B4EE-998D1518B77D}">
+    <dsp:sp modelId="{8F7EABCF-7E37-4D4A-B052-F011D37748F1}">
       <dsp:nvSpPr>
         <dsp:cNvPr id="0" name=""/>
         <dsp:cNvSpPr/>
       </dsp:nvSpPr>
       <dsp:spPr>
         <a:xfrm>
-          <a:off x="145621" y="562512"/>
-          <a:ext cx="1292942" cy="821018"/>
+          <a:off x="862474" y="846829"/>
+          <a:ext cx="3787901" cy="939863"/>
         </a:xfrm>
         <a:prstGeom prst="roundRect">
           <a:avLst>
@@ -8686,12 +8740,12 @@
         <a:fontRef idx="minor"/>
       </dsp:style>
       <dsp:txBody>
-        <a:bodyPr spcFirstLastPara="0" vert="horz" wrap="square" lIns="41910" tIns="41910" rIns="41910" bIns="41910" numCol="1" spcCol="1270" anchor="ctr" anchorCtr="0">
+        <a:bodyPr spcFirstLastPara="0" vert="horz" wrap="square" lIns="38100" tIns="38100" rIns="38100" bIns="38100" numCol="1" spcCol="1270" anchor="ctr" anchorCtr="0">
           <a:noAutofit/>
         </a:bodyPr>
         <a:lstStyle/>
         <a:p>
-          <a:pPr marL="0" lvl="0" indent="0" algn="ctr" defTabSz="488950" latinLnBrk="1">
+          <a:pPr marL="0" lvl="0" indent="0" algn="ctr" defTabSz="444500" latinLnBrk="1">
             <a:lnSpc>
               <a:spcPct val="90000"/>
             </a:lnSpc>
@@ -8704,33 +8758,41 @@
             <a:buNone/>
           </a:pPr>
           <a:r>
-            <a:rPr lang="en-US" altLang="ko-KR" sz="1100" b="1" kern="1200" dirty="0"/>
-            <a:t>:core (Android Library)</a:t>
+            <a:rPr lang="en-US" altLang="ko-KR" sz="1000" b="1" kern="1200" dirty="0"/>
+            <a:t>:app (Application Module)</a:t>
           </a:r>
           <a:br>
-            <a:rPr lang="en-US" altLang="ko-KR" sz="1100" b="1" kern="1200" dirty="0"/>
+            <a:rPr lang="en-US" altLang="ko-KR" sz="1000" b="1" kern="1200" dirty="0"/>
           </a:br>
           <a:r>
-            <a:rPr lang="en-US" altLang="ko-KR" sz="1100" b="0" kern="1200" dirty="0"/>
-            <a:t>Retrofit</a:t>
-          </a:r>
-          <a:endParaRPr lang="ko-KR" altLang="en-US" sz="1100" b="1" kern="1200" dirty="0"/>
+            <a:rPr lang="en-US" altLang="ko-KR" sz="1000" b="0" kern="1200" dirty="0"/>
+            <a:t>(Manifest, </a:t>
+          </a:r>
+          <a:r>
+            <a:rPr lang="en-US" altLang="ko-KR" sz="1000" b="0" kern="1200" dirty="0" err="1"/>
+            <a:t>HiltApplication</a:t>
+          </a:r>
+          <a:r>
+            <a:rPr lang="en-US" altLang="ko-KR" sz="1000" b="0" kern="1200" dirty="0"/>
+            <a:t>, Hilt Modules)</a:t>
+          </a:r>
+          <a:endParaRPr lang="ko-KR" altLang="en-US" sz="1000" b="1" kern="1200" dirty="0"/>
         </a:p>
       </dsp:txBody>
       <dsp:txXfrm>
-        <a:off x="169668" y="586559"/>
-        <a:ext cx="1244848" cy="772924"/>
+        <a:off x="890002" y="874357"/>
+        <a:ext cx="3732845" cy="884807"/>
       </dsp:txXfrm>
     </dsp:sp>
-    <dsp:sp modelId="{01794C95-7293-422E-9CA8-B768891748D6}">
+    <dsp:sp modelId="{1967F50F-017C-4DB1-A12C-A837169005B7}">
       <dsp:nvSpPr>
         <dsp:cNvPr id="0" name=""/>
         <dsp:cNvSpPr/>
       </dsp:nvSpPr>
       <dsp:spPr>
         <a:xfrm>
-          <a:off x="1582224" y="426034"/>
-          <a:ext cx="4103994" cy="1018293"/>
+          <a:off x="603" y="2007796"/>
+          <a:ext cx="1193359" cy="757783"/>
         </a:xfrm>
         <a:prstGeom prst="roundRect">
           <a:avLst>
@@ -8774,15 +8836,15 @@
         </a:fontRef>
       </dsp:style>
     </dsp:sp>
-    <dsp:sp modelId="{8F7EABCF-7E37-4D4A-B052-F011D37748F1}">
+    <dsp:sp modelId="{606D0EE2-B6A5-45EE-AACB-9FF7B88DA116}">
       <dsp:nvSpPr>
         <dsp:cNvPr id="0" name=""/>
         <dsp:cNvSpPr/>
       </dsp:nvSpPr>
       <dsp:spPr>
         <a:xfrm>
-          <a:off x="1725884" y="562512"/>
-          <a:ext cx="4103994" cy="1018293"/>
+          <a:off x="133199" y="2133761"/>
+          <a:ext cx="1193359" cy="757783"/>
         </a:xfrm>
         <a:prstGeom prst="roundRect">
           <a:avLst>
@@ -8825,12 +8887,12 @@
         <a:fontRef idx="minor"/>
       </dsp:style>
       <dsp:txBody>
-        <a:bodyPr spcFirstLastPara="0" vert="horz" wrap="square" lIns="41910" tIns="41910" rIns="41910" bIns="41910" numCol="1" spcCol="1270" anchor="ctr" anchorCtr="0">
+        <a:bodyPr spcFirstLastPara="0" vert="horz" wrap="square" lIns="38100" tIns="38100" rIns="38100" bIns="38100" numCol="1" spcCol="1270" anchor="ctr" anchorCtr="0">
           <a:noAutofit/>
         </a:bodyPr>
         <a:lstStyle/>
         <a:p>
-          <a:pPr marL="0" lvl="0" indent="0" algn="ctr" defTabSz="488950" latinLnBrk="1">
+          <a:pPr marL="0" lvl="0" indent="0" algn="ctr" defTabSz="444500" latinLnBrk="1">
             <a:lnSpc>
               <a:spcPct val="90000"/>
             </a:lnSpc>
@@ -8843,30 +8905,22 @@
             <a:buNone/>
           </a:pPr>
           <a:r>
-            <a:rPr lang="en-US" altLang="ko-KR" sz="1100" b="1" kern="1200" dirty="0"/>
-            <a:t>:app (Application Module)</a:t>
+            <a:rPr lang="en-US" altLang="ko-KR" sz="1000" b="1" kern="1200" dirty="0"/>
+            <a:t>:core (Android Library)</a:t>
           </a:r>
           <a:br>
-            <a:rPr lang="en-US" altLang="ko-KR" sz="1100" b="1" kern="1200" dirty="0"/>
+            <a:rPr lang="en-US" altLang="ko-KR" sz="1000" b="1" kern="1200" dirty="0"/>
           </a:br>
           <a:r>
-            <a:rPr lang="en-US" altLang="ko-KR" sz="1100" b="0" kern="1200" dirty="0"/>
-            <a:t>(Manifest, </a:t>
-          </a:r>
-          <a:r>
-            <a:rPr lang="en-US" altLang="ko-KR" sz="1100" b="0" kern="1200" dirty="0" err="1"/>
-            <a:t>HiltApplication</a:t>
-          </a:r>
-          <a:r>
-            <a:rPr lang="en-US" altLang="ko-KR" sz="1100" b="0" kern="1200" dirty="0"/>
-            <a:t>, Hilt Modules)</a:t>
-          </a:r>
-          <a:endParaRPr lang="ko-KR" altLang="en-US" sz="1100" b="1" kern="1200" dirty="0"/>
+            <a:rPr lang="en-US" altLang="ko-KR" sz="1000" b="0" kern="1200" dirty="0"/>
+            <a:t>Retrofit</a:t>
+          </a:r>
+          <a:endParaRPr lang="ko-KR" altLang="en-US" sz="1000" b="1" kern="1200" dirty="0"/>
         </a:p>
       </dsp:txBody>
       <dsp:txXfrm>
-        <a:off x="1755709" y="592337"/>
-        <a:ext cx="4044344" cy="958643"/>
+        <a:off x="155394" y="2155956"/>
+        <a:ext cx="1148969" cy="713393"/>
       </dsp:txXfrm>
     </dsp:sp>
     <dsp:sp modelId="{19F0D0D2-EA79-4D71-BB33-12B928BB7083}">
@@ -8876,8 +8930,8 @@
       </dsp:nvSpPr>
       <dsp:spPr>
         <a:xfrm>
-          <a:off x="1582224" y="1820358"/>
-          <a:ext cx="4103994" cy="1018293"/>
+          <a:off x="1454201" y="2030643"/>
+          <a:ext cx="3787901" cy="939863"/>
         </a:xfrm>
         <a:prstGeom prst="roundRect">
           <a:avLst>
@@ -8928,8 +8982,8 @@
       </dsp:nvSpPr>
       <dsp:spPr>
         <a:xfrm>
-          <a:off x="1725884" y="1956836"/>
-          <a:ext cx="4103994" cy="1018293"/>
+          <a:off x="1586797" y="2156609"/>
+          <a:ext cx="3787901" cy="939863"/>
         </a:xfrm>
         <a:prstGeom prst="roundRect">
           <a:avLst>
@@ -8972,12 +9026,12 @@
         <a:fontRef idx="minor"/>
       </dsp:style>
       <dsp:txBody>
-        <a:bodyPr spcFirstLastPara="0" vert="horz" wrap="square" lIns="41910" tIns="41910" rIns="41910" bIns="41910" numCol="1" spcCol="1270" anchor="ctr" anchorCtr="0">
+        <a:bodyPr spcFirstLastPara="0" vert="horz" wrap="square" lIns="38100" tIns="38100" rIns="38100" bIns="38100" numCol="1" spcCol="1270" anchor="ctr" anchorCtr="0">
           <a:noAutofit/>
         </a:bodyPr>
         <a:lstStyle/>
         <a:p>
-          <a:pPr marL="0" lvl="0" indent="0" algn="ctr" defTabSz="488950" latinLnBrk="1">
+          <a:pPr marL="0" lvl="0" indent="0" algn="ctr" defTabSz="444500" latinLnBrk="1">
             <a:lnSpc>
               <a:spcPct val="90000"/>
             </a:lnSpc>
@@ -8990,49 +9044,41 @@
             <a:buNone/>
           </a:pPr>
           <a:r>
-            <a:rPr lang="en-US" altLang="ko-KR" sz="1100" b="1" kern="1200" dirty="0"/>
-            <a:t>:</a:t>
-          </a:r>
-          <a:r>
-            <a:rPr lang="en-US" altLang="ko-KR" sz="1100" b="1" kern="1200" dirty="0" err="1"/>
-            <a:t>ui</a:t>
-          </a:r>
-          <a:r>
-            <a:rPr lang="en-US" altLang="ko-KR" sz="1100" b="1" kern="1200" dirty="0"/>
-            <a:t> (Android Library)</a:t>
+            <a:rPr lang="en-US" altLang="ko-KR" sz="1000" b="1" kern="1200" dirty="0"/>
+            <a:t>:presentation (Android Library)</a:t>
           </a:r>
           <a:br>
-            <a:rPr lang="en-US" altLang="ko-KR" sz="1100" kern="1200" dirty="0"/>
+            <a:rPr lang="en-US" altLang="ko-KR" sz="1000" kern="1200" dirty="0"/>
           </a:br>
           <a:r>
-            <a:rPr lang="en-US" altLang="ko-KR" sz="1100" kern="1200" dirty="0"/>
+            <a:rPr lang="en-US" altLang="ko-KR" sz="1000" kern="1200" dirty="0"/>
             <a:t>(UI, </a:t>
           </a:r>
           <a:r>
-            <a:rPr lang="en-US" altLang="ko-KR" sz="1100" kern="1200" dirty="0" err="1"/>
+            <a:rPr lang="en-US" altLang="ko-KR" sz="1000" kern="1200" dirty="0" err="1"/>
             <a:t>viewModels</a:t>
           </a:r>
           <a:r>
-            <a:rPr lang="en-US" altLang="ko-KR" sz="1100" kern="1200" dirty="0"/>
+            <a:rPr lang="en-US" altLang="ko-KR" sz="1000" kern="1200" dirty="0"/>
             <a:t>)</a:t>
           </a:r>
-          <a:endParaRPr lang="ko-KR" altLang="en-US" sz="1100" kern="1200" dirty="0"/>
+          <a:endParaRPr lang="ko-KR" altLang="en-US" sz="1000" kern="1200" dirty="0"/>
         </a:p>
       </dsp:txBody>
       <dsp:txXfrm>
-        <a:off x="1755709" y="1986661"/>
-        <a:ext cx="4044344" cy="958643"/>
+        <a:off x="1614325" y="2184137"/>
+        <a:ext cx="3732845" cy="884807"/>
       </dsp:txXfrm>
     </dsp:sp>
-    <dsp:sp modelId="{D0C2A7E5-4DED-4CCD-A990-DEB18F352623}">
+    <dsp:sp modelId="{84E548DE-8997-4535-B279-A5848B2CDBF2}">
       <dsp:nvSpPr>
         <dsp:cNvPr id="0" name=""/>
         <dsp:cNvSpPr/>
       </dsp:nvSpPr>
       <dsp:spPr>
         <a:xfrm>
-          <a:off x="1560321" y="3214682"/>
-          <a:ext cx="4103994" cy="1018293"/>
+          <a:off x="1384199" y="3294728"/>
+          <a:ext cx="3922297" cy="757783"/>
         </a:xfrm>
         <a:prstGeom prst="roundRect">
           <a:avLst>
@@ -9076,15 +9122,15 @@
         </a:fontRef>
       </dsp:style>
     </dsp:sp>
-    <dsp:sp modelId="{D092C1C9-865D-46D1-A149-925B6DAD6D1D}">
+    <dsp:sp modelId="{DA3DC8A1-B41A-4EB3-89A2-F228C2FBC67A}">
       <dsp:nvSpPr>
         <dsp:cNvPr id="0" name=""/>
         <dsp:cNvSpPr/>
       </dsp:nvSpPr>
       <dsp:spPr>
         <a:xfrm>
-          <a:off x="1703982" y="3351160"/>
-          <a:ext cx="4103994" cy="1018293"/>
+          <a:off x="1516794" y="3420693"/>
+          <a:ext cx="3922297" cy="757783"/>
         </a:xfrm>
         <a:prstGeom prst="roundRect">
           <a:avLst>
@@ -9127,12 +9173,12 @@
         <a:fontRef idx="minor"/>
       </dsp:style>
       <dsp:txBody>
-        <a:bodyPr spcFirstLastPara="0" vert="horz" wrap="square" lIns="41910" tIns="41910" rIns="41910" bIns="41910" numCol="1" spcCol="1270" anchor="ctr" anchorCtr="0">
+        <a:bodyPr spcFirstLastPara="0" vert="horz" wrap="square" lIns="38100" tIns="38100" rIns="38100" bIns="38100" numCol="1" spcCol="1270" anchor="ctr" anchorCtr="0">
           <a:noAutofit/>
         </a:bodyPr>
         <a:lstStyle/>
         <a:p>
-          <a:pPr marL="0" lvl="0" indent="0" algn="ctr" defTabSz="488950" latinLnBrk="1">
+          <a:pPr marL="0" lvl="0" indent="0" algn="ctr" defTabSz="444500" latinLnBrk="1">
             <a:lnSpc>
               <a:spcPct val="90000"/>
             </a:lnSpc>
@@ -9145,41 +9191,41 @@
             <a:buNone/>
           </a:pPr>
           <a:r>
-            <a:rPr lang="en-US" altLang="ko-KR" sz="1100" b="1" kern="1200" dirty="0"/>
+            <a:rPr lang="en-US" altLang="ko-KR" sz="1000" b="1" kern="1200" dirty="0"/>
             <a:t>:domain (Kotlin Library)</a:t>
           </a:r>
           <a:br>
-            <a:rPr lang="en-US" altLang="ko-KR" sz="1100" b="1" kern="1200" dirty="0"/>
+            <a:rPr lang="en-US" altLang="ko-KR" sz="1000" b="1" kern="1200" dirty="0"/>
           </a:br>
           <a:r>
-            <a:rPr lang="en-US" altLang="ko-KR" sz="1100" b="0" kern="1200" dirty="0"/>
+            <a:rPr lang="en-US" altLang="ko-KR" sz="1000" b="0" kern="1200" dirty="0"/>
             <a:t>(</a:t>
           </a:r>
           <a:r>
-            <a:rPr lang="en-US" altLang="ko-KR" sz="1100" b="0" kern="1200" dirty="0" err="1"/>
+            <a:rPr lang="en-US" altLang="ko-KR" sz="1000" b="0" kern="1200" dirty="0" err="1"/>
             <a:t>Usecases</a:t>
           </a:r>
           <a:r>
-            <a:rPr lang="en-US" altLang="ko-KR" sz="1100" b="0" kern="1200" dirty="0"/>
+            <a:rPr lang="en-US" altLang="ko-KR" sz="1000" b="0" kern="1200" dirty="0"/>
             <a:t>)</a:t>
           </a:r>
-          <a:endParaRPr lang="ko-KR" altLang="en-US" sz="1100" b="0" kern="1200" dirty="0"/>
+          <a:endParaRPr lang="ko-KR" altLang="en-US" sz="1000" kern="1200" dirty="0"/>
         </a:p>
       </dsp:txBody>
       <dsp:txXfrm>
-        <a:off x="1733807" y="3380985"/>
-        <a:ext cx="4044344" cy="958643"/>
+        <a:off x="1538989" y="3442888"/>
+        <a:ext cx="3877907" cy="713393"/>
       </dsp:txXfrm>
     </dsp:sp>
-    <dsp:sp modelId="{A75E815E-A1C2-4131-A0E5-AEA5207D2419}">
+    <dsp:sp modelId="{B10BC815-FC8F-4BC9-93C2-9B134FDC41E7}">
       <dsp:nvSpPr>
         <dsp:cNvPr id="0" name=""/>
         <dsp:cNvSpPr/>
       </dsp:nvSpPr>
       <dsp:spPr>
         <a:xfrm>
-          <a:off x="1582224" y="4609006"/>
-          <a:ext cx="4103994" cy="1018293"/>
+          <a:off x="1391956" y="4399579"/>
+          <a:ext cx="3922297" cy="757783"/>
         </a:xfrm>
         <a:prstGeom prst="roundRect">
           <a:avLst>
@@ -9223,15 +9269,15 @@
         </a:fontRef>
       </dsp:style>
     </dsp:sp>
-    <dsp:sp modelId="{D57FDE70-2A08-4293-8010-2AFF335D2BA0}">
+    <dsp:sp modelId="{9AF6E580-0B80-489F-8C44-896C1607ADFA}">
       <dsp:nvSpPr>
         <dsp:cNvPr id="0" name=""/>
         <dsp:cNvSpPr/>
       </dsp:nvSpPr>
       <dsp:spPr>
         <a:xfrm>
-          <a:off x="1725884" y="4745484"/>
-          <a:ext cx="4103994" cy="1018293"/>
+          <a:off x="1524551" y="4525545"/>
+          <a:ext cx="3922297" cy="757783"/>
         </a:xfrm>
         <a:prstGeom prst="roundRect">
           <a:avLst>
@@ -9274,12 +9320,12 @@
         <a:fontRef idx="minor"/>
       </dsp:style>
       <dsp:txBody>
-        <a:bodyPr spcFirstLastPara="0" vert="horz" wrap="square" lIns="41910" tIns="41910" rIns="41910" bIns="41910" numCol="1" spcCol="1270" anchor="ctr" anchorCtr="0">
+        <a:bodyPr spcFirstLastPara="0" vert="horz" wrap="square" lIns="38100" tIns="38100" rIns="38100" bIns="38100" numCol="1" spcCol="1270" anchor="ctr" anchorCtr="0">
           <a:noAutofit/>
         </a:bodyPr>
         <a:lstStyle/>
         <a:p>
-          <a:pPr marL="0" lvl="0" indent="0" algn="ctr" defTabSz="488950" latinLnBrk="1">
+          <a:pPr marL="0" lvl="0" indent="0" algn="ctr" defTabSz="444500" latinLnBrk="1">
             <a:lnSpc>
               <a:spcPct val="90000"/>
             </a:lnSpc>
@@ -9292,54 +9338,42 @@
             <a:buNone/>
           </a:pPr>
           <a:r>
-            <a:rPr lang="en-US" altLang="ko-KR" sz="1100" b="1" kern="1200" dirty="0"/>
+            <a:rPr lang="en-US" altLang="ko-KR" sz="1000" b="1" kern="1200" dirty="0"/>
             <a:t>:data (Android Library)</a:t>
           </a:r>
           <a:br>
-            <a:rPr lang="en-US" altLang="ko-KR" sz="1100" kern="1200" dirty="0"/>
+            <a:rPr lang="en-US" altLang="ko-KR" sz="1000" kern="1200" dirty="0"/>
           </a:br>
           <a:r>
-            <a:rPr lang="en-US" altLang="ko-KR" sz="1100" kern="1200" dirty="0"/>
+            <a:rPr lang="en-US" altLang="ko-KR" sz="1000" kern="1200" dirty="0"/>
             <a:t>(</a:t>
           </a:r>
           <a:r>
-            <a:rPr lang="en-US" altLang="ko-KR" sz="1100" kern="1200" dirty="0" err="1"/>
+            <a:rPr lang="en-US" altLang="ko-KR" sz="1000" b="0" kern="1200" dirty="0" err="1"/>
             <a:t>r</a:t>
           </a:r>
           <a:r>
-            <a:rPr lang="en-US" altLang="ko-KR" sz="1100" b="0" kern="1200" dirty="0" err="1"/>
-            <a:t>epositoryInterfaces</a:t>
-          </a:r>
-          <a:r>
-            <a:rPr lang="en-US" altLang="ko-KR" sz="1100" b="0" kern="1200" dirty="0"/>
-            <a:t>, </a:t>
-          </a:r>
-          <a:r>
-            <a:rPr lang="en-US" altLang="ko-KR" sz="1100" b="0" kern="1200" dirty="0" err="1"/>
-            <a:t>r</a:t>
-          </a:r>
-          <a:r>
-            <a:rPr lang="en-US" altLang="ko-KR" sz="1100" kern="1200" dirty="0" err="1"/>
+            <a:rPr lang="en-US" altLang="ko-KR" sz="1000" kern="1200" dirty="0" err="1"/>
             <a:t>epositoriesImpl</a:t>
           </a:r>
           <a:r>
-            <a:rPr lang="en-US" altLang="ko-KR" sz="1100" kern="1200" dirty="0"/>
+            <a:rPr lang="en-US" altLang="ko-KR" sz="1000" kern="1200" dirty="0"/>
             <a:t>, data sources, models, retrofit </a:t>
           </a:r>
           <a:r>
-            <a:rPr lang="en-US" altLang="ko-KR" sz="1100" kern="1200" dirty="0" err="1"/>
+            <a:rPr lang="en-US" altLang="ko-KR" sz="1000" kern="1200" dirty="0" err="1"/>
             <a:t>api</a:t>
           </a:r>
           <a:r>
-            <a:rPr lang="en-US" altLang="ko-KR" sz="1100" kern="1200" dirty="0"/>
+            <a:rPr lang="en-US" altLang="ko-KR" sz="1000" kern="1200" dirty="0"/>
             <a:t> interfaces)</a:t>
           </a:r>
-          <a:endParaRPr lang="ko-KR" altLang="en-US" sz="1100" kern="1200" dirty="0"/>
+          <a:endParaRPr lang="ko-KR" altLang="en-US" sz="1000" kern="1200" dirty="0"/>
         </a:p>
       </dsp:txBody>
       <dsp:txXfrm>
-        <a:off x="1755709" y="4775309"/>
-        <a:ext cx="4044344" cy="958643"/>
+        <a:off x="1546746" y="4547740"/>
+        <a:ext cx="3877907" cy="713393"/>
       </dsp:txXfrm>
     </dsp:sp>
   </dsp:spTree>
@@ -30206,14 +30240,14 @@
           <p:nvPr>
             <p:extLst>
               <p:ext uri="{D42A27DB-BD31-4B8C-83A1-F6EECF244321}">
-                <p14:modId xmlns:p14="http://schemas.microsoft.com/office/powerpoint/2010/main" val="1611844439"/>
+                <p14:modId xmlns:p14="http://schemas.microsoft.com/office/powerpoint/2010/main" val="2595545025"/>
               </p:ext>
             </p:extLst>
           </p:nvPr>
         </p:nvGraphicFramePr>
         <p:xfrm>
-          <a:off x="6096000" y="224028"/>
-          <a:ext cx="5831840" cy="6189812"/>
+          <a:off x="6312746" y="308695"/>
+          <a:ext cx="5447453" cy="6004193"/>
         </p:xfrm>
         <a:graphic>
           <a:graphicData uri="http://schemas.openxmlformats.org/drawingml/2006/diagram">

--- a/MyMindNotes 기획/나의 마음 일지 모듈화 방법 선택.pptx
+++ b/MyMindNotes 기획/나의 마음 일지 모듈화 방법 선택.pptx
@@ -2502,6 +2502,14 @@
             <a:t>(</a:t>
           </a:r>
           <a:r>
+            <a:rPr lang="en-US" altLang="ko-KR" dirty="0" err="1"/>
+            <a:t>repositoryInterfaces</a:t>
+          </a:r>
+          <a:r>
+            <a:rPr lang="en-US" altLang="ko-KR" dirty="0"/>
+            <a:t>, </a:t>
+          </a:r>
+          <a:r>
             <a:rPr lang="en-US" altLang="ko-KR" b="0" dirty="0" err="1"/>
             <a:t>r</a:t>
           </a:r>
@@ -2559,7 +2567,7 @@
           <a:pPr latinLnBrk="1"/>
           <a:r>
             <a:rPr lang="en-US" altLang="ko-KR" b="1" dirty="0"/>
-            <a:t>:domain (Kotlin Library)</a:t>
+            <a:t>:domain (Android Library)</a:t>
           </a:r>
           <a:br>
             <a:rPr lang="en-US" altLang="ko-KR" b="1" dirty="0"/>
@@ -9192,7 +9200,7 @@
           </a:pPr>
           <a:r>
             <a:rPr lang="en-US" altLang="ko-KR" sz="1000" b="1" kern="1200" dirty="0"/>
-            <a:t>:domain (Kotlin Library)</a:t>
+            <a:t>:domain (Android Library)</a:t>
           </a:r>
           <a:br>
             <a:rPr lang="en-US" altLang="ko-KR" sz="1000" b="1" kern="1200" dirty="0"/>
@@ -9347,6 +9355,14 @@
           <a:r>
             <a:rPr lang="en-US" altLang="ko-KR" sz="1000" kern="1200" dirty="0"/>
             <a:t>(</a:t>
+          </a:r>
+          <a:r>
+            <a:rPr lang="en-US" altLang="ko-KR" sz="1000" kern="1200" dirty="0" err="1"/>
+            <a:t>repositoryInterfaces</a:t>
+          </a:r>
+          <a:r>
+            <a:rPr lang="en-US" altLang="ko-KR" sz="1000" kern="1200" dirty="0"/>
+            <a:t>, </a:t>
           </a:r>
           <a:r>
             <a:rPr lang="en-US" altLang="ko-KR" sz="1000" b="0" kern="1200" dirty="0" err="1"/>
@@ -27160,7 +27176,7 @@
           <a:p>
             <a:fld id="{EDB8FCC8-1576-4E05-820C-3A6DFBA7176C}" type="datetimeFigureOut">
               <a:rPr lang="ko-KR" altLang="en-US" smtClean="0"/>
-              <a:t>2023-06-13</a:t>
+              <a:t>2023-06-14</a:t>
             </a:fld>
             <a:endParaRPr lang="ko-KR" altLang="en-US"/>
           </a:p>
@@ -27358,7 +27374,7 @@
           <a:p>
             <a:fld id="{EDB8FCC8-1576-4E05-820C-3A6DFBA7176C}" type="datetimeFigureOut">
               <a:rPr lang="ko-KR" altLang="en-US" smtClean="0"/>
-              <a:t>2023-06-13</a:t>
+              <a:t>2023-06-14</a:t>
             </a:fld>
             <a:endParaRPr lang="ko-KR" altLang="en-US"/>
           </a:p>
@@ -27566,7 +27582,7 @@
           <a:p>
             <a:fld id="{EDB8FCC8-1576-4E05-820C-3A6DFBA7176C}" type="datetimeFigureOut">
               <a:rPr lang="ko-KR" altLang="en-US" smtClean="0"/>
-              <a:t>2023-06-13</a:t>
+              <a:t>2023-06-14</a:t>
             </a:fld>
             <a:endParaRPr lang="ko-KR" altLang="en-US"/>
           </a:p>
@@ -27764,7 +27780,7 @@
           <a:p>
             <a:fld id="{EDB8FCC8-1576-4E05-820C-3A6DFBA7176C}" type="datetimeFigureOut">
               <a:rPr lang="ko-KR" altLang="en-US" smtClean="0"/>
-              <a:t>2023-06-13</a:t>
+              <a:t>2023-06-14</a:t>
             </a:fld>
             <a:endParaRPr lang="ko-KR" altLang="en-US"/>
           </a:p>
@@ -28039,7 +28055,7 @@
           <a:p>
             <a:fld id="{EDB8FCC8-1576-4E05-820C-3A6DFBA7176C}" type="datetimeFigureOut">
               <a:rPr lang="ko-KR" altLang="en-US" smtClean="0"/>
-              <a:t>2023-06-13</a:t>
+              <a:t>2023-06-14</a:t>
             </a:fld>
             <a:endParaRPr lang="ko-KR" altLang="en-US"/>
           </a:p>
@@ -28304,7 +28320,7 @@
           <a:p>
             <a:fld id="{EDB8FCC8-1576-4E05-820C-3A6DFBA7176C}" type="datetimeFigureOut">
               <a:rPr lang="ko-KR" altLang="en-US" smtClean="0"/>
-              <a:t>2023-06-13</a:t>
+              <a:t>2023-06-14</a:t>
             </a:fld>
             <a:endParaRPr lang="ko-KR" altLang="en-US"/>
           </a:p>
@@ -28716,7 +28732,7 @@
           <a:p>
             <a:fld id="{EDB8FCC8-1576-4E05-820C-3A6DFBA7176C}" type="datetimeFigureOut">
               <a:rPr lang="ko-KR" altLang="en-US" smtClean="0"/>
-              <a:t>2023-06-13</a:t>
+              <a:t>2023-06-14</a:t>
             </a:fld>
             <a:endParaRPr lang="ko-KR" altLang="en-US"/>
           </a:p>
@@ -28857,7 +28873,7 @@
           <a:p>
             <a:fld id="{EDB8FCC8-1576-4E05-820C-3A6DFBA7176C}" type="datetimeFigureOut">
               <a:rPr lang="ko-KR" altLang="en-US" smtClean="0"/>
-              <a:t>2023-06-13</a:t>
+              <a:t>2023-06-14</a:t>
             </a:fld>
             <a:endParaRPr lang="ko-KR" altLang="en-US"/>
           </a:p>
@@ -28970,7 +28986,7 @@
           <a:p>
             <a:fld id="{EDB8FCC8-1576-4E05-820C-3A6DFBA7176C}" type="datetimeFigureOut">
               <a:rPr lang="ko-KR" altLang="en-US" smtClean="0"/>
-              <a:t>2023-06-13</a:t>
+              <a:t>2023-06-14</a:t>
             </a:fld>
             <a:endParaRPr lang="ko-KR" altLang="en-US"/>
           </a:p>
@@ -29281,7 +29297,7 @@
           <a:p>
             <a:fld id="{EDB8FCC8-1576-4E05-820C-3A6DFBA7176C}" type="datetimeFigureOut">
               <a:rPr lang="ko-KR" altLang="en-US" smtClean="0"/>
-              <a:t>2023-06-13</a:t>
+              <a:t>2023-06-14</a:t>
             </a:fld>
             <a:endParaRPr lang="ko-KR" altLang="en-US"/>
           </a:p>
@@ -29569,7 +29585,7 @@
           <a:p>
             <a:fld id="{EDB8FCC8-1576-4E05-820C-3A6DFBA7176C}" type="datetimeFigureOut">
               <a:rPr lang="ko-KR" altLang="en-US" smtClean="0"/>
-              <a:t>2023-06-13</a:t>
+              <a:t>2023-06-14</a:t>
             </a:fld>
             <a:endParaRPr lang="ko-KR" altLang="en-US"/>
           </a:p>
@@ -29810,7 +29826,7 @@
           <a:p>
             <a:fld id="{EDB8FCC8-1576-4E05-820C-3A6DFBA7176C}" type="datetimeFigureOut">
               <a:rPr lang="ko-KR" altLang="en-US" smtClean="0"/>
-              <a:t>2023-06-13</a:t>
+              <a:t>2023-06-14</a:t>
             </a:fld>
             <a:endParaRPr lang="ko-KR" altLang="en-US"/>
           </a:p>
@@ -30240,7 +30256,7 @@
           <p:nvPr>
             <p:extLst>
               <p:ext uri="{D42A27DB-BD31-4B8C-83A1-F6EECF244321}">
-                <p14:modId xmlns:p14="http://schemas.microsoft.com/office/powerpoint/2010/main" val="2595545025"/>
+                <p14:modId xmlns:p14="http://schemas.microsoft.com/office/powerpoint/2010/main" val="2986270092"/>
               </p:ext>
             </p:extLst>
           </p:nvPr>

--- a/MyMindNotes 기획/나의 마음 일지 모듈화 방법 선택.pptx
+++ b/MyMindNotes 기획/나의 마음 일지 모듈화 방법 선택.pptx
@@ -2373,7 +2373,7 @@
       </dgm:t>
     </dgm:pt>
     <dgm:pt modelId="{319A3538-50A2-4132-AC6F-8753D8B10D4E}">
-      <dgm:prSet phldrT="[텍스트]"/>
+      <dgm:prSet phldrT="[텍스트]" custT="1"/>
       <dgm:spPr/>
       <dgm:t>
         <a:bodyPr/>
@@ -2381,25 +2381,25 @@
         <a:p>
           <a:pPr latinLnBrk="1"/>
           <a:r>
-            <a:rPr lang="en-US" altLang="ko-KR" b="1" dirty="0"/>
+            <a:rPr lang="en-US" altLang="ko-KR" sz="1600" b="1" dirty="0"/>
             <a:t>:presentation (Android Library)</a:t>
           </a:r>
           <a:br>
-            <a:rPr lang="en-US" altLang="ko-KR" dirty="0"/>
+            <a:rPr lang="en-US" altLang="ko-KR" sz="1600" dirty="0"/>
           </a:br>
           <a:r>
-            <a:rPr lang="en-US" altLang="ko-KR" dirty="0"/>
+            <a:rPr lang="en-US" altLang="ko-KR" sz="1600" dirty="0"/>
             <a:t>(UI, </a:t>
           </a:r>
           <a:r>
-            <a:rPr lang="en-US" altLang="ko-KR" dirty="0" err="1"/>
+            <a:rPr lang="en-US" altLang="ko-KR" sz="1600" dirty="0" err="1"/>
             <a:t>viewModels</a:t>
           </a:r>
           <a:r>
-            <a:rPr lang="en-US" altLang="ko-KR" dirty="0"/>
+            <a:rPr lang="en-US" altLang="ko-KR" sz="1600" dirty="0"/>
             <a:t>)</a:t>
           </a:r>
-          <a:endParaRPr lang="ko-KR" altLang="en-US" dirty="0"/>
+          <a:endParaRPr lang="ko-KR" altLang="en-US" sz="1600" dirty="0"/>
         </a:p>
       </dgm:t>
     </dgm:pt>
@@ -2428,7 +2428,7 @@
       </dgm:t>
     </dgm:pt>
     <dgm:pt modelId="{E4F250E2-CB35-409D-A50C-E7DB38A32374}">
-      <dgm:prSet phldrT="[텍스트]"/>
+      <dgm:prSet phldrT="[텍스트]" custT="1"/>
       <dgm:spPr/>
       <dgm:t>
         <a:bodyPr/>
@@ -2436,25 +2436,25 @@
         <a:p>
           <a:pPr latinLnBrk="1"/>
           <a:r>
-            <a:rPr lang="en-US" altLang="ko-KR" b="1" dirty="0"/>
+            <a:rPr lang="en-US" altLang="ko-KR" sz="1600" b="1" dirty="0"/>
             <a:t>:app (Application Module)</a:t>
           </a:r>
           <a:br>
-            <a:rPr lang="en-US" altLang="ko-KR" b="1" dirty="0"/>
+            <a:rPr lang="en-US" altLang="ko-KR" sz="1600" b="1" dirty="0"/>
           </a:br>
           <a:r>
-            <a:rPr lang="en-US" altLang="ko-KR" b="0" dirty="0"/>
+            <a:rPr lang="en-US" altLang="ko-KR" sz="1600" b="0" dirty="0"/>
             <a:t>(Manifest, </a:t>
           </a:r>
           <a:r>
-            <a:rPr lang="en-US" altLang="ko-KR" b="0" dirty="0" err="1"/>
+            <a:rPr lang="en-US" altLang="ko-KR" sz="1600" b="0" dirty="0" err="1"/>
             <a:t>HiltApplication</a:t>
           </a:r>
           <a:r>
-            <a:rPr lang="en-US" altLang="ko-KR" b="0" dirty="0"/>
+            <a:rPr lang="en-US" altLang="ko-KR" sz="1600" b="0" dirty="0"/>
             <a:t>, Hilt Modules)</a:t>
           </a:r>
-          <a:endParaRPr lang="ko-KR" altLang="en-US" b="1" dirty="0"/>
+          <a:endParaRPr lang="ko-KR" altLang="en-US" sz="1600" b="1" dirty="0"/>
         </a:p>
       </dgm:t>
     </dgm:pt>
@@ -2483,7 +2483,7 @@
       </dgm:t>
     </dgm:pt>
     <dgm:pt modelId="{2115A23A-051E-4746-93D2-E12E466469A5}">
-      <dgm:prSet phldrT="[텍스트]"/>
+      <dgm:prSet phldrT="[텍스트]" custT="1"/>
       <dgm:spPr/>
       <dgm:t>
         <a:bodyPr/>
@@ -2491,45 +2491,45 @@
         <a:p>
           <a:pPr latinLnBrk="1"/>
           <a:r>
-            <a:rPr lang="en-US" altLang="ko-KR" b="1" dirty="0"/>
+            <a:rPr lang="en-US" altLang="ko-KR" sz="1600" b="1" dirty="0"/>
             <a:t>:data (Android Library)</a:t>
           </a:r>
           <a:br>
-            <a:rPr lang="en-US" altLang="ko-KR" dirty="0"/>
+            <a:rPr lang="en-US" altLang="ko-KR" sz="1600" dirty="0"/>
           </a:br>
           <a:r>
-            <a:rPr lang="en-US" altLang="ko-KR" dirty="0"/>
+            <a:rPr lang="en-US" altLang="ko-KR" sz="1400" dirty="0"/>
             <a:t>(</a:t>
           </a:r>
           <a:r>
-            <a:rPr lang="en-US" altLang="ko-KR" dirty="0" err="1"/>
+            <a:rPr lang="en-US" altLang="ko-KR" sz="1400" dirty="0" err="1"/>
             <a:t>repositoryInterfaces</a:t>
           </a:r>
           <a:r>
-            <a:rPr lang="en-US" altLang="ko-KR" dirty="0"/>
+            <a:rPr lang="en-US" altLang="ko-KR" sz="1400" dirty="0"/>
             <a:t>, </a:t>
           </a:r>
           <a:r>
-            <a:rPr lang="en-US" altLang="ko-KR" b="0" dirty="0" err="1"/>
+            <a:rPr lang="en-US" altLang="ko-KR" sz="1400" b="0" dirty="0" err="1"/>
             <a:t>r</a:t>
           </a:r>
           <a:r>
-            <a:rPr lang="en-US" altLang="ko-KR" dirty="0" err="1"/>
+            <a:rPr lang="en-US" altLang="ko-KR" sz="1400" dirty="0" err="1"/>
             <a:t>epositoriesImpl</a:t>
           </a:r>
           <a:r>
-            <a:rPr lang="en-US" altLang="ko-KR" dirty="0"/>
+            <a:rPr lang="en-US" altLang="ko-KR" sz="1400" dirty="0"/>
             <a:t>, data sources, models, retrofit </a:t>
           </a:r>
           <a:r>
-            <a:rPr lang="en-US" altLang="ko-KR" dirty="0" err="1"/>
+            <a:rPr lang="en-US" altLang="ko-KR" sz="1400" dirty="0" err="1"/>
             <a:t>api</a:t>
           </a:r>
           <a:r>
-            <a:rPr lang="en-US" altLang="ko-KR" dirty="0"/>
+            <a:rPr lang="en-US" altLang="ko-KR" sz="1400" dirty="0"/>
             <a:t> interfaces)</a:t>
           </a:r>
-          <a:endParaRPr lang="ko-KR" altLang="en-US" dirty="0"/>
+          <a:endParaRPr lang="ko-KR" altLang="en-US" sz="1400" dirty="0"/>
         </a:p>
       </dgm:t>
     </dgm:pt>
@@ -2558,7 +2558,7 @@
       </dgm:t>
     </dgm:pt>
     <dgm:pt modelId="{F8DCC040-55D6-478D-ACCC-96A405315332}">
-      <dgm:prSet phldrT="[텍스트]"/>
+      <dgm:prSet phldrT="[텍스트]" custT="1"/>
       <dgm:spPr/>
       <dgm:t>
         <a:bodyPr/>
@@ -2566,25 +2566,25 @@
         <a:p>
           <a:pPr latinLnBrk="1"/>
           <a:r>
-            <a:rPr lang="en-US" altLang="ko-KR" b="1" dirty="0"/>
+            <a:rPr lang="en-US" altLang="ko-KR" sz="1600" b="1" dirty="0"/>
             <a:t>:domain (Android Library)</a:t>
           </a:r>
           <a:br>
-            <a:rPr lang="en-US" altLang="ko-KR" b="1" dirty="0"/>
+            <a:rPr lang="en-US" altLang="ko-KR" sz="1600" b="1" dirty="0"/>
           </a:br>
           <a:r>
-            <a:rPr lang="en-US" altLang="ko-KR" b="0" dirty="0"/>
+            <a:rPr lang="en-US" altLang="ko-KR" sz="1600" b="0" dirty="0"/>
             <a:t>(</a:t>
           </a:r>
           <a:r>
-            <a:rPr lang="en-US" altLang="ko-KR" b="0" dirty="0" err="1"/>
+            <a:rPr lang="en-US" altLang="ko-KR" sz="1600" b="0" dirty="0" err="1"/>
             <a:t>Usecases</a:t>
           </a:r>
           <a:r>
-            <a:rPr lang="en-US" altLang="ko-KR" b="0" dirty="0"/>
+            <a:rPr lang="en-US" altLang="ko-KR" sz="1600" b="0" dirty="0"/>
             <a:t>)</a:t>
           </a:r>
-          <a:endParaRPr lang="ko-KR" altLang="en-US" dirty="0"/>
+          <a:endParaRPr lang="ko-KR" altLang="en-US" sz="1600" dirty="0"/>
         </a:p>
       </dgm:t>
     </dgm:pt>
@@ -2613,7 +2613,7 @@
       </dgm:t>
     </dgm:pt>
     <dgm:pt modelId="{515BCAA9-2179-44B0-80D6-2DD1A2D99B17}">
-      <dgm:prSet/>
+      <dgm:prSet custT="1"/>
       <dgm:spPr/>
       <dgm:t>
         <a:bodyPr/>
@@ -2621,17 +2621,41 @@
         <a:p>
           <a:pPr latinLnBrk="1"/>
           <a:r>
-            <a:rPr lang="en-US" altLang="ko-KR" b="1" dirty="0"/>
+            <a:rPr lang="en-US" altLang="ko-KR" sz="1600" b="1" dirty="0"/>
             <a:t>:core (Android Library)</a:t>
           </a:r>
           <a:br>
-            <a:rPr lang="en-US" altLang="ko-KR" b="1" dirty="0"/>
+            <a:rPr lang="en-US" altLang="ko-KR" sz="1600" b="1" dirty="0"/>
           </a:br>
           <a:r>
-            <a:rPr lang="en-US" altLang="ko-KR" b="0" dirty="0"/>
-            <a:t>Retrofit</a:t>
-          </a:r>
-          <a:endParaRPr lang="ko-KR" altLang="en-US" b="1" dirty="0"/>
+            <a:rPr lang="en-US" altLang="ko-KR" sz="600" b="0" dirty="0"/>
+            <a:t>Retrofit, </a:t>
+          </a:r>
+          <a:r>
+            <a:rPr lang="en-US" altLang="ko-KR" sz="600" b="0" dirty="0" err="1"/>
+            <a:t>CoroutineDispatchers</a:t>
+          </a:r>
+          <a:r>
+            <a:rPr lang="en-US" altLang="ko-KR" sz="600" b="0" dirty="0"/>
+            <a:t>/Scopes Modules, </a:t>
+          </a:r>
+          <a:r>
+            <a:rPr lang="en-US" altLang="ko-KR" sz="600" b="0" dirty="0" err="1"/>
+            <a:t>SharedPreferenceModule</a:t>
+          </a:r>
+          <a:r>
+            <a:rPr lang="en-US" altLang="ko-KR" sz="600" b="0" dirty="0"/>
+            <a:t>, </a:t>
+          </a:r>
+          <a:r>
+            <a:rPr lang="en-US" altLang="ko-KR" sz="600" b="0" dirty="0" err="1"/>
+            <a:t>UserDiary</a:t>
+          </a:r>
+          <a:r>
+            <a:rPr lang="en-US" altLang="ko-KR" sz="600" b="0" dirty="0"/>
+            <a:t> Model</a:t>
+          </a:r>
+          <a:endParaRPr lang="ko-KR" altLang="en-US" sz="600" b="1" dirty="0"/>
         </a:p>
       </dgm:t>
     </dgm:pt>
@@ -2712,7 +2736,7 @@
       <dgm:spPr/>
     </dgm:pt>
     <dgm:pt modelId="{606D0EE2-B6A5-45EE-AACB-9FF7B88DA116}" type="pres">
-      <dgm:prSet presAssocID="{515BCAA9-2179-44B0-80D6-2DD1A2D99B17}" presName="text2" presStyleLbl="fgAcc2" presStyleIdx="0" presStyleCnt="2">
+      <dgm:prSet presAssocID="{515BCAA9-2179-44B0-80D6-2DD1A2D99B17}" presName="text2" presStyleLbl="fgAcc2" presStyleIdx="0" presStyleCnt="2" custScaleX="114221" custScaleY="157557" custLinFactNeighborX="-918" custLinFactNeighborY="-10773">
         <dgm:presLayoutVars>
           <dgm:chPref val="3"/>
         </dgm:presLayoutVars>
@@ -2740,7 +2764,7 @@
       <dgm:spPr/>
     </dgm:pt>
     <dgm:pt modelId="{29FE98D2-D78B-4968-8E8F-E1749CE54015}" type="pres">
-      <dgm:prSet presAssocID="{319A3538-50A2-4132-AC6F-8753D8B10D4E}" presName="text2" presStyleLbl="fgAcc2" presStyleIdx="1" presStyleCnt="2" custScaleX="317415" custScaleY="124028" custLinFactNeighborX="-415" custLinFactNeighborY="3015">
+      <dgm:prSet presAssocID="{319A3538-50A2-4132-AC6F-8753D8B10D4E}" presName="text2" presStyleLbl="fgAcc2" presStyleIdx="1" presStyleCnt="2" custScaleX="271410" custScaleY="113609" custLinFactNeighborX="-415" custLinFactNeighborY="3015">
         <dgm:presLayoutVars>
           <dgm:chPref val="3"/>
         </dgm:presLayoutVars>
@@ -2768,7 +2792,7 @@
       <dgm:spPr/>
     </dgm:pt>
     <dgm:pt modelId="{DA3DC8A1-B41A-4EB3-89A2-F228C2FBC67A}" type="pres">
-      <dgm:prSet presAssocID="{F8DCC040-55D6-478D-ACCC-96A405315332}" presName="text3" presStyleLbl="fgAcc3" presStyleIdx="0" presStyleCnt="1" custScaleX="328677" custLinFactNeighborX="-650">
+      <dgm:prSet presAssocID="{F8DCC040-55D6-478D-ACCC-96A405315332}" presName="text3" presStyleLbl="fgAcc3" presStyleIdx="0" presStyleCnt="1" custScaleX="281039" custScaleY="91599" custLinFactNeighborX="-650">
         <dgm:presLayoutVars>
           <dgm:chPref val="3"/>
         </dgm:presLayoutVars>
@@ -2796,7 +2820,7 @@
       <dgm:spPr/>
     </dgm:pt>
     <dgm:pt modelId="{9AF6E580-0B80-489F-8C44-896C1607ADFA}" type="pres">
-      <dgm:prSet presAssocID="{2115A23A-051E-4746-93D2-E12E466469A5}" presName="text4" presStyleLbl="fgAcc4" presStyleIdx="0" presStyleCnt="1" custScaleX="328677">
+      <dgm:prSet presAssocID="{2115A23A-051E-4746-93D2-E12E466469A5}" presName="text4" presStyleLbl="fgAcc4" presStyleIdx="0" presStyleCnt="1" custScaleX="281039" custScaleY="91599">
         <dgm:presLayoutVars>
           <dgm:chPref val="3"/>
         </dgm:presLayoutVars>
@@ -8404,8 +8428,8 @@
       </dsp:nvSpPr>
       <dsp:spPr>
         <a:xfrm>
-          <a:off x="3299628" y="4052511"/>
-          <a:ext cx="91440" cy="347068"/>
+          <a:off x="3882796" y="4691048"/>
+          <a:ext cx="91440" cy="412931"/>
         </a:xfrm>
         <a:custGeom>
           <a:avLst/>
@@ -8419,13 +8443,13 @@
                 <a:pt x="45720" y="0"/>
               </a:moveTo>
               <a:lnTo>
-                <a:pt x="45720" y="236517"/>
+                <a:pt x="45720" y="281400"/>
               </a:lnTo>
               <a:lnTo>
-                <a:pt x="53476" y="236517"/>
+                <a:pt x="54948" y="281400"/>
               </a:lnTo>
               <a:lnTo>
-                <a:pt x="53476" y="347068"/>
+                <a:pt x="54948" y="412931"/>
               </a:lnTo>
             </a:path>
           </a:pathLst>
@@ -8466,8 +8490,8 @@
       </dsp:nvSpPr>
       <dsp:spPr>
         <a:xfrm>
-          <a:off x="3299628" y="2970506"/>
-          <a:ext cx="91440" cy="324221"/>
+          <a:off x="3882796" y="3479456"/>
+          <a:ext cx="91440" cy="385748"/>
         </a:xfrm>
         <a:custGeom>
           <a:avLst/>
@@ -8478,16 +8502,16 @@
           <a:pathLst>
             <a:path>
               <a:moveTo>
-                <a:pt x="48524" y="0"/>
+                <a:pt x="49056" y="0"/>
               </a:moveTo>
               <a:lnTo>
-                <a:pt x="48524" y="213670"/>
+                <a:pt x="49056" y="254217"/>
               </a:lnTo>
               <a:lnTo>
-                <a:pt x="45720" y="213670"/>
+                <a:pt x="45720" y="254217"/>
               </a:lnTo>
               <a:lnTo>
-                <a:pt x="45720" y="324221"/>
+                <a:pt x="45720" y="385748"/>
               </a:lnTo>
             </a:path>
           </a:pathLst>
@@ -8528,8 +8552,8 @@
       </dsp:nvSpPr>
       <dsp:spPr>
         <a:xfrm>
-          <a:off x="2623829" y="1660727"/>
-          <a:ext cx="724322" cy="369915"/>
+          <a:off x="2934942" y="2015059"/>
+          <a:ext cx="996910" cy="440113"/>
         </a:xfrm>
         <a:custGeom>
           <a:avLst/>
@@ -8543,13 +8567,13 @@
                 <a:pt x="0" y="0"/>
               </a:moveTo>
               <a:lnTo>
-                <a:pt x="0" y="259364"/>
+                <a:pt x="0" y="308583"/>
               </a:lnTo>
               <a:lnTo>
-                <a:pt x="724322" y="259364"/>
+                <a:pt x="996910" y="308583"/>
               </a:lnTo>
               <a:lnTo>
-                <a:pt x="724322" y="369915"/>
+                <a:pt x="996910" y="440113"/>
               </a:lnTo>
             </a:path>
           </a:pathLst>
@@ -8590,8 +8614,8 @@
       </dsp:nvSpPr>
       <dsp:spPr>
         <a:xfrm>
-          <a:off x="597283" y="1660727"/>
-          <a:ext cx="2026546" cy="347068"/>
+          <a:off x="803204" y="2015059"/>
+          <a:ext cx="2131737" cy="315803"/>
         </a:xfrm>
         <a:custGeom>
           <a:avLst/>
@@ -8602,16 +8626,16 @@
           <a:pathLst>
             <a:path>
               <a:moveTo>
-                <a:pt x="2026546" y="0"/>
+                <a:pt x="2131737" y="0"/>
               </a:moveTo>
               <a:lnTo>
-                <a:pt x="2026546" y="236517"/>
+                <a:pt x="2131737" y="184272"/>
               </a:lnTo>
               <a:lnTo>
-                <a:pt x="0" y="236517"/>
+                <a:pt x="0" y="184272"/>
               </a:lnTo>
               <a:lnTo>
-                <a:pt x="0" y="347068"/>
+                <a:pt x="0" y="315803"/>
               </a:lnTo>
             </a:path>
           </a:pathLst>
@@ -8652,8 +8676,8 @@
       </dsp:nvSpPr>
       <dsp:spPr>
         <a:xfrm>
-          <a:off x="729879" y="720864"/>
-          <a:ext cx="3787901" cy="939863"/>
+          <a:off x="681581" y="896840"/>
+          <a:ext cx="4506722" cy="1118218"/>
         </a:xfrm>
         <a:prstGeom prst="roundRect">
           <a:avLst>
@@ -8704,8 +8728,8 @@
       </dsp:nvSpPr>
       <dsp:spPr>
         <a:xfrm>
-          <a:off x="862474" y="846829"/>
-          <a:ext cx="3787901" cy="939863"/>
+          <a:off x="839338" y="1046710"/>
+          <a:ext cx="4506722" cy="1118218"/>
         </a:xfrm>
         <a:prstGeom prst="roundRect">
           <a:avLst>
@@ -8748,12 +8772,12 @@
         <a:fontRef idx="minor"/>
       </dsp:style>
       <dsp:txBody>
-        <a:bodyPr spcFirstLastPara="0" vert="horz" wrap="square" lIns="38100" tIns="38100" rIns="38100" bIns="38100" numCol="1" spcCol="1270" anchor="ctr" anchorCtr="0">
+        <a:bodyPr spcFirstLastPara="0" vert="horz" wrap="square" lIns="60960" tIns="60960" rIns="60960" bIns="60960" numCol="1" spcCol="1270" anchor="ctr" anchorCtr="0">
           <a:noAutofit/>
         </a:bodyPr>
         <a:lstStyle/>
         <a:p>
-          <a:pPr marL="0" lvl="0" indent="0" algn="ctr" defTabSz="444500" latinLnBrk="1">
+          <a:pPr marL="0" lvl="0" indent="0" algn="ctr" defTabSz="711200" latinLnBrk="1">
             <a:lnSpc>
               <a:spcPct val="90000"/>
             </a:lnSpc>
@@ -8766,30 +8790,30 @@
             <a:buNone/>
           </a:pPr>
           <a:r>
-            <a:rPr lang="en-US" altLang="ko-KR" sz="1000" b="1" kern="1200" dirty="0"/>
+            <a:rPr lang="en-US" altLang="ko-KR" sz="1600" b="1" kern="1200" dirty="0"/>
             <a:t>:app (Application Module)</a:t>
           </a:r>
           <a:br>
-            <a:rPr lang="en-US" altLang="ko-KR" sz="1000" b="1" kern="1200" dirty="0"/>
+            <a:rPr lang="en-US" altLang="ko-KR" sz="1600" b="1" kern="1200" dirty="0"/>
           </a:br>
           <a:r>
-            <a:rPr lang="en-US" altLang="ko-KR" sz="1000" b="0" kern="1200" dirty="0"/>
+            <a:rPr lang="en-US" altLang="ko-KR" sz="1600" b="0" kern="1200" dirty="0"/>
             <a:t>(Manifest, </a:t>
           </a:r>
           <a:r>
-            <a:rPr lang="en-US" altLang="ko-KR" sz="1000" b="0" kern="1200" dirty="0" err="1"/>
+            <a:rPr lang="en-US" altLang="ko-KR" sz="1600" b="0" kern="1200" dirty="0" err="1"/>
             <a:t>HiltApplication</a:t>
           </a:r>
           <a:r>
-            <a:rPr lang="en-US" altLang="ko-KR" sz="1000" b="0" kern="1200" dirty="0"/>
+            <a:rPr lang="en-US" altLang="ko-KR" sz="1600" b="0" kern="1200" dirty="0"/>
             <a:t>, Hilt Modules)</a:t>
           </a:r>
-          <a:endParaRPr lang="ko-KR" altLang="en-US" sz="1000" b="1" kern="1200" dirty="0"/>
+          <a:endParaRPr lang="ko-KR" altLang="en-US" sz="1600" b="1" kern="1200" dirty="0"/>
         </a:p>
       </dsp:txBody>
       <dsp:txXfrm>
-        <a:off x="890002" y="874357"/>
-        <a:ext cx="3732845" cy="884807"/>
+        <a:off x="872089" y="1079461"/>
+        <a:ext cx="4441220" cy="1052716"/>
       </dsp:txXfrm>
     </dsp:sp>
     <dsp:sp modelId="{1967F50F-017C-4DB1-A12C-A837169005B7}">
@@ -8799,8 +8823,8 @@
       </dsp:nvSpPr>
       <dsp:spPr>
         <a:xfrm>
-          <a:off x="603" y="2007796"/>
-          <a:ext cx="1193359" cy="757783"/>
+          <a:off x="-7661" y="2330863"/>
+          <a:ext cx="1621732" cy="1420511"/>
         </a:xfrm>
         <a:prstGeom prst="roundRect">
           <a:avLst>
@@ -8851,8 +8875,8 @@
       </dsp:nvSpPr>
       <dsp:spPr>
         <a:xfrm>
-          <a:off x="133199" y="2133761"/>
-          <a:ext cx="1193359" cy="757783"/>
+          <a:off x="150096" y="2480733"/>
+          <a:ext cx="1621732" cy="1420511"/>
         </a:xfrm>
         <a:prstGeom prst="roundRect">
           <a:avLst>
@@ -8895,12 +8919,12 @@
         <a:fontRef idx="minor"/>
       </dsp:style>
       <dsp:txBody>
-        <a:bodyPr spcFirstLastPara="0" vert="horz" wrap="square" lIns="38100" tIns="38100" rIns="38100" bIns="38100" numCol="1" spcCol="1270" anchor="ctr" anchorCtr="0">
+        <a:bodyPr spcFirstLastPara="0" vert="horz" wrap="square" lIns="60960" tIns="60960" rIns="60960" bIns="60960" numCol="1" spcCol="1270" anchor="ctr" anchorCtr="0">
           <a:noAutofit/>
         </a:bodyPr>
         <a:lstStyle/>
         <a:p>
-          <a:pPr marL="0" lvl="0" indent="0" algn="ctr" defTabSz="444500" latinLnBrk="1">
+          <a:pPr marL="0" lvl="0" indent="0" algn="ctr" defTabSz="711200" latinLnBrk="1">
             <a:lnSpc>
               <a:spcPct val="90000"/>
             </a:lnSpc>
@@ -8913,22 +8937,46 @@
             <a:buNone/>
           </a:pPr>
           <a:r>
-            <a:rPr lang="en-US" altLang="ko-KR" sz="1000" b="1" kern="1200" dirty="0"/>
+            <a:rPr lang="en-US" altLang="ko-KR" sz="1600" b="1" kern="1200" dirty="0"/>
             <a:t>:core (Android Library)</a:t>
           </a:r>
           <a:br>
-            <a:rPr lang="en-US" altLang="ko-KR" sz="1000" b="1" kern="1200" dirty="0"/>
+            <a:rPr lang="en-US" altLang="ko-KR" sz="1600" b="1" kern="1200" dirty="0"/>
           </a:br>
           <a:r>
-            <a:rPr lang="en-US" altLang="ko-KR" sz="1000" b="0" kern="1200" dirty="0"/>
-            <a:t>Retrofit</a:t>
-          </a:r>
-          <a:endParaRPr lang="ko-KR" altLang="en-US" sz="1000" b="1" kern="1200" dirty="0"/>
+            <a:rPr lang="en-US" altLang="ko-KR" sz="600" b="0" kern="1200" dirty="0"/>
+            <a:t>Retrofit, </a:t>
+          </a:r>
+          <a:r>
+            <a:rPr lang="en-US" altLang="ko-KR" sz="600" b="0" kern="1200" dirty="0" err="1"/>
+            <a:t>CoroutineDispatchers</a:t>
+          </a:r>
+          <a:r>
+            <a:rPr lang="en-US" altLang="ko-KR" sz="600" b="0" kern="1200" dirty="0"/>
+            <a:t>/Scopes Modules, </a:t>
+          </a:r>
+          <a:r>
+            <a:rPr lang="en-US" altLang="ko-KR" sz="600" b="0" kern="1200" dirty="0" err="1"/>
+            <a:t>SharedPreferenceModule</a:t>
+          </a:r>
+          <a:r>
+            <a:rPr lang="en-US" altLang="ko-KR" sz="600" b="0" kern="1200" dirty="0"/>
+            <a:t>, </a:t>
+          </a:r>
+          <a:r>
+            <a:rPr lang="en-US" altLang="ko-KR" sz="600" b="0" kern="1200" dirty="0" err="1"/>
+            <a:t>UserDiary</a:t>
+          </a:r>
+          <a:r>
+            <a:rPr lang="en-US" altLang="ko-KR" sz="600" b="0" kern="1200" dirty="0"/>
+            <a:t> Model</a:t>
+          </a:r>
+          <a:endParaRPr lang="ko-KR" altLang="en-US" sz="600" b="1" kern="1200" dirty="0"/>
         </a:p>
       </dsp:txBody>
       <dsp:txXfrm>
-        <a:off x="155394" y="2155956"/>
-        <a:ext cx="1148969" cy="713393"/>
+        <a:off x="191701" y="2522338"/>
+        <a:ext cx="1538522" cy="1337301"/>
       </dsp:txXfrm>
     </dsp:sp>
     <dsp:sp modelId="{19F0D0D2-EA79-4D71-BB33-12B928BB7083}">
@@ -8938,8 +8986,8 @@
       </dsp:nvSpPr>
       <dsp:spPr>
         <a:xfrm>
-          <a:off x="1454201" y="2030643"/>
-          <a:ext cx="3787901" cy="939863"/>
+          <a:off x="2005085" y="2455173"/>
+          <a:ext cx="3853534" cy="1024282"/>
         </a:xfrm>
         <a:prstGeom prst="roundRect">
           <a:avLst>
@@ -8990,8 +9038,8 @@
       </dsp:nvSpPr>
       <dsp:spPr>
         <a:xfrm>
-          <a:off x="1586797" y="2156609"/>
-          <a:ext cx="3787901" cy="939863"/>
+          <a:off x="2162843" y="2605043"/>
+          <a:ext cx="3853534" cy="1024282"/>
         </a:xfrm>
         <a:prstGeom prst="roundRect">
           <a:avLst>
@@ -9034,12 +9082,12 @@
         <a:fontRef idx="minor"/>
       </dsp:style>
       <dsp:txBody>
-        <a:bodyPr spcFirstLastPara="0" vert="horz" wrap="square" lIns="38100" tIns="38100" rIns="38100" bIns="38100" numCol="1" spcCol="1270" anchor="ctr" anchorCtr="0">
+        <a:bodyPr spcFirstLastPara="0" vert="horz" wrap="square" lIns="60960" tIns="60960" rIns="60960" bIns="60960" numCol="1" spcCol="1270" anchor="ctr" anchorCtr="0">
           <a:noAutofit/>
         </a:bodyPr>
         <a:lstStyle/>
         <a:p>
-          <a:pPr marL="0" lvl="0" indent="0" algn="ctr" defTabSz="444500" latinLnBrk="1">
+          <a:pPr marL="0" lvl="0" indent="0" algn="ctr" defTabSz="711200" latinLnBrk="1">
             <a:lnSpc>
               <a:spcPct val="90000"/>
             </a:lnSpc>
@@ -9052,30 +9100,30 @@
             <a:buNone/>
           </a:pPr>
           <a:r>
-            <a:rPr lang="en-US" altLang="ko-KR" sz="1000" b="1" kern="1200" dirty="0"/>
+            <a:rPr lang="en-US" altLang="ko-KR" sz="1600" b="1" kern="1200" dirty="0"/>
             <a:t>:presentation (Android Library)</a:t>
           </a:r>
           <a:br>
-            <a:rPr lang="en-US" altLang="ko-KR" sz="1000" kern="1200" dirty="0"/>
+            <a:rPr lang="en-US" altLang="ko-KR" sz="1600" kern="1200" dirty="0"/>
           </a:br>
           <a:r>
-            <a:rPr lang="en-US" altLang="ko-KR" sz="1000" kern="1200" dirty="0"/>
+            <a:rPr lang="en-US" altLang="ko-KR" sz="1600" kern="1200" dirty="0"/>
             <a:t>(UI, </a:t>
           </a:r>
           <a:r>
-            <a:rPr lang="en-US" altLang="ko-KR" sz="1000" kern="1200" dirty="0" err="1"/>
+            <a:rPr lang="en-US" altLang="ko-KR" sz="1600" kern="1200" dirty="0" err="1"/>
             <a:t>viewModels</a:t>
           </a:r>
           <a:r>
-            <a:rPr lang="en-US" altLang="ko-KR" sz="1000" kern="1200" dirty="0"/>
+            <a:rPr lang="en-US" altLang="ko-KR" sz="1600" kern="1200" dirty="0"/>
             <a:t>)</a:t>
           </a:r>
-          <a:endParaRPr lang="ko-KR" altLang="en-US" sz="1000" kern="1200" dirty="0"/>
+          <a:endParaRPr lang="ko-KR" altLang="en-US" sz="1600" kern="1200" dirty="0"/>
         </a:p>
       </dsp:txBody>
       <dsp:txXfrm>
-        <a:off x="1614325" y="2184137"/>
-        <a:ext cx="3732845" cy="884807"/>
+        <a:off x="2192843" y="2635043"/>
+        <a:ext cx="3793534" cy="964282"/>
       </dsp:txXfrm>
     </dsp:sp>
     <dsp:sp modelId="{84E548DE-8997-4535-B279-A5848B2CDBF2}">
@@ -9085,8 +9133,8 @@
       </dsp:nvSpPr>
       <dsp:spPr>
         <a:xfrm>
-          <a:off x="1384199" y="3294728"/>
-          <a:ext cx="3922297" cy="757783"/>
+          <a:off x="1933392" y="3865204"/>
+          <a:ext cx="3990248" cy="825843"/>
         </a:xfrm>
         <a:prstGeom prst="roundRect">
           <a:avLst>
@@ -9137,8 +9185,8 @@
       </dsp:nvSpPr>
       <dsp:spPr>
         <a:xfrm>
-          <a:off x="1516794" y="3420693"/>
-          <a:ext cx="3922297" cy="757783"/>
+          <a:off x="2091149" y="4015074"/>
+          <a:ext cx="3990248" cy="825843"/>
         </a:xfrm>
         <a:prstGeom prst="roundRect">
           <a:avLst>
@@ -9181,12 +9229,12 @@
         <a:fontRef idx="minor"/>
       </dsp:style>
       <dsp:txBody>
-        <a:bodyPr spcFirstLastPara="0" vert="horz" wrap="square" lIns="38100" tIns="38100" rIns="38100" bIns="38100" numCol="1" spcCol="1270" anchor="ctr" anchorCtr="0">
+        <a:bodyPr spcFirstLastPara="0" vert="horz" wrap="square" lIns="60960" tIns="60960" rIns="60960" bIns="60960" numCol="1" spcCol="1270" anchor="ctr" anchorCtr="0">
           <a:noAutofit/>
         </a:bodyPr>
         <a:lstStyle/>
         <a:p>
-          <a:pPr marL="0" lvl="0" indent="0" algn="ctr" defTabSz="444500" latinLnBrk="1">
+          <a:pPr marL="0" lvl="0" indent="0" algn="ctr" defTabSz="711200" latinLnBrk="1">
             <a:lnSpc>
               <a:spcPct val="90000"/>
             </a:lnSpc>
@@ -9199,30 +9247,30 @@
             <a:buNone/>
           </a:pPr>
           <a:r>
-            <a:rPr lang="en-US" altLang="ko-KR" sz="1000" b="1" kern="1200" dirty="0"/>
+            <a:rPr lang="en-US" altLang="ko-KR" sz="1600" b="1" kern="1200" dirty="0"/>
             <a:t>:domain (Android Library)</a:t>
           </a:r>
           <a:br>
-            <a:rPr lang="en-US" altLang="ko-KR" sz="1000" b="1" kern="1200" dirty="0"/>
+            <a:rPr lang="en-US" altLang="ko-KR" sz="1600" b="1" kern="1200" dirty="0"/>
           </a:br>
           <a:r>
-            <a:rPr lang="en-US" altLang="ko-KR" sz="1000" b="0" kern="1200" dirty="0"/>
+            <a:rPr lang="en-US" altLang="ko-KR" sz="1600" b="0" kern="1200" dirty="0"/>
             <a:t>(</a:t>
           </a:r>
           <a:r>
-            <a:rPr lang="en-US" altLang="ko-KR" sz="1000" b="0" kern="1200" dirty="0" err="1"/>
+            <a:rPr lang="en-US" altLang="ko-KR" sz="1600" b="0" kern="1200" dirty="0" err="1"/>
             <a:t>Usecases</a:t>
           </a:r>
           <a:r>
-            <a:rPr lang="en-US" altLang="ko-KR" sz="1000" b="0" kern="1200" dirty="0"/>
+            <a:rPr lang="en-US" altLang="ko-KR" sz="1600" b="0" kern="1200" dirty="0"/>
             <a:t>)</a:t>
           </a:r>
-          <a:endParaRPr lang="ko-KR" altLang="en-US" sz="1000" kern="1200" dirty="0"/>
+          <a:endParaRPr lang="ko-KR" altLang="en-US" sz="1600" kern="1200" dirty="0"/>
         </a:p>
       </dsp:txBody>
       <dsp:txXfrm>
-        <a:off x="1538989" y="3442888"/>
-        <a:ext cx="3877907" cy="713393"/>
+        <a:off x="2115337" y="4039262"/>
+        <a:ext cx="3941872" cy="777467"/>
       </dsp:txXfrm>
     </dsp:sp>
     <dsp:sp modelId="{B10BC815-FC8F-4BC9-93C2-9B134FDC41E7}">
@@ -9232,8 +9280,8 @@
       </dsp:nvSpPr>
       <dsp:spPr>
         <a:xfrm>
-          <a:off x="1391956" y="4399579"/>
-          <a:ext cx="3922297" cy="757783"/>
+          <a:off x="1942620" y="5103979"/>
+          <a:ext cx="3990248" cy="825843"/>
         </a:xfrm>
         <a:prstGeom prst="roundRect">
           <a:avLst>
@@ -9284,8 +9332,8 @@
       </dsp:nvSpPr>
       <dsp:spPr>
         <a:xfrm>
-          <a:off x="1524551" y="4525545"/>
-          <a:ext cx="3922297" cy="757783"/>
+          <a:off x="2100378" y="5253849"/>
+          <a:ext cx="3990248" cy="825843"/>
         </a:xfrm>
         <a:prstGeom prst="roundRect">
           <a:avLst>
@@ -9328,12 +9376,12 @@
         <a:fontRef idx="minor"/>
       </dsp:style>
       <dsp:txBody>
-        <a:bodyPr spcFirstLastPara="0" vert="horz" wrap="square" lIns="38100" tIns="38100" rIns="38100" bIns="38100" numCol="1" spcCol="1270" anchor="ctr" anchorCtr="0">
+        <a:bodyPr spcFirstLastPara="0" vert="horz" wrap="square" lIns="60960" tIns="60960" rIns="60960" bIns="60960" numCol="1" spcCol="1270" anchor="ctr" anchorCtr="0">
           <a:noAutofit/>
         </a:bodyPr>
         <a:lstStyle/>
         <a:p>
-          <a:pPr marL="0" lvl="0" indent="0" algn="ctr" defTabSz="444500" latinLnBrk="1">
+          <a:pPr marL="0" lvl="0" indent="0" algn="ctr" defTabSz="711200" latinLnBrk="1">
             <a:lnSpc>
               <a:spcPct val="90000"/>
             </a:lnSpc>
@@ -9346,50 +9394,50 @@
             <a:buNone/>
           </a:pPr>
           <a:r>
-            <a:rPr lang="en-US" altLang="ko-KR" sz="1000" b="1" kern="1200" dirty="0"/>
+            <a:rPr lang="en-US" altLang="ko-KR" sz="1600" b="1" kern="1200" dirty="0"/>
             <a:t>:data (Android Library)</a:t>
           </a:r>
           <a:br>
-            <a:rPr lang="en-US" altLang="ko-KR" sz="1000" kern="1200" dirty="0"/>
+            <a:rPr lang="en-US" altLang="ko-KR" sz="1600" kern="1200" dirty="0"/>
           </a:br>
           <a:r>
-            <a:rPr lang="en-US" altLang="ko-KR" sz="1000" kern="1200" dirty="0"/>
+            <a:rPr lang="en-US" altLang="ko-KR" sz="1400" kern="1200" dirty="0"/>
             <a:t>(</a:t>
           </a:r>
           <a:r>
-            <a:rPr lang="en-US" altLang="ko-KR" sz="1000" kern="1200" dirty="0" err="1"/>
+            <a:rPr lang="en-US" altLang="ko-KR" sz="1400" kern="1200" dirty="0" err="1"/>
             <a:t>repositoryInterfaces</a:t>
           </a:r>
           <a:r>
-            <a:rPr lang="en-US" altLang="ko-KR" sz="1000" kern="1200" dirty="0"/>
+            <a:rPr lang="en-US" altLang="ko-KR" sz="1400" kern="1200" dirty="0"/>
             <a:t>, </a:t>
           </a:r>
           <a:r>
-            <a:rPr lang="en-US" altLang="ko-KR" sz="1000" b="0" kern="1200" dirty="0" err="1"/>
+            <a:rPr lang="en-US" altLang="ko-KR" sz="1400" b="0" kern="1200" dirty="0" err="1"/>
             <a:t>r</a:t>
           </a:r>
           <a:r>
-            <a:rPr lang="en-US" altLang="ko-KR" sz="1000" kern="1200" dirty="0" err="1"/>
+            <a:rPr lang="en-US" altLang="ko-KR" sz="1400" kern="1200" dirty="0" err="1"/>
             <a:t>epositoriesImpl</a:t>
           </a:r>
           <a:r>
-            <a:rPr lang="en-US" altLang="ko-KR" sz="1000" kern="1200" dirty="0"/>
+            <a:rPr lang="en-US" altLang="ko-KR" sz="1400" kern="1200" dirty="0"/>
             <a:t>, data sources, models, retrofit </a:t>
           </a:r>
           <a:r>
-            <a:rPr lang="en-US" altLang="ko-KR" sz="1000" kern="1200" dirty="0" err="1"/>
+            <a:rPr lang="en-US" altLang="ko-KR" sz="1400" kern="1200" dirty="0" err="1"/>
             <a:t>api</a:t>
           </a:r>
           <a:r>
-            <a:rPr lang="en-US" altLang="ko-KR" sz="1000" kern="1200" dirty="0"/>
+            <a:rPr lang="en-US" altLang="ko-KR" sz="1400" kern="1200" dirty="0"/>
             <a:t> interfaces)</a:t>
           </a:r>
-          <a:endParaRPr lang="ko-KR" altLang="en-US" sz="1000" kern="1200" dirty="0"/>
+          <a:endParaRPr lang="ko-KR" altLang="en-US" sz="1400" kern="1200" dirty="0"/>
         </a:p>
       </dsp:txBody>
       <dsp:txXfrm>
-        <a:off x="1546746" y="4547740"/>
-        <a:ext cx="3877907" cy="713393"/>
+        <a:off x="2124566" y="5278037"/>
+        <a:ext cx="3941872" cy="777467"/>
       </dsp:txXfrm>
     </dsp:sp>
   </dsp:spTree>
@@ -30243,34 +30291,6 @@
           <a:chExt cx="0" cy="0"/>
         </a:xfrm>
       </p:grpSpPr>
-      <p:graphicFrame>
-        <p:nvGraphicFramePr>
-          <p:cNvPr id="6" name="다이어그램 5">
-            <a:extLst>
-              <a:ext uri="{FF2B5EF4-FFF2-40B4-BE49-F238E27FC236}">
-                <a16:creationId xmlns:a16="http://schemas.microsoft.com/office/drawing/2014/main" id="{CD070BA5-578A-FFD8-54F0-EDD6538BE1E9}"/>
-              </a:ext>
-            </a:extLst>
-          </p:cNvPr>
-          <p:cNvGraphicFramePr/>
-          <p:nvPr>
-            <p:extLst>
-              <p:ext uri="{D42A27DB-BD31-4B8C-83A1-F6EECF244321}">
-                <p14:modId xmlns:p14="http://schemas.microsoft.com/office/powerpoint/2010/main" val="2986270092"/>
-              </p:ext>
-            </p:extLst>
-          </p:nvPr>
-        </p:nvGraphicFramePr>
-        <p:xfrm>
-          <a:off x="6312746" y="308695"/>
-          <a:ext cx="5447453" cy="6004193"/>
-        </p:xfrm>
-        <a:graphic>
-          <a:graphicData uri="http://schemas.openxmlformats.org/drawingml/2006/diagram">
-            <dgm:relIds xmlns:dgm="http://schemas.openxmlformats.org/drawingml/2006/diagram" xmlns:r="http://schemas.openxmlformats.org/officeDocument/2006/relationships" r:dm="rId2" r:lo="rId3" r:qs="rId4" r:cs="rId5"/>
-          </a:graphicData>
-        </a:graphic>
-      </p:graphicFrame>
       <p:sp>
         <p:nvSpPr>
           <p:cNvPr id="7" name="TextBox 6">
@@ -30432,6 +30452,178 @@
           </a:p>
         </p:txBody>
       </p:sp>
+      <p:grpSp>
+        <p:nvGrpSpPr>
+          <p:cNvPr id="21" name="그룹 20">
+            <a:extLst>
+              <a:ext uri="{FF2B5EF4-FFF2-40B4-BE49-F238E27FC236}">
+                <a16:creationId xmlns:a16="http://schemas.microsoft.com/office/drawing/2014/main" id="{B6930D3A-0688-4F5B-A77D-4C3A13B972FA}"/>
+              </a:ext>
+            </a:extLst>
+          </p:cNvPr>
+          <p:cNvGrpSpPr/>
+          <p:nvPr/>
+        </p:nvGrpSpPr>
+        <p:grpSpPr>
+          <a:xfrm>
+            <a:off x="6028267" y="-118534"/>
+            <a:ext cx="6096000" cy="6976534"/>
+            <a:chOff x="6028267" y="-118534"/>
+            <a:chExt cx="6096000" cy="6976534"/>
+          </a:xfrm>
+        </p:grpSpPr>
+        <p:graphicFrame>
+          <p:nvGraphicFramePr>
+            <p:cNvPr id="6" name="다이어그램 5">
+              <a:extLst>
+                <a:ext uri="{FF2B5EF4-FFF2-40B4-BE49-F238E27FC236}">
+                  <a16:creationId xmlns:a16="http://schemas.microsoft.com/office/drawing/2014/main" id="{CD070BA5-578A-FFD8-54F0-EDD6538BE1E9}"/>
+                </a:ext>
+              </a:extLst>
+            </p:cNvPr>
+            <p:cNvGraphicFramePr/>
+            <p:nvPr>
+              <p:extLst>
+                <p:ext uri="{D42A27DB-BD31-4B8C-83A1-F6EECF244321}">
+                  <p14:modId xmlns:p14="http://schemas.microsoft.com/office/powerpoint/2010/main" val="1198239966"/>
+                </p:ext>
+              </p:extLst>
+            </p:nvPr>
+          </p:nvGraphicFramePr>
+          <p:xfrm>
+            <a:off x="6028267" y="-118534"/>
+            <a:ext cx="6096000" cy="6976534"/>
+          </p:xfrm>
+          <a:graphic>
+            <a:graphicData uri="http://schemas.openxmlformats.org/drawingml/2006/diagram">
+              <dgm:relIds xmlns:dgm="http://schemas.openxmlformats.org/drawingml/2006/diagram" xmlns:r="http://schemas.openxmlformats.org/officeDocument/2006/relationships" r:dm="rId2" r:lo="rId3" r:qs="rId4" r:cs="rId5"/>
+            </a:graphicData>
+          </a:graphic>
+        </p:graphicFrame>
+        <p:cxnSp>
+          <p:nvCxnSpPr>
+            <p:cNvPr id="3" name="직선 화살표 연결선 2">
+              <a:extLst>
+                <a:ext uri="{FF2B5EF4-FFF2-40B4-BE49-F238E27FC236}">
+                  <a16:creationId xmlns:a16="http://schemas.microsoft.com/office/drawing/2014/main" id="{77C66FAB-B531-7E33-6067-F319F653150C}"/>
+                </a:ext>
+              </a:extLst>
+            </p:cNvPr>
+            <p:cNvCxnSpPr>
+              <a:cxnSpLocks/>
+            </p:cNvCxnSpPr>
+            <p:nvPr/>
+          </p:nvCxnSpPr>
+          <p:spPr>
+            <a:xfrm flipH="1" flipV="1">
+              <a:off x="7543800" y="3852333"/>
+              <a:ext cx="461433" cy="465667"/>
+            </a:xfrm>
+            <a:prstGeom prst="straightConnector1">
+              <a:avLst/>
+            </a:prstGeom>
+            <a:ln>
+              <a:tailEnd type="triangle"/>
+            </a:ln>
+          </p:spPr>
+          <p:style>
+            <a:lnRef idx="1">
+              <a:schemeClr val="accent1"/>
+            </a:lnRef>
+            <a:fillRef idx="0">
+              <a:schemeClr val="accent1"/>
+            </a:fillRef>
+            <a:effectRef idx="0">
+              <a:schemeClr val="accent1"/>
+            </a:effectRef>
+            <a:fontRef idx="minor">
+              <a:schemeClr val="tx1"/>
+            </a:fontRef>
+          </p:style>
+        </p:cxnSp>
+        <p:cxnSp>
+          <p:nvCxnSpPr>
+            <p:cNvPr id="4" name="직선 화살표 연결선 3">
+              <a:extLst>
+                <a:ext uri="{FF2B5EF4-FFF2-40B4-BE49-F238E27FC236}">
+                  <a16:creationId xmlns:a16="http://schemas.microsoft.com/office/drawing/2014/main" id="{5B879ABB-7BE3-71EA-7258-6A4E8207ABBA}"/>
+                </a:ext>
+              </a:extLst>
+            </p:cNvPr>
+            <p:cNvCxnSpPr>
+              <a:cxnSpLocks/>
+            </p:cNvCxnSpPr>
+            <p:nvPr/>
+          </p:nvCxnSpPr>
+          <p:spPr>
+            <a:xfrm flipH="1" flipV="1">
+              <a:off x="7052733" y="3911600"/>
+              <a:ext cx="952500" cy="1490133"/>
+            </a:xfrm>
+            <a:prstGeom prst="straightConnector1">
+              <a:avLst/>
+            </a:prstGeom>
+            <a:ln>
+              <a:tailEnd type="triangle"/>
+            </a:ln>
+          </p:spPr>
+          <p:style>
+            <a:lnRef idx="1">
+              <a:schemeClr val="accent1"/>
+            </a:lnRef>
+            <a:fillRef idx="0">
+              <a:schemeClr val="accent1"/>
+            </a:fillRef>
+            <a:effectRef idx="0">
+              <a:schemeClr val="accent1"/>
+            </a:effectRef>
+            <a:fontRef idx="minor">
+              <a:schemeClr val="tx1"/>
+            </a:fontRef>
+          </p:style>
+        </p:cxnSp>
+        <p:cxnSp>
+          <p:nvCxnSpPr>
+            <p:cNvPr id="9" name="직선 화살표 연결선 8">
+              <a:extLst>
+                <a:ext uri="{FF2B5EF4-FFF2-40B4-BE49-F238E27FC236}">
+                  <a16:creationId xmlns:a16="http://schemas.microsoft.com/office/drawing/2014/main" id="{882BC22D-D6D9-2A54-E1F4-4FA0C6AEE044}"/>
+                </a:ext>
+              </a:extLst>
+            </p:cNvPr>
+            <p:cNvCxnSpPr>
+              <a:cxnSpLocks/>
+            </p:cNvCxnSpPr>
+            <p:nvPr/>
+          </p:nvCxnSpPr>
+          <p:spPr>
+            <a:xfrm flipH="1">
+              <a:off x="7823200" y="2946400"/>
+              <a:ext cx="364067" cy="0"/>
+            </a:xfrm>
+            <a:prstGeom prst="straightConnector1">
+              <a:avLst/>
+            </a:prstGeom>
+            <a:ln>
+              <a:tailEnd type="triangle"/>
+            </a:ln>
+          </p:spPr>
+          <p:style>
+            <a:lnRef idx="1">
+              <a:schemeClr val="accent1"/>
+            </a:lnRef>
+            <a:fillRef idx="0">
+              <a:schemeClr val="accent1"/>
+            </a:fillRef>
+            <a:effectRef idx="0">
+              <a:schemeClr val="accent1"/>
+            </a:effectRef>
+            <a:fontRef idx="minor">
+              <a:schemeClr val="tx1"/>
+            </a:fontRef>
+          </p:style>
+        </p:cxnSp>
+      </p:grpSp>
     </p:spTree>
     <p:extLst>
       <p:ext uri="{BB962C8B-B14F-4D97-AF65-F5344CB8AC3E}">

--- a/MyMindNotes 기획/나의 마음 일지 모듈화 방법 선택.pptx
+++ b/MyMindNotes 기획/나의 마음 일지 모듈화 방법 선택.pptx
@@ -2405,7 +2405,13 @@
     </dgm:pt>
     <dgm:pt modelId="{846C3A45-E6C0-4E8A-BD89-19D2B988F293}" type="parTrans" cxnId="{30140B3E-C404-4C05-B13F-D7B78F4AC6A4}">
       <dgm:prSet/>
-      <dgm:spPr/>
+      <dgm:spPr>
+        <a:ln>
+          <a:solidFill>
+            <a:schemeClr val="bg1"/>
+          </a:solidFill>
+        </a:ln>
+      </dgm:spPr>
       <dgm:t>
         <a:bodyPr/>
         <a:lstStyle/>
@@ -2535,7 +2541,13 @@
     </dgm:pt>
     <dgm:pt modelId="{7277C549-7250-4038-9C79-A290452C986A}" type="parTrans" cxnId="{6A777BDF-81C2-41B9-953A-95C5DBAF7C4C}">
       <dgm:prSet/>
-      <dgm:spPr/>
+      <dgm:spPr>
+        <a:ln>
+          <a:solidFill>
+            <a:schemeClr val="bg1"/>
+          </a:solidFill>
+        </a:ln>
+      </dgm:spPr>
       <dgm:t>
         <a:bodyPr/>
         <a:lstStyle/>
@@ -2590,7 +2602,11 @@
     </dgm:pt>
     <dgm:pt modelId="{48A202E1-C5D4-4714-9E1B-A2A6E39F879D}" type="parTrans" cxnId="{0E867093-9C5B-43B8-8399-D83E6DBACE8A}">
       <dgm:prSet/>
-      <dgm:spPr/>
+      <dgm:spPr>
+        <a:ln>
+          <a:noFill/>
+        </a:ln>
+      </dgm:spPr>
       <dgm:t>
         <a:bodyPr/>
         <a:lstStyle/>
@@ -2661,7 +2677,13 @@
     </dgm:pt>
     <dgm:pt modelId="{4A30BE21-9B99-4BCC-BDCC-BF0BD4D1997F}" type="parTrans" cxnId="{C2639599-415D-48E2-AB7A-81D6E439C9FA}">
       <dgm:prSet/>
-      <dgm:spPr/>
+      <dgm:spPr>
+        <a:ln>
+          <a:solidFill>
+            <a:schemeClr val="bg1"/>
+          </a:solidFill>
+        </a:ln>
+      </dgm:spPr>
       <dgm:t>
         <a:bodyPr/>
         <a:lstStyle/>
@@ -8457,13 +8479,7 @@
         <a:noFill/>
         <a:ln w="12700" cap="flat" cmpd="sng" algn="ctr">
           <a:solidFill>
-            <a:schemeClr val="accent1">
-              <a:shade val="80000"/>
-              <a:hueOff val="0"/>
-              <a:satOff val="0"/>
-              <a:lumOff val="0"/>
-              <a:alphaOff val="0"/>
-            </a:schemeClr>
+            <a:schemeClr val="bg1"/>
           </a:solidFill>
           <a:prstDash val="solid"/>
           <a:miter lim="800000"/>
@@ -8518,15 +8534,7 @@
         </a:custGeom>
         <a:noFill/>
         <a:ln w="12700" cap="flat" cmpd="sng" algn="ctr">
-          <a:solidFill>
-            <a:schemeClr val="accent1">
-              <a:shade val="80000"/>
-              <a:hueOff val="0"/>
-              <a:satOff val="0"/>
-              <a:lumOff val="0"/>
-              <a:alphaOff val="0"/>
-            </a:schemeClr>
-          </a:solidFill>
+          <a:noFill/>
           <a:prstDash val="solid"/>
           <a:miter lim="800000"/>
         </a:ln>
@@ -8581,13 +8589,7 @@
         <a:noFill/>
         <a:ln w="12700" cap="flat" cmpd="sng" algn="ctr">
           <a:solidFill>
-            <a:schemeClr val="accent1">
-              <a:shade val="60000"/>
-              <a:hueOff val="0"/>
-              <a:satOff val="0"/>
-              <a:lumOff val="0"/>
-              <a:alphaOff val="0"/>
-            </a:schemeClr>
+            <a:schemeClr val="bg1"/>
           </a:solidFill>
           <a:prstDash val="solid"/>
           <a:miter lim="800000"/>
@@ -8643,13 +8645,7 @@
         <a:noFill/>
         <a:ln w="12700" cap="flat" cmpd="sng" algn="ctr">
           <a:solidFill>
-            <a:schemeClr val="accent1">
-              <a:shade val="60000"/>
-              <a:hueOff val="0"/>
-              <a:satOff val="0"/>
-              <a:lumOff val="0"/>
-              <a:alphaOff val="0"/>
-            </a:schemeClr>
+            <a:schemeClr val="bg1"/>
           </a:solidFill>
           <a:prstDash val="solid"/>
           <a:miter lim="800000"/>
@@ -27224,7 +27220,7 @@
           <a:p>
             <a:fld id="{EDB8FCC8-1576-4E05-820C-3A6DFBA7176C}" type="datetimeFigureOut">
               <a:rPr lang="ko-KR" altLang="en-US" smtClean="0"/>
-              <a:t>2023-06-14</a:t>
+              <a:t>2023-06-15</a:t>
             </a:fld>
             <a:endParaRPr lang="ko-KR" altLang="en-US"/>
           </a:p>
@@ -27422,7 +27418,7 @@
           <a:p>
             <a:fld id="{EDB8FCC8-1576-4E05-820C-3A6DFBA7176C}" type="datetimeFigureOut">
               <a:rPr lang="ko-KR" altLang="en-US" smtClean="0"/>
-              <a:t>2023-06-14</a:t>
+              <a:t>2023-06-15</a:t>
             </a:fld>
             <a:endParaRPr lang="ko-KR" altLang="en-US"/>
           </a:p>
@@ -27630,7 +27626,7 @@
           <a:p>
             <a:fld id="{EDB8FCC8-1576-4E05-820C-3A6DFBA7176C}" type="datetimeFigureOut">
               <a:rPr lang="ko-KR" altLang="en-US" smtClean="0"/>
-              <a:t>2023-06-14</a:t>
+              <a:t>2023-06-15</a:t>
             </a:fld>
             <a:endParaRPr lang="ko-KR" altLang="en-US"/>
           </a:p>
@@ -27828,7 +27824,7 @@
           <a:p>
             <a:fld id="{EDB8FCC8-1576-4E05-820C-3A6DFBA7176C}" type="datetimeFigureOut">
               <a:rPr lang="ko-KR" altLang="en-US" smtClean="0"/>
-              <a:t>2023-06-14</a:t>
+              <a:t>2023-06-15</a:t>
             </a:fld>
             <a:endParaRPr lang="ko-KR" altLang="en-US"/>
           </a:p>
@@ -28103,7 +28099,7 @@
           <a:p>
             <a:fld id="{EDB8FCC8-1576-4E05-820C-3A6DFBA7176C}" type="datetimeFigureOut">
               <a:rPr lang="ko-KR" altLang="en-US" smtClean="0"/>
-              <a:t>2023-06-14</a:t>
+              <a:t>2023-06-15</a:t>
             </a:fld>
             <a:endParaRPr lang="ko-KR" altLang="en-US"/>
           </a:p>
@@ -28368,7 +28364,7 @@
           <a:p>
             <a:fld id="{EDB8FCC8-1576-4E05-820C-3A6DFBA7176C}" type="datetimeFigureOut">
               <a:rPr lang="ko-KR" altLang="en-US" smtClean="0"/>
-              <a:t>2023-06-14</a:t>
+              <a:t>2023-06-15</a:t>
             </a:fld>
             <a:endParaRPr lang="ko-KR" altLang="en-US"/>
           </a:p>
@@ -28780,7 +28776,7 @@
           <a:p>
             <a:fld id="{EDB8FCC8-1576-4E05-820C-3A6DFBA7176C}" type="datetimeFigureOut">
               <a:rPr lang="ko-KR" altLang="en-US" smtClean="0"/>
-              <a:t>2023-06-14</a:t>
+              <a:t>2023-06-15</a:t>
             </a:fld>
             <a:endParaRPr lang="ko-KR" altLang="en-US"/>
           </a:p>
@@ -28921,7 +28917,7 @@
           <a:p>
             <a:fld id="{EDB8FCC8-1576-4E05-820C-3A6DFBA7176C}" type="datetimeFigureOut">
               <a:rPr lang="ko-KR" altLang="en-US" smtClean="0"/>
-              <a:t>2023-06-14</a:t>
+              <a:t>2023-06-15</a:t>
             </a:fld>
             <a:endParaRPr lang="ko-KR" altLang="en-US"/>
           </a:p>
@@ -29034,7 +29030,7 @@
           <a:p>
             <a:fld id="{EDB8FCC8-1576-4E05-820C-3A6DFBA7176C}" type="datetimeFigureOut">
               <a:rPr lang="ko-KR" altLang="en-US" smtClean="0"/>
-              <a:t>2023-06-14</a:t>
+              <a:t>2023-06-15</a:t>
             </a:fld>
             <a:endParaRPr lang="ko-KR" altLang="en-US"/>
           </a:p>
@@ -29345,7 +29341,7 @@
           <a:p>
             <a:fld id="{EDB8FCC8-1576-4E05-820C-3A6DFBA7176C}" type="datetimeFigureOut">
               <a:rPr lang="ko-KR" altLang="en-US" smtClean="0"/>
-              <a:t>2023-06-14</a:t>
+              <a:t>2023-06-15</a:t>
             </a:fld>
             <a:endParaRPr lang="ko-KR" altLang="en-US"/>
           </a:p>
@@ -29633,7 +29629,7 @@
           <a:p>
             <a:fld id="{EDB8FCC8-1576-4E05-820C-3A6DFBA7176C}" type="datetimeFigureOut">
               <a:rPr lang="ko-KR" altLang="en-US" smtClean="0"/>
-              <a:t>2023-06-14</a:t>
+              <a:t>2023-06-15</a:t>
             </a:fld>
             <a:endParaRPr lang="ko-KR" altLang="en-US"/>
           </a:p>
@@ -29874,7 +29870,7 @@
           <a:p>
             <a:fld id="{EDB8FCC8-1576-4E05-820C-3A6DFBA7176C}" type="datetimeFigureOut">
               <a:rPr lang="ko-KR" altLang="en-US" smtClean="0"/>
-              <a:t>2023-06-14</a:t>
+              <a:t>2023-06-15</a:t>
             </a:fld>
             <a:endParaRPr lang="ko-KR" altLang="en-US"/>
           </a:p>
@@ -30305,7 +30301,7 @@
         </p:nvSpPr>
         <p:spPr>
           <a:xfrm>
-            <a:off x="284480" y="612844"/>
+            <a:off x="182876" y="612844"/>
             <a:ext cx="5811520" cy="5632311"/>
           </a:xfrm>
           <a:prstGeom prst="rect">
@@ -30485,7 +30481,7 @@
             <p:nvPr>
               <p:extLst>
                 <p:ext uri="{D42A27DB-BD31-4B8C-83A1-F6EECF244321}">
-                  <p14:modId xmlns:p14="http://schemas.microsoft.com/office/powerpoint/2010/main" val="1198239966"/>
+                  <p14:modId xmlns:p14="http://schemas.microsoft.com/office/powerpoint/2010/main" val="3268840784"/>
                 </p:ext>
               </p:extLst>
             </p:nvPr>
@@ -30516,8 +30512,8 @@
           </p:nvCxnSpPr>
           <p:spPr>
             <a:xfrm flipH="1" flipV="1">
-              <a:off x="7543800" y="3852333"/>
-              <a:ext cx="461433" cy="465667"/>
+              <a:off x="7120467" y="3835400"/>
+              <a:ext cx="965200" cy="457200"/>
             </a:xfrm>
             <a:prstGeom prst="straightConnector1">
               <a:avLst/>
@@ -30557,8 +30553,8 @@
           </p:nvCxnSpPr>
           <p:spPr>
             <a:xfrm flipH="1" flipV="1">
-              <a:off x="7052733" y="3911600"/>
-              <a:ext cx="952500" cy="1490133"/>
+              <a:off x="6959600" y="3835400"/>
+              <a:ext cx="1045633" cy="1566333"/>
             </a:xfrm>
             <a:prstGeom prst="straightConnector1">
               <a:avLst/>
@@ -30624,6 +30620,129 @@
           </p:style>
         </p:cxnSp>
       </p:grpSp>
+      <p:cxnSp>
+        <p:nvCxnSpPr>
+          <p:cNvPr id="11" name="직선 화살표 연결선 10">
+            <a:extLst>
+              <a:ext uri="{FF2B5EF4-FFF2-40B4-BE49-F238E27FC236}">
+                <a16:creationId xmlns:a16="http://schemas.microsoft.com/office/drawing/2014/main" id="{2A561C84-2182-BE8C-FA90-B16A57BD2003}"/>
+              </a:ext>
+            </a:extLst>
+          </p:cNvPr>
+          <p:cNvCxnSpPr>
+            <a:cxnSpLocks/>
+          </p:cNvCxnSpPr>
+          <p:nvPr/>
+        </p:nvCxnSpPr>
+        <p:spPr>
+          <a:xfrm flipH="1">
+            <a:off x="7636935" y="2065868"/>
+            <a:ext cx="368298" cy="228599"/>
+          </a:xfrm>
+          <a:prstGeom prst="straightConnector1">
+            <a:avLst/>
+          </a:prstGeom>
+          <a:ln>
+            <a:tailEnd type="triangle"/>
+          </a:ln>
+        </p:spPr>
+        <p:style>
+          <a:lnRef idx="1">
+            <a:schemeClr val="accent1"/>
+          </a:lnRef>
+          <a:fillRef idx="0">
+            <a:schemeClr val="accent1"/>
+          </a:fillRef>
+          <a:effectRef idx="0">
+            <a:schemeClr val="accent1"/>
+          </a:effectRef>
+          <a:fontRef idx="minor">
+            <a:schemeClr val="tx1"/>
+          </a:fontRef>
+        </p:style>
+      </p:cxnSp>
+      <p:cxnSp>
+        <p:nvCxnSpPr>
+          <p:cNvPr id="26" name="직선 화살표 연결선 25">
+            <a:extLst>
+              <a:ext uri="{FF2B5EF4-FFF2-40B4-BE49-F238E27FC236}">
+                <a16:creationId xmlns:a16="http://schemas.microsoft.com/office/drawing/2014/main" id="{FC35BE35-2657-407E-454F-B238A46C1023}"/>
+              </a:ext>
+            </a:extLst>
+          </p:cNvPr>
+          <p:cNvCxnSpPr>
+            <a:cxnSpLocks/>
+          </p:cNvCxnSpPr>
+          <p:nvPr/>
+        </p:nvCxnSpPr>
+        <p:spPr>
+          <a:xfrm>
+            <a:off x="9762067" y="3513669"/>
+            <a:ext cx="0" cy="262470"/>
+          </a:xfrm>
+          <a:prstGeom prst="straightConnector1">
+            <a:avLst/>
+          </a:prstGeom>
+          <a:ln>
+            <a:tailEnd type="triangle"/>
+          </a:ln>
+        </p:spPr>
+        <p:style>
+          <a:lnRef idx="1">
+            <a:schemeClr val="accent1"/>
+          </a:lnRef>
+          <a:fillRef idx="0">
+            <a:schemeClr val="accent1"/>
+          </a:fillRef>
+          <a:effectRef idx="0">
+            <a:schemeClr val="accent1"/>
+          </a:effectRef>
+          <a:fontRef idx="minor">
+            <a:schemeClr val="tx1"/>
+          </a:fontRef>
+        </p:style>
+      </p:cxnSp>
+      <p:cxnSp>
+        <p:nvCxnSpPr>
+          <p:cNvPr id="27" name="직선 화살표 연결선 26">
+            <a:extLst>
+              <a:ext uri="{FF2B5EF4-FFF2-40B4-BE49-F238E27FC236}">
+                <a16:creationId xmlns:a16="http://schemas.microsoft.com/office/drawing/2014/main" id="{5440EE67-6AF6-4850-B8CE-189E55C0041C}"/>
+              </a:ext>
+            </a:extLst>
+          </p:cNvPr>
+          <p:cNvCxnSpPr>
+            <a:cxnSpLocks/>
+          </p:cNvCxnSpPr>
+          <p:nvPr/>
+        </p:nvCxnSpPr>
+        <p:spPr>
+          <a:xfrm>
+            <a:off x="9745133" y="4732867"/>
+            <a:ext cx="0" cy="262470"/>
+          </a:xfrm>
+          <a:prstGeom prst="straightConnector1">
+            <a:avLst/>
+          </a:prstGeom>
+          <a:ln>
+            <a:tailEnd type="triangle"/>
+          </a:ln>
+        </p:spPr>
+        <p:style>
+          <a:lnRef idx="1">
+            <a:schemeClr val="accent1"/>
+          </a:lnRef>
+          <a:fillRef idx="0">
+            <a:schemeClr val="accent1"/>
+          </a:fillRef>
+          <a:effectRef idx="0">
+            <a:schemeClr val="accent1"/>
+          </a:effectRef>
+          <a:fontRef idx="minor">
+            <a:schemeClr val="tx1"/>
+          </a:fontRef>
+        </p:style>
+      </p:cxnSp>
     </p:spTree>
     <p:extLst>
       <p:ext uri="{BB962C8B-B14F-4D97-AF65-F5344CB8AC3E}">

--- a/MyMindNotes 기획/나의 마음 일지 모듈화 방법 선택.pptx
+++ b/MyMindNotes 기획/나의 마음 일지 모듈화 방법 선택.pptx
@@ -30743,6 +30743,47 @@
           </a:fontRef>
         </p:style>
       </p:cxnSp>
+      <p:cxnSp>
+        <p:nvCxnSpPr>
+          <p:cNvPr id="2" name="직선 화살표 연결선 1">
+            <a:extLst>
+              <a:ext uri="{FF2B5EF4-FFF2-40B4-BE49-F238E27FC236}">
+                <a16:creationId xmlns:a16="http://schemas.microsoft.com/office/drawing/2014/main" id="{41B16B8D-E3FC-2642-4FA4-1E557F5182E8}"/>
+              </a:ext>
+            </a:extLst>
+          </p:cNvPr>
+          <p:cNvCxnSpPr>
+            <a:cxnSpLocks/>
+          </p:cNvCxnSpPr>
+          <p:nvPr/>
+        </p:nvCxnSpPr>
+        <p:spPr>
+          <a:xfrm>
+            <a:off x="9745133" y="2065868"/>
+            <a:ext cx="0" cy="262470"/>
+          </a:xfrm>
+          <a:prstGeom prst="straightConnector1">
+            <a:avLst/>
+          </a:prstGeom>
+          <a:ln>
+            <a:tailEnd type="triangle"/>
+          </a:ln>
+        </p:spPr>
+        <p:style>
+          <a:lnRef idx="1">
+            <a:schemeClr val="accent1"/>
+          </a:lnRef>
+          <a:fillRef idx="0">
+            <a:schemeClr val="accent1"/>
+          </a:fillRef>
+          <a:effectRef idx="0">
+            <a:schemeClr val="accent1"/>
+          </a:effectRef>
+          <a:fontRef idx="minor">
+            <a:schemeClr val="tx1"/>
+          </a:fontRef>
+        </p:style>
+      </p:cxnSp>
     </p:spTree>
     <p:extLst>
       <p:ext uri="{BB962C8B-B14F-4D97-AF65-F5344CB8AC3E}">

--- a/MyMindNotes 기획/나의 마음 일지 모듈화 방법 선택.pptx
+++ b/MyMindNotes 기획/나의 마음 일지 모듈화 방법 선택.pptx
@@ -2657,14 +2657,6 @@
           </a:r>
           <a:r>
             <a:rPr lang="en-US" altLang="ko-KR" sz="600" b="0" dirty="0" err="1"/>
-            <a:t>SharedPreferenceModule</a:t>
-          </a:r>
-          <a:r>
-            <a:rPr lang="en-US" altLang="ko-KR" sz="600" b="0" dirty="0"/>
-            <a:t>, </a:t>
-          </a:r>
-          <a:r>
-            <a:rPr lang="en-US" altLang="ko-KR" sz="600" b="0" dirty="0" err="1"/>
             <a:t>UserDiary</a:t>
           </a:r>
           <a:r>
@@ -8950,14 +8942,6 @@
           <a:r>
             <a:rPr lang="en-US" altLang="ko-KR" sz="600" b="0" kern="1200" dirty="0"/>
             <a:t>/Scopes Modules, </a:t>
-          </a:r>
-          <a:r>
-            <a:rPr lang="en-US" altLang="ko-KR" sz="600" b="0" kern="1200" dirty="0" err="1"/>
-            <a:t>SharedPreferenceModule</a:t>
-          </a:r>
-          <a:r>
-            <a:rPr lang="en-US" altLang="ko-KR" sz="600" b="0" kern="1200" dirty="0"/>
-            <a:t>, </a:t>
           </a:r>
           <a:r>
             <a:rPr lang="en-US" altLang="ko-KR" sz="600" b="0" kern="1200" dirty="0" err="1"/>
@@ -27220,7 +27204,7 @@
           <a:p>
             <a:fld id="{EDB8FCC8-1576-4E05-820C-3A6DFBA7176C}" type="datetimeFigureOut">
               <a:rPr lang="ko-KR" altLang="en-US" smtClean="0"/>
-              <a:t>2023-06-15</a:t>
+              <a:t>2023-07-23</a:t>
             </a:fld>
             <a:endParaRPr lang="ko-KR" altLang="en-US"/>
           </a:p>
@@ -27418,7 +27402,7 @@
           <a:p>
             <a:fld id="{EDB8FCC8-1576-4E05-820C-3A6DFBA7176C}" type="datetimeFigureOut">
               <a:rPr lang="ko-KR" altLang="en-US" smtClean="0"/>
-              <a:t>2023-06-15</a:t>
+              <a:t>2023-07-23</a:t>
             </a:fld>
             <a:endParaRPr lang="ko-KR" altLang="en-US"/>
           </a:p>
@@ -27626,7 +27610,7 @@
           <a:p>
             <a:fld id="{EDB8FCC8-1576-4E05-820C-3A6DFBA7176C}" type="datetimeFigureOut">
               <a:rPr lang="ko-KR" altLang="en-US" smtClean="0"/>
-              <a:t>2023-06-15</a:t>
+              <a:t>2023-07-23</a:t>
             </a:fld>
             <a:endParaRPr lang="ko-KR" altLang="en-US"/>
           </a:p>
@@ -27824,7 +27808,7 @@
           <a:p>
             <a:fld id="{EDB8FCC8-1576-4E05-820C-3A6DFBA7176C}" type="datetimeFigureOut">
               <a:rPr lang="ko-KR" altLang="en-US" smtClean="0"/>
-              <a:t>2023-06-15</a:t>
+              <a:t>2023-07-23</a:t>
             </a:fld>
             <a:endParaRPr lang="ko-KR" altLang="en-US"/>
           </a:p>
@@ -28099,7 +28083,7 @@
           <a:p>
             <a:fld id="{EDB8FCC8-1576-4E05-820C-3A6DFBA7176C}" type="datetimeFigureOut">
               <a:rPr lang="ko-KR" altLang="en-US" smtClean="0"/>
-              <a:t>2023-06-15</a:t>
+              <a:t>2023-07-23</a:t>
             </a:fld>
             <a:endParaRPr lang="ko-KR" altLang="en-US"/>
           </a:p>
@@ -28364,7 +28348,7 @@
           <a:p>
             <a:fld id="{EDB8FCC8-1576-4E05-820C-3A6DFBA7176C}" type="datetimeFigureOut">
               <a:rPr lang="ko-KR" altLang="en-US" smtClean="0"/>
-              <a:t>2023-06-15</a:t>
+              <a:t>2023-07-23</a:t>
             </a:fld>
             <a:endParaRPr lang="ko-KR" altLang="en-US"/>
           </a:p>
@@ -28776,7 +28760,7 @@
           <a:p>
             <a:fld id="{EDB8FCC8-1576-4E05-820C-3A6DFBA7176C}" type="datetimeFigureOut">
               <a:rPr lang="ko-KR" altLang="en-US" smtClean="0"/>
-              <a:t>2023-06-15</a:t>
+              <a:t>2023-07-23</a:t>
             </a:fld>
             <a:endParaRPr lang="ko-KR" altLang="en-US"/>
           </a:p>
@@ -28917,7 +28901,7 @@
           <a:p>
             <a:fld id="{EDB8FCC8-1576-4E05-820C-3A6DFBA7176C}" type="datetimeFigureOut">
               <a:rPr lang="ko-KR" altLang="en-US" smtClean="0"/>
-              <a:t>2023-06-15</a:t>
+              <a:t>2023-07-23</a:t>
             </a:fld>
             <a:endParaRPr lang="ko-KR" altLang="en-US"/>
           </a:p>
@@ -29030,7 +29014,7 @@
           <a:p>
             <a:fld id="{EDB8FCC8-1576-4E05-820C-3A6DFBA7176C}" type="datetimeFigureOut">
               <a:rPr lang="ko-KR" altLang="en-US" smtClean="0"/>
-              <a:t>2023-06-15</a:t>
+              <a:t>2023-07-23</a:t>
             </a:fld>
             <a:endParaRPr lang="ko-KR" altLang="en-US"/>
           </a:p>
@@ -29341,7 +29325,7 @@
           <a:p>
             <a:fld id="{EDB8FCC8-1576-4E05-820C-3A6DFBA7176C}" type="datetimeFigureOut">
               <a:rPr lang="ko-KR" altLang="en-US" smtClean="0"/>
-              <a:t>2023-06-15</a:t>
+              <a:t>2023-07-23</a:t>
             </a:fld>
             <a:endParaRPr lang="ko-KR" altLang="en-US"/>
           </a:p>
@@ -29629,7 +29613,7 @@
           <a:p>
             <a:fld id="{EDB8FCC8-1576-4E05-820C-3A6DFBA7176C}" type="datetimeFigureOut">
               <a:rPr lang="ko-KR" altLang="en-US" smtClean="0"/>
-              <a:t>2023-06-15</a:t>
+              <a:t>2023-07-23</a:t>
             </a:fld>
             <a:endParaRPr lang="ko-KR" altLang="en-US"/>
           </a:p>
@@ -29870,7 +29854,7 @@
           <a:p>
             <a:fld id="{EDB8FCC8-1576-4E05-820C-3A6DFBA7176C}" type="datetimeFigureOut">
               <a:rPr lang="ko-KR" altLang="en-US" smtClean="0"/>
-              <a:t>2023-06-15</a:t>
+              <a:t>2023-07-23</a:t>
             </a:fld>
             <a:endParaRPr lang="ko-KR" altLang="en-US"/>
           </a:p>
@@ -30481,7 +30465,7 @@
             <p:nvPr>
               <p:extLst>
                 <p:ext uri="{D42A27DB-BD31-4B8C-83A1-F6EECF244321}">
-                  <p14:modId xmlns:p14="http://schemas.microsoft.com/office/powerpoint/2010/main" val="3268840784"/>
+                  <p14:modId xmlns:p14="http://schemas.microsoft.com/office/powerpoint/2010/main" val="1845658576"/>
                 </p:ext>
               </p:extLst>
             </p:nvPr>

--- a/MyMindNotes 기획/나의 마음 일지 모듈화 방법 선택.pptx
+++ b/MyMindNotes 기획/나의 마음 일지 모듈화 방법 선택.pptx
@@ -2525,7 +2525,7 @@
           </a:r>
           <a:r>
             <a:rPr lang="en-US" altLang="ko-KR" sz="1400" dirty="0"/>
-            <a:t>, data sources, models, retrofit </a:t>
+            <a:t>, data sources, retrofit </a:t>
           </a:r>
           <a:r>
             <a:rPr lang="en-US" altLang="ko-KR" sz="1400" dirty="0" err="1"/>
@@ -2653,15 +2653,7 @@
           </a:r>
           <a:r>
             <a:rPr lang="en-US" altLang="ko-KR" sz="600" b="0" dirty="0"/>
-            <a:t>/Scopes Modules, </a:t>
-          </a:r>
-          <a:r>
-            <a:rPr lang="en-US" altLang="ko-KR" sz="600" b="0" dirty="0" err="1"/>
-            <a:t>UserDiary</a:t>
-          </a:r>
-          <a:r>
-            <a:rPr lang="en-US" altLang="ko-KR" sz="600" b="0" dirty="0"/>
-            <a:t> Model</a:t>
+            <a:t>/Scopes Modules, DTOs</a:t>
           </a:r>
           <a:endParaRPr lang="ko-KR" altLang="en-US" sz="600" b="1" dirty="0"/>
         </a:p>
@@ -8941,15 +8933,7 @@
           </a:r>
           <a:r>
             <a:rPr lang="en-US" altLang="ko-KR" sz="600" b="0" kern="1200" dirty="0"/>
-            <a:t>/Scopes Modules, </a:t>
-          </a:r>
-          <a:r>
-            <a:rPr lang="en-US" altLang="ko-KR" sz="600" b="0" kern="1200" dirty="0" err="1"/>
-            <a:t>UserDiary</a:t>
-          </a:r>
-          <a:r>
-            <a:rPr lang="en-US" altLang="ko-KR" sz="600" b="0" kern="1200" dirty="0"/>
-            <a:t> Model</a:t>
+            <a:t>/Scopes Modules, DTOs</a:t>
           </a:r>
           <a:endParaRPr lang="ko-KR" altLang="en-US" sz="600" b="1" kern="1200" dirty="0"/>
         </a:p>
@@ -9402,7 +9386,7 @@
           </a:r>
           <a:r>
             <a:rPr lang="en-US" altLang="ko-KR" sz="1400" kern="1200" dirty="0"/>
-            <a:t>, data sources, models, retrofit </a:t>
+            <a:t>, data sources, retrofit </a:t>
           </a:r>
           <a:r>
             <a:rPr lang="en-US" altLang="ko-KR" sz="1400" kern="1200" dirty="0" err="1"/>
@@ -27204,7 +27188,7 @@
           <a:p>
             <a:fld id="{EDB8FCC8-1576-4E05-820C-3A6DFBA7176C}" type="datetimeFigureOut">
               <a:rPr lang="ko-KR" altLang="en-US" smtClean="0"/>
-              <a:t>2023-07-23</a:t>
+              <a:t>2023-08-03</a:t>
             </a:fld>
             <a:endParaRPr lang="ko-KR" altLang="en-US"/>
           </a:p>
@@ -27402,7 +27386,7 @@
           <a:p>
             <a:fld id="{EDB8FCC8-1576-4E05-820C-3A6DFBA7176C}" type="datetimeFigureOut">
               <a:rPr lang="ko-KR" altLang="en-US" smtClean="0"/>
-              <a:t>2023-07-23</a:t>
+              <a:t>2023-08-03</a:t>
             </a:fld>
             <a:endParaRPr lang="ko-KR" altLang="en-US"/>
           </a:p>
@@ -27610,7 +27594,7 @@
           <a:p>
             <a:fld id="{EDB8FCC8-1576-4E05-820C-3A6DFBA7176C}" type="datetimeFigureOut">
               <a:rPr lang="ko-KR" altLang="en-US" smtClean="0"/>
-              <a:t>2023-07-23</a:t>
+              <a:t>2023-08-03</a:t>
             </a:fld>
             <a:endParaRPr lang="ko-KR" altLang="en-US"/>
           </a:p>
@@ -27808,7 +27792,7 @@
           <a:p>
             <a:fld id="{EDB8FCC8-1576-4E05-820C-3A6DFBA7176C}" type="datetimeFigureOut">
               <a:rPr lang="ko-KR" altLang="en-US" smtClean="0"/>
-              <a:t>2023-07-23</a:t>
+              <a:t>2023-08-03</a:t>
             </a:fld>
             <a:endParaRPr lang="ko-KR" altLang="en-US"/>
           </a:p>
@@ -28083,7 +28067,7 @@
           <a:p>
             <a:fld id="{EDB8FCC8-1576-4E05-820C-3A6DFBA7176C}" type="datetimeFigureOut">
               <a:rPr lang="ko-KR" altLang="en-US" smtClean="0"/>
-              <a:t>2023-07-23</a:t>
+              <a:t>2023-08-03</a:t>
             </a:fld>
             <a:endParaRPr lang="ko-KR" altLang="en-US"/>
           </a:p>
@@ -28348,7 +28332,7 @@
           <a:p>
             <a:fld id="{EDB8FCC8-1576-4E05-820C-3A6DFBA7176C}" type="datetimeFigureOut">
               <a:rPr lang="ko-KR" altLang="en-US" smtClean="0"/>
-              <a:t>2023-07-23</a:t>
+              <a:t>2023-08-03</a:t>
             </a:fld>
             <a:endParaRPr lang="ko-KR" altLang="en-US"/>
           </a:p>
@@ -28760,7 +28744,7 @@
           <a:p>
             <a:fld id="{EDB8FCC8-1576-4E05-820C-3A6DFBA7176C}" type="datetimeFigureOut">
               <a:rPr lang="ko-KR" altLang="en-US" smtClean="0"/>
-              <a:t>2023-07-23</a:t>
+              <a:t>2023-08-03</a:t>
             </a:fld>
             <a:endParaRPr lang="ko-KR" altLang="en-US"/>
           </a:p>
@@ -28901,7 +28885,7 @@
           <a:p>
             <a:fld id="{EDB8FCC8-1576-4E05-820C-3A6DFBA7176C}" type="datetimeFigureOut">
               <a:rPr lang="ko-KR" altLang="en-US" smtClean="0"/>
-              <a:t>2023-07-23</a:t>
+              <a:t>2023-08-03</a:t>
             </a:fld>
             <a:endParaRPr lang="ko-KR" altLang="en-US"/>
           </a:p>
@@ -29014,7 +28998,7 @@
           <a:p>
             <a:fld id="{EDB8FCC8-1576-4E05-820C-3A6DFBA7176C}" type="datetimeFigureOut">
               <a:rPr lang="ko-KR" altLang="en-US" smtClean="0"/>
-              <a:t>2023-07-23</a:t>
+              <a:t>2023-08-03</a:t>
             </a:fld>
             <a:endParaRPr lang="ko-KR" altLang="en-US"/>
           </a:p>
@@ -29325,7 +29309,7 @@
           <a:p>
             <a:fld id="{EDB8FCC8-1576-4E05-820C-3A6DFBA7176C}" type="datetimeFigureOut">
               <a:rPr lang="ko-KR" altLang="en-US" smtClean="0"/>
-              <a:t>2023-07-23</a:t>
+              <a:t>2023-08-03</a:t>
             </a:fld>
             <a:endParaRPr lang="ko-KR" altLang="en-US"/>
           </a:p>
@@ -29613,7 +29597,7 @@
           <a:p>
             <a:fld id="{EDB8FCC8-1576-4E05-820C-3A6DFBA7176C}" type="datetimeFigureOut">
               <a:rPr lang="ko-KR" altLang="en-US" smtClean="0"/>
-              <a:t>2023-07-23</a:t>
+              <a:t>2023-08-03</a:t>
             </a:fld>
             <a:endParaRPr lang="ko-KR" altLang="en-US"/>
           </a:p>
@@ -29854,7 +29838,7 @@
           <a:p>
             <a:fld id="{EDB8FCC8-1576-4E05-820C-3A6DFBA7176C}" type="datetimeFigureOut">
               <a:rPr lang="ko-KR" altLang="en-US" smtClean="0"/>
-              <a:t>2023-07-23</a:t>
+              <a:t>2023-08-03</a:t>
             </a:fld>
             <a:endParaRPr lang="ko-KR" altLang="en-US"/>
           </a:p>
@@ -30465,7 +30449,7 @@
             <p:nvPr>
               <p:extLst>
                 <p:ext uri="{D42A27DB-BD31-4B8C-83A1-F6EECF244321}">
-                  <p14:modId xmlns:p14="http://schemas.microsoft.com/office/powerpoint/2010/main" val="1845658576"/>
+                  <p14:modId xmlns:p14="http://schemas.microsoft.com/office/powerpoint/2010/main" val="2171698808"/>
                 </p:ext>
               </p:extLst>
             </p:nvPr>
